--- a/RWorkshopPart2-DataAndPackages.pptx
+++ b/RWorkshopPart2-DataAndPackages.pptx
@@ -152,6 +152,22 @@
       </a:defRPr>
     </a:lvl9pPr>
   </p:defaultTextStyle>
+  <p:extLst>
+    <p:ext uri="{EFAFB233-063F-42B5-8137-9DF3F51BA10A}">
+      <p15:sldGuideLst xmlns:p15="http://schemas.microsoft.com/office/powerpoint/2012/main">
+        <p15:guide id="1" orient="horz" pos="2160">
+          <p15:clr>
+            <a:srgbClr val="A4A3A4"/>
+          </p15:clr>
+        </p15:guide>
+        <p15:guide id="2" pos="2880">
+          <p15:clr>
+            <a:srgbClr val="A4A3A4"/>
+          </p15:clr>
+        </p15:guide>
+      </p15:sldGuideLst>
+    </p:ext>
+  </p:extLst>
 </p:presentation>
 </file>
 
@@ -237,7 +253,7 @@
           <a:p>
             <a:fld id="{F3717877-7615-AF43-A15C-285D0785D62B}" type="datetimeFigureOut">
               <a:rPr lang="en-US" smtClean="0"/>
-              <a:t>6/13/19</a:t>
+              <a:t>1/7/21</a:t>
             </a:fld>
             <a:endParaRPr lang="en-US"/>
           </a:p>
@@ -403,7 +419,7 @@
           <a:p>
             <a:fld id="{CC38DD35-9531-594F-83BF-4DA14DBC8189}" type="datetimeFigureOut">
               <a:rPr lang="en-US" smtClean="0"/>
-              <a:t>6/13/19</a:t>
+              <a:t>1/7/21</a:t>
             </a:fld>
             <a:endParaRPr lang="en-US"/>
           </a:p>
@@ -467,38 +483,37 @@
           <a:p>
             <a:pPr lvl="0"/>
             <a:r>
-              <a:rPr lang="en-US" smtClean="0"/>
+              <a:rPr lang="en-US"/>
               <a:t>Click to edit Master text styles</a:t>
             </a:r>
           </a:p>
           <a:p>
             <a:pPr lvl="1"/>
             <a:r>
-              <a:rPr lang="en-US" smtClean="0"/>
+              <a:rPr lang="en-US"/>
               <a:t>Second level</a:t>
             </a:r>
           </a:p>
           <a:p>
             <a:pPr lvl="2"/>
             <a:r>
-              <a:rPr lang="en-US" smtClean="0"/>
+              <a:rPr lang="en-US"/>
               <a:t>Third level</a:t>
             </a:r>
           </a:p>
           <a:p>
             <a:pPr lvl="3"/>
             <a:r>
-              <a:rPr lang="en-US" smtClean="0"/>
+              <a:rPr lang="en-US"/>
               <a:t>Fourth level</a:t>
             </a:r>
           </a:p>
           <a:p>
             <a:pPr lvl="4"/>
             <a:r>
-              <a:rPr lang="en-US" smtClean="0"/>
+              <a:rPr lang="en-US"/>
               <a:t>Fifth level</a:t>
             </a:r>
-            <a:endParaRPr lang="en-US"/>
           </a:p>
         </p:txBody>
       </p:sp>
@@ -710,10 +725,9 @@
           <a:lstStyle/>
           <a:p>
             <a:r>
-              <a:rPr lang="en-US" smtClean="0"/>
+              <a:rPr lang="en-US"/>
               <a:t>Click to edit Master title style</a:t>
             </a:r>
-            <a:endParaRPr lang="en-US"/>
           </a:p>
         </p:txBody>
       </p:sp>
@@ -829,10 +843,9 @@
           </a:lstStyle>
           <a:p>
             <a:r>
-              <a:rPr lang="en-US" smtClean="0"/>
+              <a:rPr lang="en-US"/>
               <a:t>Click to edit Master subtitle style</a:t>
             </a:r>
-            <a:endParaRPr lang="en-US"/>
           </a:p>
         </p:txBody>
       </p:sp>
@@ -853,7 +866,7 @@
           <a:p>
             <a:fld id="{5B6DAEED-F786-AB4A-9D8D-DBEB84781174}" type="datetime1">
               <a:rPr lang="en-US" smtClean="0"/>
-              <a:t>6/13/19</a:t>
+              <a:t>1/7/21</a:t>
             </a:fld>
             <a:endParaRPr lang="en-US"/>
           </a:p>
@@ -947,10 +960,9 @@
           <a:lstStyle/>
           <a:p>
             <a:r>
-              <a:rPr lang="en-US" smtClean="0"/>
+              <a:rPr lang="en-US"/>
               <a:t>Click to edit Master title style</a:t>
             </a:r>
-            <a:endParaRPr lang="en-US"/>
           </a:p>
         </p:txBody>
       </p:sp>
@@ -971,38 +983,37 @@
           <a:p>
             <a:pPr lvl="0"/>
             <a:r>
-              <a:rPr lang="en-US" smtClean="0"/>
+              <a:rPr lang="en-US"/>
               <a:t>Click to edit Master text styles</a:t>
             </a:r>
           </a:p>
           <a:p>
             <a:pPr lvl="1"/>
             <a:r>
-              <a:rPr lang="en-US" smtClean="0"/>
+              <a:rPr lang="en-US"/>
               <a:t>Second level</a:t>
             </a:r>
           </a:p>
           <a:p>
             <a:pPr lvl="2"/>
             <a:r>
-              <a:rPr lang="en-US" smtClean="0"/>
+              <a:rPr lang="en-US"/>
               <a:t>Third level</a:t>
             </a:r>
           </a:p>
           <a:p>
             <a:pPr lvl="3"/>
             <a:r>
-              <a:rPr lang="en-US" smtClean="0"/>
+              <a:rPr lang="en-US"/>
               <a:t>Fourth level</a:t>
             </a:r>
           </a:p>
           <a:p>
             <a:pPr lvl="4"/>
             <a:r>
-              <a:rPr lang="en-US" smtClean="0"/>
+              <a:rPr lang="en-US"/>
               <a:t>Fifth level</a:t>
             </a:r>
-            <a:endParaRPr lang="en-US"/>
           </a:p>
         </p:txBody>
       </p:sp>
@@ -1023,7 +1034,7 @@
           <a:p>
             <a:fld id="{AEB20C2C-7840-4D4E-99FE-B03E89588138}" type="datetime1">
               <a:rPr lang="en-US" smtClean="0"/>
-              <a:t>6/13/19</a:t>
+              <a:t>1/7/21</a:t>
             </a:fld>
             <a:endParaRPr lang="en-US"/>
           </a:p>
@@ -1122,10 +1133,9 @@
           <a:lstStyle/>
           <a:p>
             <a:r>
-              <a:rPr lang="en-US" smtClean="0"/>
+              <a:rPr lang="en-US"/>
               <a:t>Click to edit Master title style</a:t>
             </a:r>
-            <a:endParaRPr lang="en-US"/>
           </a:p>
         </p:txBody>
       </p:sp>
@@ -1151,38 +1161,37 @@
           <a:p>
             <a:pPr lvl="0"/>
             <a:r>
-              <a:rPr lang="en-US" smtClean="0"/>
+              <a:rPr lang="en-US"/>
               <a:t>Click to edit Master text styles</a:t>
             </a:r>
           </a:p>
           <a:p>
             <a:pPr lvl="1"/>
             <a:r>
-              <a:rPr lang="en-US" smtClean="0"/>
+              <a:rPr lang="en-US"/>
               <a:t>Second level</a:t>
             </a:r>
           </a:p>
           <a:p>
             <a:pPr lvl="2"/>
             <a:r>
-              <a:rPr lang="en-US" smtClean="0"/>
+              <a:rPr lang="en-US"/>
               <a:t>Third level</a:t>
             </a:r>
           </a:p>
           <a:p>
             <a:pPr lvl="3"/>
             <a:r>
-              <a:rPr lang="en-US" smtClean="0"/>
+              <a:rPr lang="en-US"/>
               <a:t>Fourth level</a:t>
             </a:r>
           </a:p>
           <a:p>
             <a:pPr lvl="4"/>
             <a:r>
-              <a:rPr lang="en-US" smtClean="0"/>
+              <a:rPr lang="en-US"/>
               <a:t>Fifth level</a:t>
             </a:r>
-            <a:endParaRPr lang="en-US"/>
           </a:p>
         </p:txBody>
       </p:sp>
@@ -1203,7 +1212,7 @@
           <a:p>
             <a:fld id="{696A702B-D906-D846-9FFA-B2F2237A216C}" type="datetime1">
               <a:rPr lang="en-US" smtClean="0"/>
-              <a:t>6/13/19</a:t>
+              <a:t>1/7/21</a:t>
             </a:fld>
             <a:endParaRPr lang="en-US"/>
           </a:p>
@@ -1297,10 +1306,9 @@
           <a:lstStyle/>
           <a:p>
             <a:r>
-              <a:rPr lang="en-US" smtClean="0"/>
+              <a:rPr lang="en-US"/>
               <a:t>Click to edit Master title style</a:t>
             </a:r>
-            <a:endParaRPr lang="en-US"/>
           </a:p>
         </p:txBody>
       </p:sp>
@@ -1321,38 +1329,37 @@
           <a:p>
             <a:pPr lvl="0"/>
             <a:r>
-              <a:rPr lang="en-US" smtClean="0"/>
+              <a:rPr lang="en-US"/>
               <a:t>Click to edit Master text styles</a:t>
             </a:r>
           </a:p>
           <a:p>
             <a:pPr lvl="1"/>
             <a:r>
-              <a:rPr lang="en-US" smtClean="0"/>
+              <a:rPr lang="en-US"/>
               <a:t>Second level</a:t>
             </a:r>
           </a:p>
           <a:p>
             <a:pPr lvl="2"/>
             <a:r>
-              <a:rPr lang="en-US" smtClean="0"/>
+              <a:rPr lang="en-US"/>
               <a:t>Third level</a:t>
             </a:r>
           </a:p>
           <a:p>
             <a:pPr lvl="3"/>
             <a:r>
-              <a:rPr lang="en-US" smtClean="0"/>
+              <a:rPr lang="en-US"/>
               <a:t>Fourth level</a:t>
             </a:r>
           </a:p>
           <a:p>
             <a:pPr lvl="4"/>
             <a:r>
-              <a:rPr lang="en-US" smtClean="0"/>
+              <a:rPr lang="en-US"/>
               <a:t>Fifth level</a:t>
             </a:r>
-            <a:endParaRPr lang="en-US"/>
           </a:p>
         </p:txBody>
       </p:sp>
@@ -1373,7 +1380,7 @@
           <a:p>
             <a:fld id="{EB79B524-030F-AF44-B302-F4E72FEF0F48}" type="datetime1">
               <a:rPr lang="en-US" smtClean="0"/>
-              <a:t>6/13/19</a:t>
+              <a:t>1/7/21</a:t>
             </a:fld>
             <a:endParaRPr lang="en-US"/>
           </a:p>
@@ -1476,10 +1483,9 @@
           </a:lstStyle>
           <a:p>
             <a:r>
-              <a:rPr lang="en-US" smtClean="0"/>
+              <a:rPr lang="en-US"/>
               <a:t>Click to edit Master title style</a:t>
             </a:r>
-            <a:endParaRPr lang="en-US"/>
           </a:p>
         </p:txBody>
       </p:sp>
@@ -1596,7 +1602,7 @@
           <a:p>
             <a:pPr lvl="0"/>
             <a:r>
-              <a:rPr lang="en-US" smtClean="0"/>
+              <a:rPr lang="en-US"/>
               <a:t>Click to edit Master text styles</a:t>
             </a:r>
           </a:p>
@@ -1619,7 +1625,7 @@
           <a:p>
             <a:fld id="{BD1EEF56-89A2-1C48-A860-730D8C57FE15}" type="datetime1">
               <a:rPr lang="en-US" smtClean="0"/>
-              <a:t>6/13/19</a:t>
+              <a:t>1/7/21</a:t>
             </a:fld>
             <a:endParaRPr lang="en-US"/>
           </a:p>
@@ -1713,10 +1719,9 @@
           <a:lstStyle/>
           <a:p>
             <a:r>
-              <a:rPr lang="en-US" smtClean="0"/>
+              <a:rPr lang="en-US"/>
               <a:t>Click to edit Master title style</a:t>
             </a:r>
-            <a:endParaRPr lang="en-US"/>
           </a:p>
         </p:txBody>
       </p:sp>
@@ -1770,38 +1775,37 @@
           <a:p>
             <a:pPr lvl="0"/>
             <a:r>
-              <a:rPr lang="en-US" smtClean="0"/>
+              <a:rPr lang="en-US"/>
               <a:t>Click to edit Master text styles</a:t>
             </a:r>
           </a:p>
           <a:p>
             <a:pPr lvl="1"/>
             <a:r>
-              <a:rPr lang="en-US" smtClean="0"/>
+              <a:rPr lang="en-US"/>
               <a:t>Second level</a:t>
             </a:r>
           </a:p>
           <a:p>
             <a:pPr lvl="2"/>
             <a:r>
-              <a:rPr lang="en-US" smtClean="0"/>
+              <a:rPr lang="en-US"/>
               <a:t>Third level</a:t>
             </a:r>
           </a:p>
           <a:p>
             <a:pPr lvl="3"/>
             <a:r>
-              <a:rPr lang="en-US" smtClean="0"/>
+              <a:rPr lang="en-US"/>
               <a:t>Fourth level</a:t>
             </a:r>
           </a:p>
           <a:p>
             <a:pPr lvl="4"/>
             <a:r>
-              <a:rPr lang="en-US" smtClean="0"/>
+              <a:rPr lang="en-US"/>
               <a:t>Fifth level</a:t>
             </a:r>
-            <a:endParaRPr lang="en-US"/>
           </a:p>
         </p:txBody>
       </p:sp>
@@ -1855,38 +1859,37 @@
           <a:p>
             <a:pPr lvl="0"/>
             <a:r>
-              <a:rPr lang="en-US" smtClean="0"/>
+              <a:rPr lang="en-US"/>
               <a:t>Click to edit Master text styles</a:t>
             </a:r>
           </a:p>
           <a:p>
             <a:pPr lvl="1"/>
             <a:r>
-              <a:rPr lang="en-US" smtClean="0"/>
+              <a:rPr lang="en-US"/>
               <a:t>Second level</a:t>
             </a:r>
           </a:p>
           <a:p>
             <a:pPr lvl="2"/>
             <a:r>
-              <a:rPr lang="en-US" smtClean="0"/>
+              <a:rPr lang="en-US"/>
               <a:t>Third level</a:t>
             </a:r>
           </a:p>
           <a:p>
             <a:pPr lvl="3"/>
             <a:r>
-              <a:rPr lang="en-US" smtClean="0"/>
+              <a:rPr lang="en-US"/>
               <a:t>Fourth level</a:t>
             </a:r>
           </a:p>
           <a:p>
             <a:pPr lvl="4"/>
             <a:r>
-              <a:rPr lang="en-US" smtClean="0"/>
+              <a:rPr lang="en-US"/>
               <a:t>Fifth level</a:t>
             </a:r>
-            <a:endParaRPr lang="en-US"/>
           </a:p>
         </p:txBody>
       </p:sp>
@@ -1907,7 +1910,7 @@
           <a:p>
             <a:fld id="{CF60464F-8784-A24B-8774-2C975FA8DFE7}" type="datetime1">
               <a:rPr lang="en-US" smtClean="0"/>
-              <a:t>6/13/19</a:t>
+              <a:t>1/7/21</a:t>
             </a:fld>
             <a:endParaRPr lang="en-US"/>
           </a:p>
@@ -2005,10 +2008,9 @@
           </a:lstStyle>
           <a:p>
             <a:r>
-              <a:rPr lang="en-US" smtClean="0"/>
+              <a:rPr lang="en-US"/>
               <a:t>Click to edit Master title style</a:t>
             </a:r>
-            <a:endParaRPr lang="en-US"/>
           </a:p>
         </p:txBody>
       </p:sp>
@@ -2071,7 +2073,7 @@
           <a:p>
             <a:pPr lvl="0"/>
             <a:r>
-              <a:rPr lang="en-US" smtClean="0"/>
+              <a:rPr lang="en-US"/>
               <a:t>Click to edit Master text styles</a:t>
             </a:r>
           </a:p>
@@ -2127,38 +2129,37 @@
           <a:p>
             <a:pPr lvl="0"/>
             <a:r>
-              <a:rPr lang="en-US" smtClean="0"/>
+              <a:rPr lang="en-US"/>
               <a:t>Click to edit Master text styles</a:t>
             </a:r>
           </a:p>
           <a:p>
             <a:pPr lvl="1"/>
             <a:r>
-              <a:rPr lang="en-US" smtClean="0"/>
+              <a:rPr lang="en-US"/>
               <a:t>Second level</a:t>
             </a:r>
           </a:p>
           <a:p>
             <a:pPr lvl="2"/>
             <a:r>
-              <a:rPr lang="en-US" smtClean="0"/>
+              <a:rPr lang="en-US"/>
               <a:t>Third level</a:t>
             </a:r>
           </a:p>
           <a:p>
             <a:pPr lvl="3"/>
             <a:r>
-              <a:rPr lang="en-US" smtClean="0"/>
+              <a:rPr lang="en-US"/>
               <a:t>Fourth level</a:t>
             </a:r>
           </a:p>
           <a:p>
             <a:pPr lvl="4"/>
             <a:r>
-              <a:rPr lang="en-US" smtClean="0"/>
+              <a:rPr lang="en-US"/>
               <a:t>Fifth level</a:t>
             </a:r>
-            <a:endParaRPr lang="en-US"/>
           </a:p>
         </p:txBody>
       </p:sp>
@@ -2221,7 +2222,7 @@
           <a:p>
             <a:pPr lvl="0"/>
             <a:r>
-              <a:rPr lang="en-US" smtClean="0"/>
+              <a:rPr lang="en-US"/>
               <a:t>Click to edit Master text styles</a:t>
             </a:r>
           </a:p>
@@ -2277,38 +2278,37 @@
           <a:p>
             <a:pPr lvl="0"/>
             <a:r>
-              <a:rPr lang="en-US" smtClean="0"/>
+              <a:rPr lang="en-US"/>
               <a:t>Click to edit Master text styles</a:t>
             </a:r>
           </a:p>
           <a:p>
             <a:pPr lvl="1"/>
             <a:r>
-              <a:rPr lang="en-US" smtClean="0"/>
+              <a:rPr lang="en-US"/>
               <a:t>Second level</a:t>
             </a:r>
           </a:p>
           <a:p>
             <a:pPr lvl="2"/>
             <a:r>
-              <a:rPr lang="en-US" smtClean="0"/>
+              <a:rPr lang="en-US"/>
               <a:t>Third level</a:t>
             </a:r>
           </a:p>
           <a:p>
             <a:pPr lvl="3"/>
             <a:r>
-              <a:rPr lang="en-US" smtClean="0"/>
+              <a:rPr lang="en-US"/>
               <a:t>Fourth level</a:t>
             </a:r>
           </a:p>
           <a:p>
             <a:pPr lvl="4"/>
             <a:r>
-              <a:rPr lang="en-US" smtClean="0"/>
+              <a:rPr lang="en-US"/>
               <a:t>Fifth level</a:t>
             </a:r>
-            <a:endParaRPr lang="en-US"/>
           </a:p>
         </p:txBody>
       </p:sp>
@@ -2329,7 +2329,7 @@
           <a:p>
             <a:fld id="{8F874D85-658E-184E-9F66-D953F6D8C4BF}" type="datetime1">
               <a:rPr lang="en-US" smtClean="0"/>
-              <a:t>6/13/19</a:t>
+              <a:t>1/7/21</a:t>
             </a:fld>
             <a:endParaRPr lang="en-US"/>
           </a:p>
@@ -2423,10 +2423,9 @@
           <a:lstStyle/>
           <a:p>
             <a:r>
-              <a:rPr lang="en-US" smtClean="0"/>
+              <a:rPr lang="en-US"/>
               <a:t>Click to edit Master title style</a:t>
             </a:r>
-            <a:endParaRPr lang="en-US"/>
           </a:p>
         </p:txBody>
       </p:sp>
@@ -2447,7 +2446,7 @@
           <a:p>
             <a:fld id="{FE85A5AB-34CC-B547-B79D-F13D48B27D4E}" type="datetime1">
               <a:rPr lang="en-US" smtClean="0"/>
-              <a:t>6/13/19</a:t>
+              <a:t>1/7/21</a:t>
             </a:fld>
             <a:endParaRPr lang="en-US"/>
           </a:p>
@@ -2542,7 +2541,7 @@
           <a:p>
             <a:fld id="{0C7BAE3D-096B-6C44-AE69-AF99EBAEC0CD}" type="datetime1">
               <a:rPr lang="en-US" smtClean="0"/>
-              <a:t>6/13/19</a:t>
+              <a:t>1/7/21</a:t>
             </a:fld>
             <a:endParaRPr lang="en-US"/>
           </a:p>
@@ -2645,10 +2644,9 @@
           </a:lstStyle>
           <a:p>
             <a:r>
-              <a:rPr lang="en-US" smtClean="0"/>
+              <a:rPr lang="en-US"/>
               <a:t>Click to edit Master title style</a:t>
             </a:r>
-            <a:endParaRPr lang="en-US"/>
           </a:p>
         </p:txBody>
       </p:sp>
@@ -2702,38 +2700,37 @@
           <a:p>
             <a:pPr lvl="0"/>
             <a:r>
-              <a:rPr lang="en-US" smtClean="0"/>
+              <a:rPr lang="en-US"/>
               <a:t>Click to edit Master text styles</a:t>
             </a:r>
           </a:p>
           <a:p>
             <a:pPr lvl="1"/>
             <a:r>
-              <a:rPr lang="en-US" smtClean="0"/>
+              <a:rPr lang="en-US"/>
               <a:t>Second level</a:t>
             </a:r>
           </a:p>
           <a:p>
             <a:pPr lvl="2"/>
             <a:r>
-              <a:rPr lang="en-US" smtClean="0"/>
+              <a:rPr lang="en-US"/>
               <a:t>Third level</a:t>
             </a:r>
           </a:p>
           <a:p>
             <a:pPr lvl="3"/>
             <a:r>
-              <a:rPr lang="en-US" smtClean="0"/>
+              <a:rPr lang="en-US"/>
               <a:t>Fourth level</a:t>
             </a:r>
           </a:p>
           <a:p>
             <a:pPr lvl="4"/>
             <a:r>
-              <a:rPr lang="en-US" smtClean="0"/>
+              <a:rPr lang="en-US"/>
               <a:t>Fifth level</a:t>
             </a:r>
-            <a:endParaRPr lang="en-US"/>
           </a:p>
         </p:txBody>
       </p:sp>
@@ -2796,7 +2793,7 @@
           <a:p>
             <a:pPr lvl="0"/>
             <a:r>
-              <a:rPr lang="en-US" smtClean="0"/>
+              <a:rPr lang="en-US"/>
               <a:t>Click to edit Master text styles</a:t>
             </a:r>
           </a:p>
@@ -2819,7 +2816,7 @@
           <a:p>
             <a:fld id="{CFC084E5-4795-8C41-8EE2-FBC01F67F73B}" type="datetime1">
               <a:rPr lang="en-US" smtClean="0"/>
-              <a:t>6/13/19</a:t>
+              <a:t>1/7/21</a:t>
             </a:fld>
             <a:endParaRPr lang="en-US"/>
           </a:p>
@@ -2922,10 +2919,9 @@
           </a:lstStyle>
           <a:p>
             <a:r>
-              <a:rPr lang="en-US" smtClean="0"/>
+              <a:rPr lang="en-US"/>
               <a:t>Click to edit Master title style</a:t>
             </a:r>
-            <a:endParaRPr lang="en-US"/>
           </a:p>
         </p:txBody>
       </p:sp>
@@ -3049,7 +3045,7 @@
           <a:p>
             <a:pPr lvl="0"/>
             <a:r>
-              <a:rPr lang="en-US" smtClean="0"/>
+              <a:rPr lang="en-US"/>
               <a:t>Click to edit Master text styles</a:t>
             </a:r>
           </a:p>
@@ -3072,7 +3068,7 @@
           <a:p>
             <a:fld id="{0BDEA607-69D5-2B4E-A913-AE8D840245B6}" type="datetime1">
               <a:rPr lang="en-US" smtClean="0"/>
-              <a:t>6/13/19</a:t>
+              <a:t>1/7/21</a:t>
             </a:fld>
             <a:endParaRPr lang="en-US"/>
           </a:p>
@@ -3181,10 +3177,9 @@
           <a:lstStyle/>
           <a:p>
             <a:r>
-              <a:rPr lang="en-US" smtClean="0"/>
+              <a:rPr lang="en-US"/>
               <a:t>Click to edit Master title style</a:t>
             </a:r>
-            <a:endParaRPr lang="en-US"/>
           </a:p>
         </p:txBody>
       </p:sp>
@@ -3215,38 +3210,37 @@
           <a:p>
             <a:pPr lvl="0"/>
             <a:r>
-              <a:rPr lang="en-US" smtClean="0"/>
+              <a:rPr lang="en-US"/>
               <a:t>Click to edit Master text styles</a:t>
             </a:r>
           </a:p>
           <a:p>
             <a:pPr lvl="1"/>
             <a:r>
-              <a:rPr lang="en-US" smtClean="0"/>
+              <a:rPr lang="en-US"/>
               <a:t>Second level</a:t>
             </a:r>
           </a:p>
           <a:p>
             <a:pPr lvl="2"/>
             <a:r>
-              <a:rPr lang="en-US" smtClean="0"/>
+              <a:rPr lang="en-US"/>
               <a:t>Third level</a:t>
             </a:r>
           </a:p>
           <a:p>
             <a:pPr lvl="3"/>
             <a:r>
-              <a:rPr lang="en-US" smtClean="0"/>
+              <a:rPr lang="en-US"/>
               <a:t>Fourth level</a:t>
             </a:r>
           </a:p>
           <a:p>
             <a:pPr lvl="4"/>
             <a:r>
-              <a:rPr lang="en-US" smtClean="0"/>
+              <a:rPr lang="en-US"/>
               <a:t>Fifth level</a:t>
             </a:r>
-            <a:endParaRPr lang="en-US"/>
           </a:p>
         </p:txBody>
       </p:sp>
@@ -3285,7 +3279,7 @@
           <a:p>
             <a:fld id="{1980D06E-FDAE-284D-AC13-82681BC42AD9}" type="datetime1">
               <a:rPr lang="en-US" smtClean="0"/>
-              <a:t>6/13/19</a:t>
+              <a:t>1/7/21</a:t>
             </a:fld>
             <a:endParaRPr lang="en-US"/>
           </a:p>
@@ -3677,17 +3671,16 @@
           <a:lstStyle/>
           <a:p>
             <a:r>
-              <a:rPr lang="en-US" dirty="0" smtClean="0"/>
+              <a:rPr lang="en-US" dirty="0"/>
               <a:t>R Workshop, Part 2</a:t>
             </a:r>
             <a:br>
-              <a:rPr lang="en-US" dirty="0" smtClean="0"/>
+              <a:rPr lang="en-US" dirty="0"/>
             </a:br>
             <a:r>
-              <a:rPr lang="en-US" dirty="0" smtClean="0"/>
+              <a:rPr lang="en-US" dirty="0"/>
               <a:t>(Data and Packages)</a:t>
             </a:r>
-            <a:endParaRPr lang="en-US" dirty="0"/>
           </a:p>
         </p:txBody>
       </p:sp>
@@ -3721,8 +3714,8 @@
           </a:p>
           <a:p>
             <a:r>
-              <a:rPr lang="en-US"/>
-              <a:t>SER 2019</a:t>
+              <a:rPr lang="en-US" dirty="0"/>
+              <a:t>SER 2020</a:t>
             </a:r>
           </a:p>
           <a:p>
@@ -3788,14 +3781,14 @@
           </a:ln>
           <a:extLst>
             <a:ext uri="{909E8E84-426E-40dd-AFC4-6F175D3DCCD1}">
-              <a14:hiddenFill xmlns:a14="http://schemas.microsoft.com/office/drawing/2010/main">
+              <a14:hiddenFill xmlns:a14="http://schemas.microsoft.com/office/drawing/2010/main" xmlns="">
                 <a:solidFill>
                   <a:schemeClr val="accent1"/>
                 </a:solidFill>
               </a14:hiddenFill>
             </a:ext>
             <a:ext uri="{91240B29-F687-4f45-9708-019B960494DF}">
-              <a14:hiddenLine xmlns:a14="http://schemas.microsoft.com/office/drawing/2010/main" w="9525">
+              <a14:hiddenLine xmlns:a14="http://schemas.microsoft.com/office/drawing/2010/main" xmlns="" w="9525">
                 <a:solidFill>
                   <a:schemeClr val="tx1"/>
                 </a:solidFill>
@@ -3842,14 +3835,14 @@
           </a:ln>
           <a:extLst>
             <a:ext uri="{909E8E84-426E-40dd-AFC4-6F175D3DCCD1}">
-              <a14:hiddenFill xmlns:a14="http://schemas.microsoft.com/office/drawing/2010/main">
+              <a14:hiddenFill xmlns:a14="http://schemas.microsoft.com/office/drawing/2010/main" xmlns="">
                 <a:solidFill>
                   <a:schemeClr val="accent1"/>
                 </a:solidFill>
               </a14:hiddenFill>
             </a:ext>
             <a:ext uri="{91240B29-F687-4f45-9708-019B960494DF}">
-              <a14:hiddenLine xmlns:a14="http://schemas.microsoft.com/office/drawing/2010/main" w="9525">
+              <a14:hiddenLine xmlns:a14="http://schemas.microsoft.com/office/drawing/2010/main" xmlns="" w="9525">
                 <a:solidFill>
                   <a:schemeClr val="tx1"/>
                 </a:solidFill>
@@ -3871,13 +3864,6 @@
   <p:clrMapOvr>
     <a:masterClrMapping/>
   </p:clrMapOvr>
-  <p:timing>
-    <p:tnLst>
-      <p:par>
-        <p:cTn xmlns:p14="http://schemas.microsoft.com/office/powerpoint/2010/main" id="1" dur="indefinite" restart="never" nodeType="tmRoot"/>
-      </p:par>
-    </p:tnLst>
-  </p:timing>
 </p:sld>
 </file>
 
@@ -3914,10 +3900,9 @@
           <a:lstStyle/>
           <a:p>
             <a:r>
-              <a:rPr lang="en-US" dirty="0" smtClean="0"/>
+              <a:rPr lang="en-US" dirty="0"/>
               <a:t>Aside: Reading from SQL</a:t>
             </a:r>
-            <a:endParaRPr lang="en-US" dirty="0"/>
           </a:p>
         </p:txBody>
       </p:sp>
@@ -3944,7 +3929,7 @@
           <a:lstStyle/>
           <a:p>
             <a:r>
-              <a:rPr lang="en-US" dirty="0" smtClean="0"/>
+              <a:rPr lang="en-US" dirty="0"/>
               <a:t>We don't do this a lot now, but it is my belief that connecting to online databases is going to be more important in the future</a:t>
             </a:r>
           </a:p>
@@ -3953,15 +3938,15 @@
           </a:p>
           <a:p>
             <a:r>
-              <a:rPr lang="en-US" dirty="0" smtClean="0"/>
+              <a:rPr lang="en-US" dirty="0"/>
               <a:t>If you agree with me, you may want to look into the </a:t>
             </a:r>
             <a:r>
-              <a:rPr lang="en-US" i="1" dirty="0" err="1" smtClean="0"/>
-              <a:t>sqldf</a:t>
-            </a:r>
-            <a:r>
-              <a:rPr lang="en-US" dirty="0" smtClean="0"/>
+              <a:rPr lang="en-US" i="1" dirty="0" err="1"/>
+              <a:t>dplyr</a:t>
+            </a:r>
+            <a:r>
+              <a:rPr lang="en-US" dirty="0"/>
               <a:t> package</a:t>
             </a:r>
           </a:p>
@@ -4006,14 +3991,14 @@
           <a:effectLst/>
           <a:extLst>
             <a:ext uri="{909E8E84-426E-40dd-AFC4-6F175D3DCCD1}">
-              <a14:hiddenFill xmlns:a14="http://schemas.microsoft.com/office/drawing/2010/main">
+              <a14:hiddenFill xmlns:a14="http://schemas.microsoft.com/office/drawing/2010/main" xmlns="">
                 <a:solidFill>
                   <a:schemeClr val="accent1"/>
                 </a:solidFill>
               </a14:hiddenFill>
             </a:ext>
             <a:ext uri="{91240B29-F687-4f45-9708-019B960494DF}">
-              <a14:hiddenLine xmlns:a14="http://schemas.microsoft.com/office/drawing/2010/main" w="9525">
+              <a14:hiddenLine xmlns:a14="http://schemas.microsoft.com/office/drawing/2010/main" xmlns="" w="9525">
                 <a:solidFill>
                   <a:schemeClr val="tx1"/>
                 </a:solidFill>
@@ -4023,7 +4008,7 @@
               </a14:hiddenLine>
             </a:ext>
             <a:ext uri="{AF507438-7753-43e0-B8FC-AC1667EBCBE1}">
-              <a14:hiddenEffects xmlns:a14="http://schemas.microsoft.com/office/drawing/2010/main">
+              <a14:hiddenEffects xmlns:a14="http://schemas.microsoft.com/office/drawing/2010/main" xmlns="">
                 <a:effectLst>
                   <a:outerShdw dist="35921" dir="2700000" algn="ctr" rotWithShape="0">
                     <a:schemeClr val="bg2"/>
@@ -4067,13 +4052,6 @@
   <p:clrMapOvr>
     <a:masterClrMapping/>
   </p:clrMapOvr>
-  <p:timing>
-    <p:tnLst>
-      <p:par>
-        <p:cTn xmlns:p14="http://schemas.microsoft.com/office/powerpoint/2010/main" id="1" dur="indefinite" restart="never" nodeType="tmRoot"/>
-      </p:par>
-    </p:tnLst>
-  </p:timing>
 </p:sld>
 </file>
 
@@ -4110,18 +4088,17 @@
           <a:lstStyle/>
           <a:p>
             <a:r>
-              <a:rPr lang="en-US" dirty="0" smtClean="0"/>
+              <a:rPr lang="en-US" dirty="0"/>
               <a:t>A note on .</a:t>
             </a:r>
             <a:r>
-              <a:rPr lang="en-US" dirty="0" err="1" smtClean="0"/>
+              <a:rPr lang="en-US" dirty="0" err="1"/>
               <a:t>RData</a:t>
             </a:r>
             <a:r>
-              <a:rPr lang="en-US" dirty="0" smtClean="0"/>
+              <a:rPr lang="en-US" dirty="0"/>
               <a:t> files</a:t>
             </a:r>
-            <a:endParaRPr lang="en-US" dirty="0"/>
           </a:p>
         </p:txBody>
       </p:sp>
@@ -4143,33 +4120,33 @@
           <a:lstStyle/>
           <a:p>
             <a:r>
-              <a:rPr lang="en-US" dirty="0" smtClean="0"/>
+              <a:rPr lang="en-US" dirty="0"/>
               <a:t>.</a:t>
             </a:r>
             <a:r>
-              <a:rPr lang="en-US" dirty="0" err="1" smtClean="0"/>
+              <a:rPr lang="en-US" dirty="0" err="1"/>
               <a:t>Rdata</a:t>
             </a:r>
             <a:r>
-              <a:rPr lang="en-US" dirty="0" smtClean="0"/>
+              <a:rPr lang="en-US" dirty="0"/>
               <a:t> files save memory of an R session, not just one data frame</a:t>
             </a:r>
           </a:p>
           <a:p>
             <a:pPr lvl="1"/>
             <a:r>
-              <a:rPr lang="en-US" dirty="0" err="1" smtClean="0"/>
+              <a:rPr lang="en-US" dirty="0" err="1"/>
               <a:t>Rdata</a:t>
             </a:r>
             <a:r>
-              <a:rPr lang="en-US" dirty="0" smtClean="0"/>
+              <a:rPr lang="en-US" dirty="0"/>
               <a:t> contains your variable names and data</a:t>
             </a:r>
           </a:p>
           <a:p>
             <a:pPr lvl="1"/>
             <a:r>
-              <a:rPr lang="en-US" dirty="0" smtClean="0"/>
+              <a:rPr lang="en-US" dirty="0"/>
               <a:t>load() does not return a data frame – it creates variables in memory</a:t>
             </a:r>
           </a:p>
@@ -4179,21 +4156,20 @@
           </a:p>
           <a:p>
             <a:pPr lvl="1"/>
-            <a:endParaRPr lang="en-US" dirty="0" smtClean="0"/>
-          </a:p>
-          <a:p>
-            <a:r>
-              <a:rPr lang="en-US" dirty="0" smtClean="0"/>
+            <a:endParaRPr lang="en-US" dirty="0"/>
+          </a:p>
+          <a:p>
+            <a:r>
+              <a:rPr lang="en-US" dirty="0"/>
               <a:t>It is my opinion that this is not usually what you want</a:t>
             </a:r>
           </a:p>
           <a:p>
             <a:pPr lvl="1"/>
             <a:r>
-              <a:rPr lang="en-US" dirty="0" smtClean="0"/>
+              <a:rPr lang="en-US" dirty="0"/>
               <a:t>Instead, re-run code to recreate session variables</a:t>
             </a:r>
-            <a:endParaRPr lang="en-US" dirty="0"/>
           </a:p>
         </p:txBody>
       </p:sp>
@@ -4230,13 +4206,6 @@
   <p:clrMapOvr>
     <a:masterClrMapping/>
   </p:clrMapOvr>
-  <p:timing>
-    <p:tnLst>
-      <p:par>
-        <p:cTn xmlns:p14="http://schemas.microsoft.com/office/powerpoint/2010/main" id="1" dur="indefinite" restart="never" nodeType="tmRoot"/>
-      </p:par>
-    </p:tnLst>
-  </p:timing>
 </p:sld>
 </file>
 
@@ -4273,10 +4242,9 @@
           <a:lstStyle/>
           <a:p>
             <a:r>
-              <a:rPr lang="en-US" dirty="0" smtClean="0"/>
+              <a:rPr lang="en-US" dirty="0"/>
               <a:t>Exploring a data frame</a:t>
             </a:r>
-            <a:endParaRPr lang="en-US" dirty="0"/>
           </a:p>
         </p:txBody>
       </p:sp>
@@ -4303,7 +4271,7 @@
           <a:lstStyle/>
           <a:p>
             <a:r>
-              <a:rPr lang="en-US" dirty="0" smtClean="0"/>
+              <a:rPr lang="en-US" dirty="0"/>
               <a:t>Some common ways to take a first look at your data frame</a:t>
             </a:r>
           </a:p>
@@ -4311,7 +4279,7 @@
             <a:pPr marL="0" indent="0">
               <a:buNone/>
             </a:pPr>
-            <a:endParaRPr lang="en-US" sz="1900" dirty="0" smtClean="0">
+            <a:endParaRPr lang="en-US" sz="1900" dirty="0">
               <a:latin typeface="Courier New" pitchFamily="49" charset="0"/>
               <a:cs typeface="Courier New" pitchFamily="49" charset="0"/>
             </a:endParaRPr>
@@ -4321,21 +4289,21 @@
               <a:buNone/>
             </a:pPr>
             <a:r>
-              <a:rPr lang="en-US" sz="1900" dirty="0" smtClean="0">
+              <a:rPr lang="en-US" sz="1900" dirty="0">
                 <a:latin typeface="Courier New" pitchFamily="49" charset="0"/>
                 <a:cs typeface="Courier New" pitchFamily="49" charset="0"/>
               </a:rPr>
               <a:t>head(</a:t>
             </a:r>
             <a:r>
-              <a:rPr lang="en-US" sz="1900" dirty="0" err="1" smtClean="0">
+              <a:rPr lang="en-US" sz="1900" dirty="0" err="1">
                 <a:latin typeface="Courier New" pitchFamily="49" charset="0"/>
                 <a:cs typeface="Courier New" pitchFamily="49" charset="0"/>
               </a:rPr>
               <a:t>infert</a:t>
             </a:r>
             <a:r>
-              <a:rPr lang="en-US" sz="1900" dirty="0" smtClean="0">
+              <a:rPr lang="en-US" sz="1900" dirty="0">
                 <a:latin typeface="Courier New" pitchFamily="49" charset="0"/>
                 <a:cs typeface="Courier New" pitchFamily="49" charset="0"/>
               </a:rPr>
@@ -4347,21 +4315,21 @@
               <a:buNone/>
             </a:pPr>
             <a:r>
-              <a:rPr lang="en-US" sz="1900" dirty="0" smtClean="0">
+              <a:rPr lang="en-US" sz="1900" dirty="0">
                 <a:latin typeface="Courier New" pitchFamily="49" charset="0"/>
                 <a:cs typeface="Courier New" pitchFamily="49" charset="0"/>
               </a:rPr>
               <a:t>tail(</a:t>
             </a:r>
             <a:r>
-              <a:rPr lang="en-US" sz="1900" dirty="0" err="1" smtClean="0">
+              <a:rPr lang="en-US" sz="1900" dirty="0" err="1">
                 <a:latin typeface="Courier New" pitchFamily="49" charset="0"/>
                 <a:cs typeface="Courier New" pitchFamily="49" charset="0"/>
               </a:rPr>
               <a:t>infert</a:t>
             </a:r>
             <a:r>
-              <a:rPr lang="en-US" sz="1900" dirty="0" smtClean="0">
+              <a:rPr lang="en-US" sz="1900" dirty="0">
                 <a:latin typeface="Courier New" pitchFamily="49" charset="0"/>
                 <a:cs typeface="Courier New" pitchFamily="49" charset="0"/>
               </a:rPr>
@@ -4373,28 +4341,28 @@
               <a:buNone/>
             </a:pPr>
             <a:r>
-              <a:rPr lang="en-US" sz="1900" dirty="0" err="1" smtClean="0">
+              <a:rPr lang="en-US" sz="1900" dirty="0" err="1">
                 <a:latin typeface="Courier New" pitchFamily="49" charset="0"/>
                 <a:cs typeface="Courier New" pitchFamily="49" charset="0"/>
               </a:rPr>
               <a:t>str</a:t>
             </a:r>
             <a:r>
-              <a:rPr lang="en-US" sz="1900" dirty="0" smtClean="0">
+              <a:rPr lang="en-US" sz="1900" dirty="0">
                 <a:latin typeface="Courier New" pitchFamily="49" charset="0"/>
                 <a:cs typeface="Courier New" pitchFamily="49" charset="0"/>
               </a:rPr>
               <a:t>(</a:t>
             </a:r>
             <a:r>
-              <a:rPr lang="en-US" sz="1900" dirty="0" err="1" smtClean="0">
+              <a:rPr lang="en-US" sz="1900" dirty="0" err="1">
                 <a:latin typeface="Courier New" pitchFamily="49" charset="0"/>
                 <a:cs typeface="Courier New" pitchFamily="49" charset="0"/>
               </a:rPr>
               <a:t>infert</a:t>
             </a:r>
             <a:r>
-              <a:rPr lang="en-US" sz="1900" dirty="0" smtClean="0">
+              <a:rPr lang="en-US" sz="1900" dirty="0">
                 <a:latin typeface="Courier New" pitchFamily="49" charset="0"/>
                 <a:cs typeface="Courier New" pitchFamily="49" charset="0"/>
               </a:rPr>
@@ -4406,28 +4374,28 @@
               <a:buNone/>
             </a:pPr>
             <a:r>
-              <a:rPr lang="en-US" sz="1900" dirty="0" err="1" smtClean="0">
+              <a:rPr lang="en-US" sz="1900" dirty="0" err="1">
                 <a:latin typeface="Courier New" pitchFamily="49" charset="0"/>
                 <a:cs typeface="Courier New" pitchFamily="49" charset="0"/>
               </a:rPr>
               <a:t>rownames</a:t>
             </a:r>
             <a:r>
-              <a:rPr lang="en-US" sz="1900" dirty="0" smtClean="0">
+              <a:rPr lang="en-US" sz="1900" dirty="0">
                 <a:latin typeface="Courier New" pitchFamily="49" charset="0"/>
                 <a:cs typeface="Courier New" pitchFamily="49" charset="0"/>
               </a:rPr>
               <a:t>(</a:t>
             </a:r>
             <a:r>
-              <a:rPr lang="en-US" sz="1900" dirty="0" err="1" smtClean="0">
+              <a:rPr lang="en-US" sz="1900" dirty="0" err="1">
                 <a:latin typeface="Courier New" pitchFamily="49" charset="0"/>
                 <a:cs typeface="Courier New" pitchFamily="49" charset="0"/>
               </a:rPr>
               <a:t>infert</a:t>
             </a:r>
             <a:r>
-              <a:rPr lang="en-US" sz="1900" dirty="0" smtClean="0">
+              <a:rPr lang="en-US" sz="1900" dirty="0">
                 <a:latin typeface="Courier New" pitchFamily="49" charset="0"/>
                 <a:cs typeface="Courier New" pitchFamily="49" charset="0"/>
               </a:rPr>
@@ -4439,28 +4407,28 @@
               <a:buNone/>
             </a:pPr>
             <a:r>
-              <a:rPr lang="en-US" sz="1900" dirty="0" err="1" smtClean="0">
+              <a:rPr lang="en-US" sz="1900" dirty="0" err="1">
                 <a:latin typeface="Courier New" pitchFamily="49" charset="0"/>
                 <a:cs typeface="Courier New" pitchFamily="49" charset="0"/>
               </a:rPr>
               <a:t>colnames</a:t>
             </a:r>
             <a:r>
-              <a:rPr lang="en-US" sz="1900" dirty="0" smtClean="0">
+              <a:rPr lang="en-US" sz="1900" dirty="0">
                 <a:latin typeface="Courier New" pitchFamily="49" charset="0"/>
                 <a:cs typeface="Courier New" pitchFamily="49" charset="0"/>
               </a:rPr>
               <a:t>(</a:t>
             </a:r>
             <a:r>
-              <a:rPr lang="en-US" sz="1900" dirty="0" err="1" smtClean="0">
+              <a:rPr lang="en-US" sz="1900" dirty="0" err="1">
                 <a:latin typeface="Courier New" pitchFamily="49" charset="0"/>
                 <a:cs typeface="Courier New" pitchFamily="49" charset="0"/>
               </a:rPr>
               <a:t>infert</a:t>
             </a:r>
             <a:r>
-              <a:rPr lang="en-US" sz="1900" dirty="0" smtClean="0">
+              <a:rPr lang="en-US" sz="1900" dirty="0">
                 <a:latin typeface="Courier New" pitchFamily="49" charset="0"/>
                 <a:cs typeface="Courier New" pitchFamily="49" charset="0"/>
               </a:rPr>
@@ -4472,28 +4440,28 @@
               <a:buNone/>
             </a:pPr>
             <a:r>
-              <a:rPr lang="en-US" sz="1900" dirty="0" err="1" smtClean="0">
+              <a:rPr lang="en-US" sz="1900" dirty="0" err="1">
                 <a:latin typeface="Courier New" pitchFamily="49" charset="0"/>
                 <a:cs typeface="Courier New" pitchFamily="49" charset="0"/>
               </a:rPr>
               <a:t>dimnames</a:t>
             </a:r>
             <a:r>
-              <a:rPr lang="en-US" sz="1900" dirty="0" smtClean="0">
+              <a:rPr lang="en-US" sz="1900" dirty="0">
                 <a:latin typeface="Courier New" pitchFamily="49" charset="0"/>
                 <a:cs typeface="Courier New" pitchFamily="49" charset="0"/>
               </a:rPr>
               <a:t>(</a:t>
             </a:r>
             <a:r>
-              <a:rPr lang="en-US" sz="1900" dirty="0" err="1" smtClean="0">
+              <a:rPr lang="en-US" sz="1900" dirty="0" err="1">
                 <a:latin typeface="Courier New" pitchFamily="49" charset="0"/>
                 <a:cs typeface="Courier New" pitchFamily="49" charset="0"/>
               </a:rPr>
               <a:t>infert</a:t>
             </a:r>
             <a:r>
-              <a:rPr lang="en-US" sz="1900" dirty="0" smtClean="0">
+              <a:rPr lang="en-US" sz="1900" dirty="0">
                 <a:latin typeface="Courier New" pitchFamily="49" charset="0"/>
                 <a:cs typeface="Courier New" pitchFamily="49" charset="0"/>
               </a:rPr>
@@ -4508,14 +4476,13 @@
           </a:p>
           <a:p>
             <a:r>
-              <a:rPr lang="en-US" dirty="0" err="1" smtClean="0"/>
+              <a:rPr lang="en-US" dirty="0" err="1"/>
               <a:t>str</a:t>
             </a:r>
             <a:r>
-              <a:rPr lang="en-US" dirty="0" smtClean="0"/>
+              <a:rPr lang="en-US" dirty="0"/>
               <a:t> is useful for all kinds of objects, not just data frames</a:t>
             </a:r>
-            <a:endParaRPr lang="en-US" dirty="0"/>
           </a:p>
         </p:txBody>
       </p:sp>
@@ -4555,14 +4522,14 @@
           <a:effectLst/>
           <a:extLst>
             <a:ext uri="{909E8E84-426E-40dd-AFC4-6F175D3DCCD1}">
-              <a14:hiddenFill xmlns:a14="http://schemas.microsoft.com/office/drawing/2010/main">
+              <a14:hiddenFill xmlns:a14="http://schemas.microsoft.com/office/drawing/2010/main" xmlns="">
                 <a:solidFill>
                   <a:schemeClr val="accent1"/>
                 </a:solidFill>
               </a14:hiddenFill>
             </a:ext>
             <a:ext uri="{91240B29-F687-4f45-9708-019B960494DF}">
-              <a14:hiddenLine xmlns:a14="http://schemas.microsoft.com/office/drawing/2010/main" w="9525">
+              <a14:hiddenLine xmlns:a14="http://schemas.microsoft.com/office/drawing/2010/main" xmlns="" w="9525">
                 <a:solidFill>
                   <a:schemeClr val="tx1"/>
                 </a:solidFill>
@@ -4572,7 +4539,7 @@
               </a14:hiddenLine>
             </a:ext>
             <a:ext uri="{AF507438-7753-43e0-B8FC-AC1667EBCBE1}">
-              <a14:hiddenEffects xmlns:a14="http://schemas.microsoft.com/office/drawing/2010/main">
+              <a14:hiddenEffects xmlns:a14="http://schemas.microsoft.com/office/drawing/2010/main" xmlns="">
                 <a:effectLst>
                   <a:outerShdw dist="35921" dir="2700000" algn="ctr" rotWithShape="0">
                     <a:schemeClr val="bg2"/>
@@ -4607,25 +4574,24 @@
           <a:p>
             <a:pPr algn="ctr"/>
             <a:r>
-              <a:rPr lang="en-US" dirty="0" smtClean="0"/>
+              <a:rPr lang="en-US" dirty="0"/>
               <a:t>Exploring </a:t>
             </a:r>
           </a:p>
           <a:p>
             <a:pPr algn="ctr"/>
             <a:r>
-              <a:rPr lang="en-US" dirty="0" smtClean="0"/>
+              <a:rPr lang="en-US" dirty="0"/>
               <a:t>(</a:t>
             </a:r>
             <a:r>
-              <a:rPr lang="en-US" dirty="0" err="1" smtClean="0"/>
+              <a:rPr lang="en-US" dirty="0" err="1"/>
               <a:t>eurocentrically</a:t>
             </a:r>
             <a:r>
-              <a:rPr lang="en-US" dirty="0" smtClean="0"/>
+              <a:rPr lang="en-US" dirty="0"/>
               <a:t>)</a:t>
             </a:r>
-            <a:endParaRPr lang="en-US" dirty="0"/>
           </a:p>
         </p:txBody>
       </p:sp>
@@ -4690,10 +4656,9 @@
           <a:lstStyle/>
           <a:p>
             <a:r>
-              <a:rPr lang="en-US" dirty="0" smtClean="0"/>
+              <a:rPr lang="en-US" dirty="0"/>
               <a:t>Note: these all work with matrices, too</a:t>
             </a:r>
-            <a:endParaRPr lang="en-US" dirty="0"/>
           </a:p>
         </p:txBody>
       </p:sp>
@@ -4730,13 +4695,6 @@
   <p:clrMapOvr>
     <a:masterClrMapping/>
   </p:clrMapOvr>
-  <p:timing>
-    <p:tnLst>
-      <p:par>
-        <p:cTn xmlns:p14="http://schemas.microsoft.com/office/powerpoint/2010/main" id="1" dur="indefinite" restart="never" nodeType="tmRoot"/>
-      </p:par>
-    </p:tnLst>
-  </p:timing>
 </p:sld>
 </file>
 
@@ -4773,10 +4731,9 @@
           <a:lstStyle/>
           <a:p>
             <a:r>
-              <a:rPr lang="en-US" dirty="0" smtClean="0"/>
+              <a:rPr lang="en-US" dirty="0"/>
               <a:t>Working with data frames</a:t>
             </a:r>
-            <a:endParaRPr lang="en-US" dirty="0"/>
           </a:p>
         </p:txBody>
       </p:sp>
@@ -4801,7 +4758,7 @@
           <a:lstStyle/>
           <a:p>
             <a:r>
-              <a:rPr lang="en-US" dirty="0" smtClean="0"/>
+              <a:rPr lang="en-US" dirty="0"/>
               <a:t>Get the dimensions of the data frame:</a:t>
             </a:r>
           </a:p>
@@ -4809,132 +4766,6 @@
             <a:pPr marL="0" indent="0">
               <a:buNone/>
             </a:pPr>
-            <a:endParaRPr lang="en-US" sz="1800" dirty="0" smtClean="0">
-              <a:latin typeface="Courier New" pitchFamily="49" charset="0"/>
-              <a:cs typeface="Courier New" pitchFamily="49" charset="0"/>
-            </a:endParaRPr>
-          </a:p>
-          <a:p>
-            <a:pPr marL="0" indent="0">
-              <a:buNone/>
-            </a:pPr>
-            <a:r>
-              <a:rPr lang="en-US" sz="1800" dirty="0" err="1" smtClean="0">
-                <a:latin typeface="Courier New" pitchFamily="49" charset="0"/>
-                <a:cs typeface="Courier New" pitchFamily="49" charset="0"/>
-              </a:rPr>
-              <a:t>nrow</a:t>
-            </a:r>
-            <a:r>
-              <a:rPr lang="en-US" sz="1800" dirty="0" smtClean="0">
-                <a:latin typeface="Courier New" pitchFamily="49" charset="0"/>
-                <a:cs typeface="Courier New" pitchFamily="49" charset="0"/>
-              </a:rPr>
-              <a:t>(</a:t>
-            </a:r>
-            <a:r>
-              <a:rPr lang="en-US" sz="1800" dirty="0" err="1" smtClean="0">
-                <a:latin typeface="Courier New" pitchFamily="49" charset="0"/>
-                <a:cs typeface="Courier New" pitchFamily="49" charset="0"/>
-              </a:rPr>
-              <a:t>infert</a:t>
-            </a:r>
-            <a:r>
-              <a:rPr lang="en-US" sz="1800" dirty="0" smtClean="0">
-                <a:latin typeface="Courier New" pitchFamily="49" charset="0"/>
-                <a:cs typeface="Courier New" pitchFamily="49" charset="0"/>
-              </a:rPr>
-              <a:t>)</a:t>
-            </a:r>
-          </a:p>
-          <a:p>
-            <a:pPr marL="0" indent="0">
-              <a:buNone/>
-            </a:pPr>
-            <a:r>
-              <a:rPr lang="en-US" sz="1800" dirty="0" err="1" smtClean="0">
-                <a:latin typeface="Courier New" pitchFamily="49" charset="0"/>
-                <a:cs typeface="Courier New" pitchFamily="49" charset="0"/>
-              </a:rPr>
-              <a:t>ncol</a:t>
-            </a:r>
-            <a:r>
-              <a:rPr lang="en-US" sz="1800" dirty="0" smtClean="0">
-                <a:latin typeface="Courier New" pitchFamily="49" charset="0"/>
-                <a:cs typeface="Courier New" pitchFamily="49" charset="0"/>
-              </a:rPr>
-              <a:t>(</a:t>
-            </a:r>
-            <a:r>
-              <a:rPr lang="en-US" sz="1800" dirty="0" err="1" smtClean="0">
-                <a:latin typeface="Courier New" pitchFamily="49" charset="0"/>
-                <a:cs typeface="Courier New" pitchFamily="49" charset="0"/>
-              </a:rPr>
-              <a:t>infert</a:t>
-            </a:r>
-            <a:r>
-              <a:rPr lang="en-US" sz="1800" dirty="0" smtClean="0">
-                <a:latin typeface="Courier New" pitchFamily="49" charset="0"/>
-                <a:cs typeface="Courier New" pitchFamily="49" charset="0"/>
-              </a:rPr>
-              <a:t>)</a:t>
-            </a:r>
-          </a:p>
-          <a:p>
-            <a:pPr marL="0" indent="0">
-              <a:buNone/>
-            </a:pPr>
-            <a:r>
-              <a:rPr lang="en-US" sz="1800" dirty="0" smtClean="0">
-                <a:latin typeface="Courier New" pitchFamily="49" charset="0"/>
-                <a:cs typeface="Courier New" pitchFamily="49" charset="0"/>
-              </a:rPr>
-              <a:t>length(</a:t>
-            </a:r>
-            <a:r>
-              <a:rPr lang="en-US" sz="1800" dirty="0" err="1" smtClean="0">
-                <a:latin typeface="Courier New" pitchFamily="49" charset="0"/>
-                <a:cs typeface="Courier New" pitchFamily="49" charset="0"/>
-              </a:rPr>
-              <a:t>infert</a:t>
-            </a:r>
-            <a:r>
-              <a:rPr lang="en-US" sz="1800" dirty="0" smtClean="0">
-                <a:latin typeface="Courier New" pitchFamily="49" charset="0"/>
-                <a:cs typeface="Courier New" pitchFamily="49" charset="0"/>
-              </a:rPr>
-              <a:t>)</a:t>
-            </a:r>
-            <a:r>
-              <a:rPr lang="en-US" sz="1800" dirty="0" smtClean="0"/>
-              <a:t>          (why?)</a:t>
-            </a:r>
-          </a:p>
-          <a:p>
-            <a:pPr marL="0" indent="0">
-              <a:buNone/>
-            </a:pPr>
-            <a:r>
-              <a:rPr lang="en-US" sz="1800" dirty="0" smtClean="0">
-                <a:latin typeface="Courier New" pitchFamily="49" charset="0"/>
-                <a:cs typeface="Courier New" pitchFamily="49" charset="0"/>
-              </a:rPr>
-              <a:t>dim(</a:t>
-            </a:r>
-            <a:r>
-              <a:rPr lang="en-US" sz="1800" dirty="0" err="1" smtClean="0">
-                <a:latin typeface="Courier New" pitchFamily="49" charset="0"/>
-                <a:cs typeface="Courier New" pitchFamily="49" charset="0"/>
-              </a:rPr>
-              <a:t>infert</a:t>
-            </a:r>
-            <a:r>
-              <a:rPr lang="en-US" sz="1800" dirty="0" smtClean="0">
-                <a:latin typeface="Courier New" pitchFamily="49" charset="0"/>
-                <a:cs typeface="Courier New" pitchFamily="49" charset="0"/>
-              </a:rPr>
-              <a:t>)</a:t>
-            </a:r>
             <a:endParaRPr lang="en-US" sz="1800" dirty="0">
               <a:latin typeface="Courier New" pitchFamily="49" charset="0"/>
               <a:cs typeface="Courier New" pitchFamily="49" charset="0"/>
@@ -4944,7 +4775,129 @@
             <a:pPr marL="0" indent="0">
               <a:buNone/>
             </a:pPr>
-            <a:endParaRPr lang="en-US" sz="1800" dirty="0" smtClean="0"/>
+            <a:r>
+              <a:rPr lang="en-US" sz="1800" dirty="0" err="1">
+                <a:latin typeface="Courier New" pitchFamily="49" charset="0"/>
+                <a:cs typeface="Courier New" pitchFamily="49" charset="0"/>
+              </a:rPr>
+              <a:t>nrow</a:t>
+            </a:r>
+            <a:r>
+              <a:rPr lang="en-US" sz="1800" dirty="0">
+                <a:latin typeface="Courier New" pitchFamily="49" charset="0"/>
+                <a:cs typeface="Courier New" pitchFamily="49" charset="0"/>
+              </a:rPr>
+              <a:t>(</a:t>
+            </a:r>
+            <a:r>
+              <a:rPr lang="en-US" sz="1800" dirty="0" err="1">
+                <a:latin typeface="Courier New" pitchFamily="49" charset="0"/>
+                <a:cs typeface="Courier New" pitchFamily="49" charset="0"/>
+              </a:rPr>
+              <a:t>infert</a:t>
+            </a:r>
+            <a:r>
+              <a:rPr lang="en-US" sz="1800" dirty="0">
+                <a:latin typeface="Courier New" pitchFamily="49" charset="0"/>
+                <a:cs typeface="Courier New" pitchFamily="49" charset="0"/>
+              </a:rPr>
+              <a:t>)</a:t>
+            </a:r>
+          </a:p>
+          <a:p>
+            <a:pPr marL="0" indent="0">
+              <a:buNone/>
+            </a:pPr>
+            <a:r>
+              <a:rPr lang="en-US" sz="1800" dirty="0" err="1">
+                <a:latin typeface="Courier New" pitchFamily="49" charset="0"/>
+                <a:cs typeface="Courier New" pitchFamily="49" charset="0"/>
+              </a:rPr>
+              <a:t>ncol</a:t>
+            </a:r>
+            <a:r>
+              <a:rPr lang="en-US" sz="1800" dirty="0">
+                <a:latin typeface="Courier New" pitchFamily="49" charset="0"/>
+                <a:cs typeface="Courier New" pitchFamily="49" charset="0"/>
+              </a:rPr>
+              <a:t>(</a:t>
+            </a:r>
+            <a:r>
+              <a:rPr lang="en-US" sz="1800" dirty="0" err="1">
+                <a:latin typeface="Courier New" pitchFamily="49" charset="0"/>
+                <a:cs typeface="Courier New" pitchFamily="49" charset="0"/>
+              </a:rPr>
+              <a:t>infert</a:t>
+            </a:r>
+            <a:r>
+              <a:rPr lang="en-US" sz="1800" dirty="0">
+                <a:latin typeface="Courier New" pitchFamily="49" charset="0"/>
+                <a:cs typeface="Courier New" pitchFamily="49" charset="0"/>
+              </a:rPr>
+              <a:t>)</a:t>
+            </a:r>
+          </a:p>
+          <a:p>
+            <a:pPr marL="0" indent="0">
+              <a:buNone/>
+            </a:pPr>
+            <a:r>
+              <a:rPr lang="en-US" sz="1800" dirty="0">
+                <a:latin typeface="Courier New" pitchFamily="49" charset="0"/>
+                <a:cs typeface="Courier New" pitchFamily="49" charset="0"/>
+              </a:rPr>
+              <a:t>length(</a:t>
+            </a:r>
+            <a:r>
+              <a:rPr lang="en-US" sz="1800" dirty="0" err="1">
+                <a:latin typeface="Courier New" pitchFamily="49" charset="0"/>
+                <a:cs typeface="Courier New" pitchFamily="49" charset="0"/>
+              </a:rPr>
+              <a:t>infert</a:t>
+            </a:r>
+            <a:r>
+              <a:rPr lang="en-US" sz="1800" dirty="0">
+                <a:latin typeface="Courier New" pitchFamily="49" charset="0"/>
+                <a:cs typeface="Courier New" pitchFamily="49" charset="0"/>
+              </a:rPr>
+              <a:t>)</a:t>
+            </a:r>
+            <a:r>
+              <a:rPr lang="en-US" sz="1800" dirty="0"/>
+              <a:t>          (why?)</a:t>
+            </a:r>
+          </a:p>
+          <a:p>
+            <a:pPr marL="0" indent="0">
+              <a:buNone/>
+            </a:pPr>
+            <a:r>
+              <a:rPr lang="en-US" sz="1800" dirty="0">
+                <a:latin typeface="Courier New" pitchFamily="49" charset="0"/>
+                <a:cs typeface="Courier New" pitchFamily="49" charset="0"/>
+              </a:rPr>
+              <a:t>dim(</a:t>
+            </a:r>
+            <a:r>
+              <a:rPr lang="en-US" sz="1800" dirty="0" err="1">
+                <a:latin typeface="Courier New" pitchFamily="49" charset="0"/>
+                <a:cs typeface="Courier New" pitchFamily="49" charset="0"/>
+              </a:rPr>
+              <a:t>infert</a:t>
+            </a:r>
+            <a:r>
+              <a:rPr lang="en-US" sz="1800" dirty="0">
+                <a:latin typeface="Courier New" pitchFamily="49" charset="0"/>
+                <a:cs typeface="Courier New" pitchFamily="49" charset="0"/>
+              </a:rPr>
+              <a:t>)</a:t>
+            </a:r>
+          </a:p>
+          <a:p>
+            <a:pPr marL="0" indent="0">
+              <a:buNone/>
+            </a:pPr>
+            <a:endParaRPr lang="en-US" sz="1800" dirty="0"/>
           </a:p>
         </p:txBody>
       </p:sp>
@@ -4984,14 +4937,14 @@
           <a:effectLst/>
           <a:extLst>
             <a:ext uri="{909E8E84-426E-40dd-AFC4-6F175D3DCCD1}">
-              <a14:hiddenFill xmlns:a14="http://schemas.microsoft.com/office/drawing/2010/main">
+              <a14:hiddenFill xmlns:a14="http://schemas.microsoft.com/office/drawing/2010/main" xmlns="">
                 <a:solidFill>
                   <a:schemeClr val="accent1"/>
                 </a:solidFill>
               </a14:hiddenFill>
             </a:ext>
             <a:ext uri="{91240B29-F687-4f45-9708-019B960494DF}">
-              <a14:hiddenLine xmlns:a14="http://schemas.microsoft.com/office/drawing/2010/main" w="9525">
+              <a14:hiddenLine xmlns:a14="http://schemas.microsoft.com/office/drawing/2010/main" xmlns="" w="9525">
                 <a:solidFill>
                   <a:schemeClr val="tx1"/>
                 </a:solidFill>
@@ -5001,7 +4954,7 @@
               </a14:hiddenLine>
             </a:ext>
             <a:ext uri="{AF507438-7753-43e0-B8FC-AC1667EBCBE1}">
-              <a14:hiddenEffects xmlns:a14="http://schemas.microsoft.com/office/drawing/2010/main">
+              <a14:hiddenEffects xmlns:a14="http://schemas.microsoft.com/office/drawing/2010/main" xmlns="">
                 <a:effectLst>
                   <a:outerShdw dist="35921" dir="2700000" algn="ctr" rotWithShape="0">
                     <a:schemeClr val="bg2"/>
@@ -5036,18 +4989,17 @@
           <a:p>
             <a:pPr algn="ctr"/>
             <a:r>
-              <a:rPr lang="en-US" dirty="0" smtClean="0"/>
+              <a:rPr lang="en-US" dirty="0"/>
               <a:t>I assume this picture of generically handsome white guys with ties doing </a:t>
             </a:r>
             <a:r>
-              <a:rPr lang="en-US" i="1" dirty="0" smtClean="0"/>
+              <a:rPr lang="en-US" i="1" dirty="0"/>
               <a:t>very very </a:t>
             </a:r>
             <a:r>
-              <a:rPr lang="en-US" dirty="0" smtClean="0"/>
+              <a:rPr lang="en-US" dirty="0"/>
               <a:t>important work with data was taken by a window washer</a:t>
             </a:r>
-            <a:endParaRPr lang="en-US" dirty="0"/>
           </a:p>
         </p:txBody>
       </p:sp>
@@ -5084,13 +5036,6 @@
   <p:clrMapOvr>
     <a:masterClrMapping/>
   </p:clrMapOvr>
-  <p:timing>
-    <p:tnLst>
-      <p:par>
-        <p:cTn xmlns:p14="http://schemas.microsoft.com/office/powerpoint/2010/main" id="1" dur="indefinite" restart="never" nodeType="tmRoot"/>
-      </p:par>
-    </p:tnLst>
-  </p:timing>
 </p:sld>
 </file>
 
@@ -5127,10 +5072,9 @@
           <a:lstStyle/>
           <a:p>
             <a:r>
-              <a:rPr lang="en-US" dirty="0" smtClean="0"/>
+              <a:rPr lang="en-US" dirty="0"/>
               <a:t>Challenge</a:t>
             </a:r>
-            <a:endParaRPr lang="en-US" dirty="0"/>
           </a:p>
         </p:txBody>
       </p:sp>
@@ -5157,32 +5101,25 @@
           <a:lstStyle/>
           <a:p>
             <a:r>
-              <a:rPr lang="en-US" sz="2800" dirty="0" smtClean="0"/>
+              <a:rPr lang="en-US" sz="2800" dirty="0"/>
               <a:t>Here's a URL for a CSV file with data about survival (or not) of passengers on the Titanic: </a:t>
             </a:r>
             <a:r>
               <a:rPr lang="en-US" sz="1900" dirty="0">
                 <a:hlinkClick r:id="rId2"/>
               </a:rPr>
-              <a:t>http://www.columbia.edu/~</a:t>
-            </a:r>
-            <a:r>
-              <a:rPr lang="en-US" sz="1900" dirty="0" smtClean="0">
-                <a:hlinkClick r:id="rId2"/>
-              </a:rPr>
-              <a:t>sjm2186/EPIC_R/titanic.csv</a:t>
-            </a:r>
-            <a:endParaRPr lang="en-US" sz="1900" dirty="0" smtClean="0"/>
+              <a:t>http://www.columbia.edu/~sjm2186/EPIC_R/titanic.csv</a:t>
+            </a:r>
+            <a:endParaRPr lang="en-US" sz="1900" dirty="0"/>
           </a:p>
           <a:p>
             <a:endParaRPr lang="en-US" sz="2800" dirty="0"/>
           </a:p>
           <a:p>
             <a:r>
-              <a:rPr lang="en-US" sz="2800" dirty="0" smtClean="0"/>
+              <a:rPr lang="en-US" sz="2800" dirty="0"/>
               <a:t>Challenge: read the CSV into R and figure out how many rows of data it has.</a:t>
             </a:r>
-            <a:endParaRPr lang="en-US" sz="2800" dirty="0"/>
           </a:p>
         </p:txBody>
       </p:sp>
@@ -5221,14 +5158,14 @@
           </a:ln>
           <a:extLst>
             <a:ext uri="{909E8E84-426E-40dd-AFC4-6F175D3DCCD1}">
-              <a14:hiddenFill xmlns:a14="http://schemas.microsoft.com/office/drawing/2010/main">
+              <a14:hiddenFill xmlns:a14="http://schemas.microsoft.com/office/drawing/2010/main" xmlns="">
                 <a:solidFill>
                   <a:schemeClr val="accent1"/>
                 </a:solidFill>
               </a14:hiddenFill>
             </a:ext>
             <a:ext uri="{91240B29-F687-4f45-9708-019B960494DF}">
-              <a14:hiddenLine xmlns:a14="http://schemas.microsoft.com/office/drawing/2010/main" w="9525">
+              <a14:hiddenLine xmlns:a14="http://schemas.microsoft.com/office/drawing/2010/main" xmlns="" w="9525">
                 <a:solidFill>
                   <a:schemeClr val="tx1"/>
                 </a:solidFill>
@@ -5262,18 +5199,14 @@
           <a:lstStyle/>
           <a:p>
             <a:r>
-              <a:rPr lang="en-US" dirty="0" smtClean="0"/>
+              <a:rPr lang="en-US" dirty="0"/>
               <a:t>My answer:</a:t>
             </a:r>
           </a:p>
           <a:p>
             <a:r>
-              <a:rPr lang="en-US" dirty="0" smtClean="0"/>
-              <a:t>titanic </a:t>
-            </a:r>
-            <a:r>
-              <a:rPr lang="en-US" dirty="0"/>
-              <a:t>&lt;- read.csv("http://www.columbia.edu/~sjm2186/EPIC_R/titanic.csv")</a:t>
+              <a:rPr lang="en-US" dirty="0"/>
+              <a:t>titanic &lt;- read.csv("http://www.columbia.edu/~sjm2186/EPIC_R/titanic.csv")</a:t>
             </a:r>
           </a:p>
           <a:p>
@@ -5324,7 +5257,7 @@
   <p:timing>
     <p:tnLst>
       <p:par>
-        <p:cTn xmlns:p14="http://schemas.microsoft.com/office/powerpoint/2010/main" id="1" dur="indefinite" restart="never" nodeType="tmRoot">
+        <p:cTn id="1" dur="indefinite" restart="never" nodeType="tmRoot">
           <p:childTnLst>
             <p:seq concurrent="1" nextAc="seek">
               <p:cTn id="2" dur="indefinite" nodeType="mainSeq">
@@ -5437,17 +5370,16 @@
           <a:lstStyle/>
           <a:p>
             <a:r>
-              <a:rPr lang="en-US" dirty="0" smtClean="0"/>
+              <a:rPr lang="en-US" dirty="0"/>
               <a:t>Some common operations </a:t>
             </a:r>
             <a:br>
-              <a:rPr lang="en-US" dirty="0" smtClean="0"/>
+              <a:rPr lang="en-US" dirty="0"/>
             </a:br>
             <a:r>
-              <a:rPr lang="en-US" dirty="0" smtClean="0"/>
+              <a:rPr lang="en-US" dirty="0"/>
               <a:t>with data frames</a:t>
             </a:r>
-            <a:endParaRPr lang="en-US" dirty="0"/>
           </a:p>
         </p:txBody>
       </p:sp>
@@ -5469,82 +5401,14 @@
           <a:lstStyle/>
           <a:p>
             <a:r>
-              <a:rPr lang="en-US" dirty="0" smtClean="0"/>
+              <a:rPr lang="en-US" dirty="0"/>
               <a:t>Tabulate the data: table or </a:t>
             </a:r>
             <a:r>
-              <a:rPr lang="en-US" dirty="0" err="1" smtClean="0"/>
+              <a:rPr lang="en-US" dirty="0" err="1"/>
               <a:t>xtabs</a:t>
             </a:r>
-            <a:endParaRPr lang="en-US" dirty="0" smtClean="0"/>
-          </a:p>
-          <a:p>
-            <a:pPr marL="0" indent="0">
-              <a:buNone/>
-            </a:pPr>
-            <a:endParaRPr lang="en-US" sz="1900" dirty="0" smtClean="0">
-              <a:latin typeface="Courier New" pitchFamily="49" charset="0"/>
-              <a:cs typeface="Courier New" pitchFamily="49" charset="0"/>
-            </a:endParaRPr>
-          </a:p>
-          <a:p>
-            <a:pPr marL="0" indent="0">
-              <a:buNone/>
-            </a:pPr>
-            <a:r>
-              <a:rPr lang="en-US" sz="1900" dirty="0" smtClean="0">
-                <a:latin typeface="Courier New" pitchFamily="49" charset="0"/>
-                <a:cs typeface="Courier New" pitchFamily="49" charset="0"/>
-              </a:rPr>
-              <a:t>table(</a:t>
-            </a:r>
-            <a:r>
-              <a:rPr lang="en-US" sz="1900" dirty="0" err="1" smtClean="0">
-                <a:latin typeface="Courier New" pitchFamily="49" charset="0"/>
-                <a:cs typeface="Courier New" pitchFamily="49" charset="0"/>
-              </a:rPr>
-              <a:t>infert$case</a:t>
-            </a:r>
-            <a:r>
-              <a:rPr lang="en-US" sz="1900" dirty="0" smtClean="0">
-                <a:latin typeface="Courier New" pitchFamily="49" charset="0"/>
-                <a:cs typeface="Courier New" pitchFamily="49" charset="0"/>
-              </a:rPr>
-              <a:t>)</a:t>
-            </a:r>
-          </a:p>
-          <a:p>
-            <a:pPr marL="0" indent="0">
-              <a:buNone/>
-            </a:pPr>
-            <a:r>
-              <a:rPr lang="en-US" sz="1900" dirty="0" err="1" smtClean="0">
-                <a:latin typeface="Courier New" pitchFamily="49" charset="0"/>
-                <a:cs typeface="Courier New" pitchFamily="49" charset="0"/>
-              </a:rPr>
-              <a:t>xtabs</a:t>
-            </a:r>
-            <a:r>
-              <a:rPr lang="en-US" sz="1900" dirty="0" smtClean="0">
-                <a:latin typeface="Courier New" pitchFamily="49" charset="0"/>
-                <a:cs typeface="Courier New" pitchFamily="49" charset="0"/>
-              </a:rPr>
-              <a:t>(~case, data=</a:t>
-            </a:r>
-            <a:r>
-              <a:rPr lang="en-US" sz="1900" dirty="0" err="1" smtClean="0">
-                <a:latin typeface="Courier New" pitchFamily="49" charset="0"/>
-                <a:cs typeface="Courier New" pitchFamily="49" charset="0"/>
-              </a:rPr>
-              <a:t>infert</a:t>
-            </a:r>
-            <a:r>
-              <a:rPr lang="en-US" sz="1900" dirty="0" smtClean="0">
-                <a:latin typeface="Courier New" pitchFamily="49" charset="0"/>
-                <a:cs typeface="Courier New" pitchFamily="49" charset="0"/>
-              </a:rPr>
-              <a:t>)</a:t>
-            </a:r>
+            <a:endParaRPr lang="en-US" dirty="0"/>
           </a:p>
           <a:p>
             <a:pPr marL="0" indent="0">
@@ -5560,35 +5424,21 @@
               <a:buNone/>
             </a:pPr>
             <a:r>
-              <a:rPr lang="en-US" sz="1900" dirty="0" smtClean="0">
+              <a:rPr lang="en-US" sz="1900" dirty="0">
                 <a:latin typeface="Courier New" pitchFamily="49" charset="0"/>
                 <a:cs typeface="Courier New" pitchFamily="49" charset="0"/>
               </a:rPr>
               <a:t>table(</a:t>
             </a:r>
             <a:r>
-              <a:rPr lang="en-US" sz="1900" dirty="0" err="1" smtClean="0">
+              <a:rPr lang="en-US" sz="1900" dirty="0" err="1">
                 <a:latin typeface="Courier New" pitchFamily="49" charset="0"/>
                 <a:cs typeface="Courier New" pitchFamily="49" charset="0"/>
               </a:rPr>
               <a:t>infert$case</a:t>
             </a:r>
             <a:r>
-              <a:rPr lang="en-US" sz="1900" dirty="0" smtClean="0">
-                <a:latin typeface="Courier New" pitchFamily="49" charset="0"/>
-                <a:cs typeface="Courier New" pitchFamily="49" charset="0"/>
-              </a:rPr>
-              <a:t>, </a:t>
-            </a:r>
-            <a:r>
-              <a:rPr lang="en-US" sz="1900" dirty="0" err="1" smtClean="0">
-                <a:latin typeface="Courier New" pitchFamily="49" charset="0"/>
-                <a:cs typeface="Courier New" pitchFamily="49" charset="0"/>
-              </a:rPr>
-              <a:t>infert$parity</a:t>
-            </a:r>
-            <a:r>
-              <a:rPr lang="en-US" sz="1900" dirty="0" smtClean="0">
+              <a:rPr lang="en-US" sz="1900" dirty="0">
                 <a:latin typeface="Courier New" pitchFamily="49" charset="0"/>
                 <a:cs typeface="Courier New" pitchFamily="49" charset="0"/>
               </a:rPr>
@@ -5600,42 +5450,28 @@
               <a:buNone/>
             </a:pPr>
             <a:r>
-              <a:rPr lang="en-US" sz="1900" dirty="0" err="1" smtClean="0">
+              <a:rPr lang="en-US" sz="1900" dirty="0" err="1">
                 <a:latin typeface="Courier New" pitchFamily="49" charset="0"/>
                 <a:cs typeface="Courier New" pitchFamily="49" charset="0"/>
               </a:rPr>
               <a:t>xtabs</a:t>
             </a:r>
             <a:r>
-              <a:rPr lang="en-US" sz="1900" dirty="0" smtClean="0">
-                <a:latin typeface="Courier New" pitchFamily="49" charset="0"/>
-                <a:cs typeface="Courier New" pitchFamily="49" charset="0"/>
-              </a:rPr>
-              <a:t>(~</a:t>
-            </a:r>
-            <a:r>
-              <a:rPr lang="en-US" sz="1900" dirty="0" err="1" smtClean="0">
-                <a:latin typeface="Courier New" pitchFamily="49" charset="0"/>
-                <a:cs typeface="Courier New" pitchFamily="49" charset="0"/>
-              </a:rPr>
-              <a:t>case+parity</a:t>
-            </a:r>
-            <a:r>
-              <a:rPr lang="en-US" sz="1900" dirty="0" smtClean="0">
-                <a:latin typeface="Courier New" pitchFamily="49" charset="0"/>
-                <a:cs typeface="Courier New" pitchFamily="49" charset="0"/>
-              </a:rPr>
-              <a:t>, data=</a:t>
-            </a:r>
-            <a:r>
-              <a:rPr lang="en-US" sz="1900" dirty="0" err="1" smtClean="0">
+              <a:rPr lang="en-US" sz="1900" dirty="0">
+                <a:latin typeface="Courier New" pitchFamily="49" charset="0"/>
+                <a:cs typeface="Courier New" pitchFamily="49" charset="0"/>
+              </a:rPr>
+              <a:t>(~case, data=</a:t>
+            </a:r>
+            <a:r>
+              <a:rPr lang="en-US" sz="1900" dirty="0" err="1">
                 <a:latin typeface="Courier New" pitchFamily="49" charset="0"/>
                 <a:cs typeface="Courier New" pitchFamily="49" charset="0"/>
               </a:rPr>
               <a:t>infert</a:t>
             </a:r>
             <a:r>
-              <a:rPr lang="en-US" sz="1900" dirty="0" smtClean="0">
+              <a:rPr lang="en-US" sz="1900" dirty="0">
                 <a:latin typeface="Courier New" pitchFamily="49" charset="0"/>
                 <a:cs typeface="Courier New" pitchFamily="49" charset="0"/>
               </a:rPr>
@@ -5643,207 +5479,299 @@
             </a:r>
           </a:p>
           <a:p>
-            <a:endParaRPr lang="en-US" dirty="0" smtClean="0">
-              <a:cs typeface="Courier New" pitchFamily="49" charset="0"/>
-            </a:endParaRPr>
-          </a:p>
-          <a:p>
-            <a:r>
-              <a:rPr lang="en-US" dirty="0" smtClean="0">
-                <a:cs typeface="Courier New" pitchFamily="49" charset="0"/>
-              </a:rPr>
-              <a:t>Get the proportions in each cell: </a:t>
-            </a:r>
-            <a:r>
-              <a:rPr lang="en-US" dirty="0" err="1" smtClean="0">
-                <a:cs typeface="Courier New" pitchFamily="49" charset="0"/>
-              </a:rPr>
-              <a:t>prop.table</a:t>
-            </a:r>
-            <a:r>
-              <a:rPr lang="en-US" dirty="0" smtClean="0">
-                <a:cs typeface="Courier New" pitchFamily="49" charset="0"/>
-              </a:rPr>
-              <a:t>, passing in a table (or any matrix)</a:t>
-            </a:r>
-          </a:p>
-          <a:p>
-            <a:endParaRPr lang="en-US" dirty="0" smtClean="0">
-              <a:cs typeface="Courier New" pitchFamily="49" charset="0"/>
-            </a:endParaRPr>
-          </a:p>
-          <a:p>
             <a:pPr marL="0" indent="0">
               <a:buNone/>
             </a:pPr>
-            <a:r>
-              <a:rPr lang="en-US" sz="1900" dirty="0" err="1" smtClean="0">
-                <a:latin typeface="Courier New" pitchFamily="49" charset="0"/>
-                <a:cs typeface="Courier New" pitchFamily="49" charset="0"/>
-              </a:rPr>
-              <a:t>prop.table</a:t>
-            </a:r>
-            <a:r>
-              <a:rPr lang="en-US" sz="1900" dirty="0" smtClean="0">
-                <a:latin typeface="Courier New" pitchFamily="49" charset="0"/>
-                <a:cs typeface="Courier New" pitchFamily="49" charset="0"/>
-              </a:rPr>
-              <a:t>(table(</a:t>
-            </a:r>
-            <a:r>
-              <a:rPr lang="en-US" sz="1900" dirty="0" err="1" smtClean="0">
-                <a:latin typeface="Courier New" pitchFamily="49" charset="0"/>
-                <a:cs typeface="Courier New" pitchFamily="49" charset="0"/>
-              </a:rPr>
-              <a:t>infert$case</a:t>
-            </a:r>
-            <a:r>
-              <a:rPr lang="en-US" sz="1900" dirty="0" smtClean="0">
-                <a:latin typeface="Courier New" pitchFamily="49" charset="0"/>
-                <a:cs typeface="Courier New" pitchFamily="49" charset="0"/>
-              </a:rPr>
-              <a:t>))</a:t>
-            </a:r>
-          </a:p>
-          <a:p>
-            <a:pPr marL="0" indent="0">
-              <a:buNone/>
-            </a:pPr>
-            <a:r>
-              <a:rPr lang="en-US" sz="1900" dirty="0" err="1" smtClean="0">
-                <a:latin typeface="Courier New" pitchFamily="49" charset="0"/>
-                <a:cs typeface="Courier New" pitchFamily="49" charset="0"/>
-              </a:rPr>
-              <a:t>prop.table</a:t>
-            </a:r>
-            <a:r>
-              <a:rPr lang="en-US" sz="1900" dirty="0" smtClean="0">
-                <a:latin typeface="Courier New" pitchFamily="49" charset="0"/>
-                <a:cs typeface="Courier New" pitchFamily="49" charset="0"/>
-              </a:rPr>
-              <a:t>(table(</a:t>
-            </a:r>
-            <a:r>
-              <a:rPr lang="en-US" sz="1900" dirty="0" err="1" smtClean="0">
-                <a:latin typeface="Courier New" pitchFamily="49" charset="0"/>
-                <a:cs typeface="Courier New" pitchFamily="49" charset="0"/>
-              </a:rPr>
-              <a:t>infert$case</a:t>
-            </a:r>
-            <a:r>
-              <a:rPr lang="en-US" sz="1900" dirty="0" smtClean="0">
-                <a:latin typeface="Courier New" pitchFamily="49" charset="0"/>
-                <a:cs typeface="Courier New" pitchFamily="49" charset="0"/>
-              </a:rPr>
-              <a:t>, </a:t>
-            </a:r>
-            <a:r>
-              <a:rPr lang="en-US" sz="1900" dirty="0" err="1" smtClean="0">
-                <a:latin typeface="Courier New" pitchFamily="49" charset="0"/>
-                <a:cs typeface="Courier New" pitchFamily="49" charset="0"/>
-              </a:rPr>
-              <a:t>infert$parity</a:t>
-            </a:r>
-            <a:r>
-              <a:rPr lang="en-US" sz="1900" dirty="0">
-                <a:latin typeface="Courier New" pitchFamily="49" charset="0"/>
-                <a:cs typeface="Courier New" pitchFamily="49" charset="0"/>
-              </a:rPr>
-              <a:t>)) </a:t>
-            </a:r>
-            <a:r>
-              <a:rPr lang="en-US" sz="1900" dirty="0" err="1">
-                <a:latin typeface="Courier New" pitchFamily="49" charset="0"/>
-                <a:cs typeface="Courier New" pitchFamily="49" charset="0"/>
-              </a:rPr>
-              <a:t>prop.table</a:t>
-            </a:r>
-            <a:r>
-              <a:rPr lang="en-US" sz="1900" dirty="0">
-                <a:latin typeface="Courier New" pitchFamily="49" charset="0"/>
-                <a:cs typeface="Courier New" pitchFamily="49" charset="0"/>
-              </a:rPr>
-              <a:t>(table(</a:t>
-            </a:r>
-            <a:r>
-              <a:rPr lang="en-US" sz="1900" dirty="0" err="1">
-                <a:latin typeface="Courier New" pitchFamily="49" charset="0"/>
-                <a:cs typeface="Courier New" pitchFamily="49" charset="0"/>
-              </a:rPr>
-              <a:t>infert$case</a:t>
-            </a:r>
-            <a:r>
-              <a:rPr lang="en-US" sz="1900" dirty="0">
-                <a:latin typeface="Courier New" pitchFamily="49" charset="0"/>
-                <a:cs typeface="Courier New" pitchFamily="49" charset="0"/>
-              </a:rPr>
-              <a:t>, </a:t>
-            </a:r>
-            <a:r>
-              <a:rPr lang="en-US" sz="1900" dirty="0" err="1">
-                <a:latin typeface="Courier New" pitchFamily="49" charset="0"/>
-                <a:cs typeface="Courier New" pitchFamily="49" charset="0"/>
-              </a:rPr>
-              <a:t>infert$parity</a:t>
-            </a:r>
-            <a:r>
-              <a:rPr lang="en-US" sz="1900" dirty="0">
-                <a:latin typeface="Courier New" pitchFamily="49" charset="0"/>
-                <a:cs typeface="Courier New" pitchFamily="49" charset="0"/>
-              </a:rPr>
-              <a:t>), 1)</a:t>
-            </a:r>
-          </a:p>
-          <a:p>
-            <a:pPr marL="0" indent="0">
-              <a:buNone/>
-            </a:pPr>
-            <a:r>
-              <a:rPr lang="en-US" sz="1900" dirty="0" err="1">
-                <a:latin typeface="Courier New" pitchFamily="49" charset="0"/>
-                <a:cs typeface="Courier New" pitchFamily="49" charset="0"/>
-              </a:rPr>
-              <a:t>prop.table</a:t>
-            </a:r>
-            <a:r>
-              <a:rPr lang="en-US" sz="1900" dirty="0">
-                <a:latin typeface="Courier New" pitchFamily="49" charset="0"/>
-                <a:cs typeface="Courier New" pitchFamily="49" charset="0"/>
-              </a:rPr>
-              <a:t>(table(</a:t>
-            </a:r>
-            <a:r>
-              <a:rPr lang="en-US" sz="1900" dirty="0" err="1">
-                <a:latin typeface="Courier New" pitchFamily="49" charset="0"/>
-                <a:cs typeface="Courier New" pitchFamily="49" charset="0"/>
-              </a:rPr>
-              <a:t>infert$case</a:t>
-            </a:r>
-            <a:r>
-              <a:rPr lang="en-US" sz="1900" dirty="0">
-                <a:latin typeface="Courier New" pitchFamily="49" charset="0"/>
-                <a:cs typeface="Courier New" pitchFamily="49" charset="0"/>
-              </a:rPr>
-              <a:t>, </a:t>
-            </a:r>
-            <a:r>
-              <a:rPr lang="en-US" sz="1900" dirty="0" err="1">
-                <a:latin typeface="Courier New" pitchFamily="49" charset="0"/>
-                <a:cs typeface="Courier New" pitchFamily="49" charset="0"/>
-              </a:rPr>
-              <a:t>infert$parity</a:t>
-            </a:r>
-            <a:r>
-              <a:rPr lang="en-US" sz="1900" dirty="0">
-                <a:latin typeface="Courier New" pitchFamily="49" charset="0"/>
-                <a:cs typeface="Courier New" pitchFamily="49" charset="0"/>
-              </a:rPr>
-              <a:t>), 2)</a:t>
-            </a:r>
-            <a:endParaRPr lang="en-US" sz="1900" dirty="0" smtClean="0">
+            <a:endParaRPr lang="en-US" sz="1900" dirty="0">
               <a:latin typeface="Courier New" pitchFamily="49" charset="0"/>
               <a:cs typeface="Courier New" pitchFamily="49" charset="0"/>
             </a:endParaRPr>
+          </a:p>
+          <a:p>
+            <a:pPr marL="0" indent="0">
+              <a:buNone/>
+            </a:pPr>
+            <a:r>
+              <a:rPr lang="en-US" sz="1900" dirty="0">
+                <a:latin typeface="Courier New" pitchFamily="49" charset="0"/>
+                <a:cs typeface="Courier New" pitchFamily="49" charset="0"/>
+              </a:rPr>
+              <a:t>table(</a:t>
+            </a:r>
+            <a:r>
+              <a:rPr lang="en-US" sz="1900" dirty="0" err="1">
+                <a:latin typeface="Courier New" pitchFamily="49" charset="0"/>
+                <a:cs typeface="Courier New" pitchFamily="49" charset="0"/>
+              </a:rPr>
+              <a:t>infert$case</a:t>
+            </a:r>
+            <a:r>
+              <a:rPr lang="en-US" sz="1900" dirty="0">
+                <a:latin typeface="Courier New" pitchFamily="49" charset="0"/>
+                <a:cs typeface="Courier New" pitchFamily="49" charset="0"/>
+              </a:rPr>
+              <a:t>, </a:t>
+            </a:r>
+            <a:r>
+              <a:rPr lang="en-US" sz="1900" dirty="0" err="1">
+                <a:latin typeface="Courier New" pitchFamily="49" charset="0"/>
+                <a:cs typeface="Courier New" pitchFamily="49" charset="0"/>
+              </a:rPr>
+              <a:t>infert$parity</a:t>
+            </a:r>
+            <a:r>
+              <a:rPr lang="en-US" sz="1900" dirty="0">
+                <a:latin typeface="Courier New" pitchFamily="49" charset="0"/>
+                <a:cs typeface="Courier New" pitchFamily="49" charset="0"/>
+              </a:rPr>
+              <a:t>)</a:t>
+            </a:r>
+          </a:p>
+          <a:p>
+            <a:pPr marL="0" indent="0">
+              <a:buNone/>
+            </a:pPr>
+            <a:r>
+              <a:rPr lang="en-US" sz="1900" dirty="0" err="1">
+                <a:latin typeface="Courier New" pitchFamily="49" charset="0"/>
+                <a:cs typeface="Courier New" pitchFamily="49" charset="0"/>
+              </a:rPr>
+              <a:t>xtabs</a:t>
+            </a:r>
+            <a:r>
+              <a:rPr lang="en-US" sz="1900" dirty="0">
+                <a:latin typeface="Courier New" pitchFamily="49" charset="0"/>
+                <a:cs typeface="Courier New" pitchFamily="49" charset="0"/>
+              </a:rPr>
+              <a:t>(~</a:t>
+            </a:r>
+            <a:r>
+              <a:rPr lang="en-US" sz="1900" dirty="0" err="1">
+                <a:latin typeface="Courier New" pitchFamily="49" charset="0"/>
+                <a:cs typeface="Courier New" pitchFamily="49" charset="0"/>
+              </a:rPr>
+              <a:t>case+parity</a:t>
+            </a:r>
+            <a:r>
+              <a:rPr lang="en-US" sz="1900" dirty="0">
+                <a:latin typeface="Courier New" pitchFamily="49" charset="0"/>
+                <a:cs typeface="Courier New" pitchFamily="49" charset="0"/>
+              </a:rPr>
+              <a:t>, data=</a:t>
+            </a:r>
+            <a:r>
+              <a:rPr lang="en-US" sz="1900" dirty="0" err="1">
+                <a:latin typeface="Courier New" pitchFamily="49" charset="0"/>
+                <a:cs typeface="Courier New" pitchFamily="49" charset="0"/>
+              </a:rPr>
+              <a:t>infert</a:t>
+            </a:r>
+            <a:r>
+              <a:rPr lang="en-US" sz="1900" dirty="0">
+                <a:latin typeface="Courier New" pitchFamily="49" charset="0"/>
+                <a:cs typeface="Courier New" pitchFamily="49" charset="0"/>
+              </a:rPr>
+              <a:t>)</a:t>
+            </a:r>
+          </a:p>
+          <a:p>
+            <a:endParaRPr lang="en-US" dirty="0">
+              <a:cs typeface="Courier New" pitchFamily="49" charset="0"/>
+            </a:endParaRPr>
+          </a:p>
+          <a:p>
+            <a:r>
+              <a:rPr lang="en-US" dirty="0">
+                <a:cs typeface="Courier New" pitchFamily="49" charset="0"/>
+              </a:rPr>
+              <a:t>Get the proportions in each cell: </a:t>
+            </a:r>
+            <a:r>
+              <a:rPr lang="en-US" dirty="0" err="1">
+                <a:cs typeface="Courier New" pitchFamily="49" charset="0"/>
+              </a:rPr>
+              <a:t>prop.table</a:t>
+            </a:r>
+            <a:r>
+              <a:rPr lang="en-US" dirty="0">
+                <a:cs typeface="Courier New" pitchFamily="49" charset="0"/>
+              </a:rPr>
+              <a:t>, passing in a table (or any matrix)</a:t>
+            </a:r>
+          </a:p>
+          <a:p>
+            <a:endParaRPr lang="en-US" dirty="0">
+              <a:cs typeface="Courier New" pitchFamily="49" charset="0"/>
+            </a:endParaRPr>
+          </a:p>
+          <a:p>
+            <a:pPr marL="0" indent="0">
+              <a:buNone/>
+            </a:pPr>
+            <a:r>
+              <a:rPr lang="en-US" sz="1900" dirty="0" err="1">
+                <a:latin typeface="Courier New" pitchFamily="49" charset="0"/>
+                <a:cs typeface="Courier New" pitchFamily="49" charset="0"/>
+              </a:rPr>
+              <a:t>prop.table</a:t>
+            </a:r>
+            <a:r>
+              <a:rPr lang="en-US" sz="1900" dirty="0">
+                <a:latin typeface="Courier New" pitchFamily="49" charset="0"/>
+                <a:cs typeface="Courier New" pitchFamily="49" charset="0"/>
+              </a:rPr>
+              <a:t>(table(</a:t>
+            </a:r>
+            <a:r>
+              <a:rPr lang="en-US" sz="1900" dirty="0" err="1">
+                <a:latin typeface="Courier New" pitchFamily="49" charset="0"/>
+                <a:cs typeface="Courier New" pitchFamily="49" charset="0"/>
+              </a:rPr>
+              <a:t>infert$case</a:t>
+            </a:r>
+            <a:r>
+              <a:rPr lang="en-US" sz="1900" dirty="0">
+                <a:latin typeface="Courier New" pitchFamily="49" charset="0"/>
+                <a:cs typeface="Courier New" pitchFamily="49" charset="0"/>
+              </a:rPr>
+              <a:t>))</a:t>
+            </a:r>
+          </a:p>
+          <a:p>
+            <a:pPr marL="0" indent="0">
+              <a:buNone/>
+            </a:pPr>
+            <a:r>
+              <a:rPr lang="en-US" sz="1900" dirty="0" err="1">
+                <a:latin typeface="Courier New" pitchFamily="49" charset="0"/>
+                <a:cs typeface="Courier New" pitchFamily="49" charset="0"/>
+              </a:rPr>
+              <a:t>prop.table</a:t>
+            </a:r>
+            <a:r>
+              <a:rPr lang="en-US" sz="1900" dirty="0">
+                <a:latin typeface="Courier New" pitchFamily="49" charset="0"/>
+                <a:cs typeface="Courier New" pitchFamily="49" charset="0"/>
+              </a:rPr>
+              <a:t>(table(</a:t>
+            </a:r>
+            <a:r>
+              <a:rPr lang="en-US" sz="1900" dirty="0" err="1">
+                <a:latin typeface="Courier New" pitchFamily="49" charset="0"/>
+                <a:cs typeface="Courier New" pitchFamily="49" charset="0"/>
+              </a:rPr>
+              <a:t>infert$case</a:t>
+            </a:r>
+            <a:r>
+              <a:rPr lang="en-US" sz="1900" dirty="0">
+                <a:latin typeface="Courier New" pitchFamily="49" charset="0"/>
+                <a:cs typeface="Courier New" pitchFamily="49" charset="0"/>
+              </a:rPr>
+              <a:t>, </a:t>
+            </a:r>
+            <a:r>
+              <a:rPr lang="en-US" sz="1900" dirty="0" err="1">
+                <a:latin typeface="Courier New" pitchFamily="49" charset="0"/>
+                <a:cs typeface="Courier New" pitchFamily="49" charset="0"/>
+              </a:rPr>
+              <a:t>infert$parity</a:t>
+            </a:r>
+            <a:r>
+              <a:rPr lang="en-US" sz="1900" dirty="0">
+                <a:latin typeface="Courier New" pitchFamily="49" charset="0"/>
+                <a:cs typeface="Courier New" pitchFamily="49" charset="0"/>
+              </a:rPr>
+              <a:t>)) </a:t>
+            </a:r>
+            <a:r>
+              <a:rPr lang="en-US" sz="1900" dirty="0" err="1">
+                <a:latin typeface="Courier New" pitchFamily="49" charset="0"/>
+                <a:cs typeface="Courier New" pitchFamily="49" charset="0"/>
+              </a:rPr>
+              <a:t>prop.table</a:t>
+            </a:r>
+            <a:r>
+              <a:rPr lang="en-US" sz="1900" dirty="0">
+                <a:latin typeface="Courier New" pitchFamily="49" charset="0"/>
+                <a:cs typeface="Courier New" pitchFamily="49" charset="0"/>
+              </a:rPr>
+              <a:t>(table(</a:t>
+            </a:r>
+            <a:r>
+              <a:rPr lang="en-US" sz="1900" dirty="0" err="1">
+                <a:latin typeface="Courier New" pitchFamily="49" charset="0"/>
+                <a:cs typeface="Courier New" pitchFamily="49" charset="0"/>
+              </a:rPr>
+              <a:t>infert$case</a:t>
+            </a:r>
+            <a:r>
+              <a:rPr lang="en-US" sz="1900" dirty="0">
+                <a:latin typeface="Courier New" pitchFamily="49" charset="0"/>
+                <a:cs typeface="Courier New" pitchFamily="49" charset="0"/>
+              </a:rPr>
+              <a:t>, </a:t>
+            </a:r>
+            <a:r>
+              <a:rPr lang="en-US" sz="1900" dirty="0" err="1">
+                <a:latin typeface="Courier New" pitchFamily="49" charset="0"/>
+                <a:cs typeface="Courier New" pitchFamily="49" charset="0"/>
+              </a:rPr>
+              <a:t>infert$parity</a:t>
+            </a:r>
+            <a:r>
+              <a:rPr lang="en-US" sz="1900" dirty="0">
+                <a:latin typeface="Courier New" pitchFamily="49" charset="0"/>
+                <a:cs typeface="Courier New" pitchFamily="49" charset="0"/>
+              </a:rPr>
+              <a:t>), 1)</a:t>
+            </a:r>
+          </a:p>
+          <a:p>
+            <a:pPr marL="0" indent="0">
+              <a:buNone/>
+            </a:pPr>
+            <a:r>
+              <a:rPr lang="en-US" sz="1900" dirty="0" err="1">
+                <a:latin typeface="Courier New" pitchFamily="49" charset="0"/>
+                <a:cs typeface="Courier New" pitchFamily="49" charset="0"/>
+              </a:rPr>
+              <a:t>prop.table</a:t>
+            </a:r>
+            <a:r>
+              <a:rPr lang="en-US" sz="1900" dirty="0">
+                <a:latin typeface="Courier New" pitchFamily="49" charset="0"/>
+                <a:cs typeface="Courier New" pitchFamily="49" charset="0"/>
+              </a:rPr>
+              <a:t>(table(</a:t>
+            </a:r>
+            <a:r>
+              <a:rPr lang="en-US" sz="1900" dirty="0" err="1">
+                <a:latin typeface="Courier New" pitchFamily="49" charset="0"/>
+                <a:cs typeface="Courier New" pitchFamily="49" charset="0"/>
+              </a:rPr>
+              <a:t>infert$case</a:t>
+            </a:r>
+            <a:r>
+              <a:rPr lang="en-US" sz="1900" dirty="0">
+                <a:latin typeface="Courier New" pitchFamily="49" charset="0"/>
+                <a:cs typeface="Courier New" pitchFamily="49" charset="0"/>
+              </a:rPr>
+              <a:t>, </a:t>
+            </a:r>
+            <a:r>
+              <a:rPr lang="en-US" sz="1900" dirty="0" err="1">
+                <a:latin typeface="Courier New" pitchFamily="49" charset="0"/>
+                <a:cs typeface="Courier New" pitchFamily="49" charset="0"/>
+              </a:rPr>
+              <a:t>infert$parity</a:t>
+            </a:r>
+            <a:r>
+              <a:rPr lang="en-US" sz="1900" dirty="0">
+                <a:latin typeface="Courier New" pitchFamily="49" charset="0"/>
+                <a:cs typeface="Courier New" pitchFamily="49" charset="0"/>
+              </a:rPr>
+              <a:t>), 2)</a:t>
+            </a:r>
           </a:p>
           <a:p>
             <a:pPr marL="0" indent="0">
@@ -5889,13 +5817,6 @@
   <p:clrMapOvr>
     <a:masterClrMapping/>
   </p:clrMapOvr>
-  <p:timing>
-    <p:tnLst>
-      <p:par>
-        <p:cTn xmlns:p14="http://schemas.microsoft.com/office/powerpoint/2010/main" id="1" dur="indefinite" restart="never" nodeType="tmRoot"/>
-      </p:par>
-    </p:tnLst>
-  </p:timing>
 </p:sld>
 </file>
 
@@ -5932,10 +5853,9 @@
           <a:lstStyle/>
           <a:p>
             <a:r>
-              <a:rPr lang="en-US" dirty="0" smtClean="0"/>
+              <a:rPr lang="en-US" dirty="0"/>
               <a:t>Aside on table</a:t>
             </a:r>
-            <a:endParaRPr lang="en-US" dirty="0"/>
           </a:p>
         </p:txBody>
       </p:sp>
@@ -5962,32 +5882,32 @@
           <a:lstStyle/>
           <a:p>
             <a:r>
-              <a:rPr lang="en-US" dirty="0" smtClean="0"/>
+              <a:rPr lang="en-US" dirty="0"/>
               <a:t>Remember that $ indexes a data frame column (or a list item) by name</a:t>
             </a:r>
           </a:p>
           <a:p>
             <a:pPr lvl="1"/>
             <a:r>
-              <a:rPr lang="en-US" dirty="0" smtClean="0"/>
+              <a:rPr lang="en-US" dirty="0"/>
               <a:t>So, table(</a:t>
             </a:r>
             <a:r>
-              <a:rPr lang="en-US" dirty="0" err="1" smtClean="0"/>
+              <a:rPr lang="en-US" dirty="0" err="1"/>
               <a:t>infert$case</a:t>
             </a:r>
             <a:r>
-              <a:rPr lang="en-US" dirty="0" smtClean="0"/>
+              <a:rPr lang="en-US" dirty="0"/>
               <a:t>) is just tabulating the vector that is the case column</a:t>
             </a:r>
             <a:br>
-              <a:rPr lang="en-US" dirty="0" smtClean="0"/>
+              <a:rPr lang="en-US" dirty="0"/>
             </a:br>
             <a:endParaRPr lang="en-US" dirty="0"/>
           </a:p>
           <a:p>
             <a:r>
-              <a:rPr lang="en-US" dirty="0" smtClean="0"/>
+              <a:rPr lang="en-US" dirty="0"/>
               <a:t>Intuition test: What do you think </a:t>
             </a:r>
           </a:p>
@@ -5996,7 +5916,7 @@
               <a:buNone/>
             </a:pPr>
             <a:r>
-              <a:rPr lang="en-US" sz="2200" dirty="0" smtClean="0">
+              <a:rPr lang="en-US" sz="2200" dirty="0">
                 <a:latin typeface="Courier New" pitchFamily="49" charset="0"/>
                 <a:cs typeface="Courier New" pitchFamily="49" charset="0"/>
               </a:rPr>
@@ -6008,10 +5928,9 @@
               <a:buNone/>
             </a:pPr>
             <a:r>
-              <a:rPr lang="en-US" dirty="0" smtClean="0"/>
+              <a:rPr lang="en-US" dirty="0"/>
               <a:t>will return?</a:t>
             </a:r>
-            <a:endParaRPr lang="en-US" dirty="0"/>
           </a:p>
         </p:txBody>
       </p:sp>
@@ -6051,14 +5970,14 @@
           <a:effectLst/>
           <a:extLst>
             <a:ext uri="{909E8E84-426E-40dd-AFC4-6F175D3DCCD1}">
-              <a14:hiddenFill xmlns:a14="http://schemas.microsoft.com/office/drawing/2010/main">
+              <a14:hiddenFill xmlns:a14="http://schemas.microsoft.com/office/drawing/2010/main" xmlns="">
                 <a:solidFill>
                   <a:schemeClr val="accent1"/>
                 </a:solidFill>
               </a14:hiddenFill>
             </a:ext>
             <a:ext uri="{91240B29-F687-4f45-9708-019B960494DF}">
-              <a14:hiddenLine xmlns:a14="http://schemas.microsoft.com/office/drawing/2010/main" w="9525">
+              <a14:hiddenLine xmlns:a14="http://schemas.microsoft.com/office/drawing/2010/main" xmlns="" w="9525">
                 <a:solidFill>
                   <a:schemeClr val="tx1"/>
                 </a:solidFill>
@@ -6068,7 +5987,7 @@
               </a14:hiddenLine>
             </a:ext>
             <a:ext uri="{AF507438-7753-43e0-B8FC-AC1667EBCBE1}">
-              <a14:hiddenEffects xmlns:a14="http://schemas.microsoft.com/office/drawing/2010/main">
+              <a14:hiddenEffects xmlns:a14="http://schemas.microsoft.com/office/drawing/2010/main" xmlns="">
                 <a:effectLst>
                   <a:outerShdw dist="35921" dir="2700000" algn="ctr" rotWithShape="0">
                     <a:schemeClr val="bg2"/>
@@ -6102,10 +6021,9 @@
           <a:lstStyle/>
           <a:p>
             <a:r>
-              <a:rPr lang="en-US" dirty="0" smtClean="0"/>
+              <a:rPr lang="en-US" dirty="0"/>
               <a:t>A side table</a:t>
             </a:r>
-            <a:endParaRPr lang="en-US" dirty="0"/>
           </a:p>
         </p:txBody>
       </p:sp>
@@ -6142,13 +6060,6 @@
   <p:clrMapOvr>
     <a:masterClrMapping/>
   </p:clrMapOvr>
-  <p:timing>
-    <p:tnLst>
-      <p:par>
-        <p:cTn xmlns:p14="http://schemas.microsoft.com/office/powerpoint/2010/main" id="1" dur="indefinite" restart="never" nodeType="tmRoot"/>
-      </p:par>
-    </p:tnLst>
-  </p:timing>
 </p:sld>
 </file>
 
@@ -6187,10 +6098,9 @@
           <a:lstStyle/>
           <a:p>
             <a:r>
-              <a:rPr lang="en-US" dirty="0" smtClean="0"/>
+              <a:rPr lang="en-US" dirty="0"/>
               <a:t>Reminder: Indexing data frames to get rows</a:t>
             </a:r>
-            <a:endParaRPr lang="en-US" dirty="0"/>
           </a:p>
         </p:txBody>
       </p:sp>
@@ -6212,26 +6122,26 @@
           <a:lstStyle/>
           <a:p>
             <a:r>
-              <a:rPr lang="en-US" dirty="0" smtClean="0"/>
+              <a:rPr lang="en-US" dirty="0"/>
               <a:t>Get rows by position – index is a numeric vector:</a:t>
             </a:r>
           </a:p>
           <a:p>
-            <a:endParaRPr lang="en-US" dirty="0" smtClean="0"/>
+            <a:endParaRPr lang="en-US" dirty="0"/>
           </a:p>
           <a:p>
             <a:pPr marL="0" indent="0">
               <a:buNone/>
             </a:pPr>
             <a:r>
-              <a:rPr lang="en-US" dirty="0" err="1" smtClean="0">
+              <a:rPr lang="en-US" dirty="0" err="1">
                 <a:latin typeface="Courier New" pitchFamily="49" charset="0"/>
                 <a:cs typeface="Courier New" pitchFamily="49" charset="0"/>
               </a:rPr>
               <a:t>infert</a:t>
             </a:r>
             <a:r>
-              <a:rPr lang="en-US" dirty="0" smtClean="0">
+              <a:rPr lang="en-US" dirty="0">
                 <a:latin typeface="Courier New" pitchFamily="49" charset="0"/>
                 <a:cs typeface="Courier New" pitchFamily="49" charset="0"/>
               </a:rPr>
@@ -6243,14 +6153,14 @@
               <a:buNone/>
             </a:pPr>
             <a:r>
-              <a:rPr lang="en-US" dirty="0" err="1" smtClean="0">
+              <a:rPr lang="en-US" dirty="0" err="1">
                 <a:latin typeface="Courier New" pitchFamily="49" charset="0"/>
                 <a:cs typeface="Courier New" pitchFamily="49" charset="0"/>
               </a:rPr>
               <a:t>infert</a:t>
             </a:r>
             <a:r>
-              <a:rPr lang="en-US" dirty="0" smtClean="0">
+              <a:rPr lang="en-US" dirty="0">
                 <a:latin typeface="Courier New" pitchFamily="49" charset="0"/>
                 <a:cs typeface="Courier New" pitchFamily="49" charset="0"/>
               </a:rPr>
@@ -6262,14 +6172,14 @@
               <a:buNone/>
             </a:pPr>
             <a:r>
-              <a:rPr lang="en-US" dirty="0" err="1" smtClean="0">
+              <a:rPr lang="en-US" dirty="0" err="1">
                 <a:latin typeface="Courier New" pitchFamily="49" charset="0"/>
                 <a:cs typeface="Courier New" pitchFamily="49" charset="0"/>
               </a:rPr>
               <a:t>infert</a:t>
             </a:r>
             <a:r>
-              <a:rPr lang="en-US" dirty="0" smtClean="0">
+              <a:rPr lang="en-US" dirty="0">
                 <a:latin typeface="Courier New" pitchFamily="49" charset="0"/>
                 <a:cs typeface="Courier New" pitchFamily="49" charset="0"/>
               </a:rPr>
@@ -6281,14 +6191,14 @@
               <a:buNone/>
             </a:pPr>
             <a:r>
-              <a:rPr lang="en-US" dirty="0" err="1" smtClean="0">
+              <a:rPr lang="en-US" dirty="0" err="1">
                 <a:latin typeface="Courier New" pitchFamily="49" charset="0"/>
                 <a:cs typeface="Courier New" pitchFamily="49" charset="0"/>
               </a:rPr>
               <a:t>infert</a:t>
             </a:r>
             <a:r>
-              <a:rPr lang="en-US" dirty="0" smtClean="0">
+              <a:rPr lang="en-US" dirty="0">
                 <a:latin typeface="Courier New" pitchFamily="49" charset="0"/>
                 <a:cs typeface="Courier New" pitchFamily="49" charset="0"/>
               </a:rPr>
@@ -6296,14 +6206,13 @@
             </a:r>
           </a:p>
           <a:p>
-            <a:endParaRPr lang="en-US" dirty="0" smtClean="0"/>
-          </a:p>
-          <a:p>
-            <a:r>
-              <a:rPr lang="en-US" dirty="0" smtClean="0"/>
+            <a:endParaRPr lang="en-US" dirty="0"/>
+          </a:p>
+          <a:p>
+            <a:r>
+              <a:rPr lang="en-US" dirty="0"/>
               <a:t>A minus before the position index means everything except those positions</a:t>
             </a:r>
-            <a:endParaRPr lang="en-US" dirty="0"/>
           </a:p>
           <a:p>
             <a:pPr marL="0" indent="0">
@@ -6317,7 +6226,7 @@
               <a:t>infert</a:t>
             </a:r>
             <a:r>
-              <a:rPr lang="en-US" dirty="0" smtClean="0">
+              <a:rPr lang="en-US" dirty="0">
                 <a:latin typeface="Courier New" pitchFamily="49" charset="0"/>
                 <a:cs typeface="Courier New" pitchFamily="49" charset="0"/>
               </a:rPr>
@@ -6340,19 +6249,8 @@
                 <a:latin typeface="Courier New" pitchFamily="49" charset="0"/>
                 <a:cs typeface="Courier New" pitchFamily="49" charset="0"/>
               </a:rPr>
-              <a:t>[-(</a:t>
-            </a:r>
-            <a:r>
-              <a:rPr lang="en-US" dirty="0" smtClean="0">
-                <a:latin typeface="Courier New" pitchFamily="49" charset="0"/>
-                <a:cs typeface="Courier New" pitchFamily="49" charset="0"/>
-              </a:rPr>
-              <a:t>1:244),]</a:t>
-            </a:r>
-            <a:endParaRPr lang="en-US" dirty="0">
-              <a:latin typeface="Courier New" pitchFamily="49" charset="0"/>
-              <a:cs typeface="Courier New" pitchFamily="49" charset="0"/>
-            </a:endParaRPr>
+              <a:t>[-(1:244),]</a:t>
+            </a:r>
           </a:p>
         </p:txBody>
       </p:sp>
@@ -6389,13 +6287,6 @@
   <p:clrMapOvr>
     <a:masterClrMapping/>
   </p:clrMapOvr>
-  <p:timing>
-    <p:tnLst>
-      <p:par>
-        <p:cTn xmlns:p14="http://schemas.microsoft.com/office/powerpoint/2010/main" id="1" dur="indefinite" restart="never" nodeType="tmRoot"/>
-      </p:par>
-    </p:tnLst>
-  </p:timing>
 </p:sld>
 </file>
 
@@ -6432,10 +6323,9 @@
           <a:lstStyle/>
           <a:p>
             <a:r>
-              <a:rPr lang="en-US" dirty="0" smtClean="0"/>
+              <a:rPr lang="en-US" dirty="0"/>
               <a:t>Getting rows by name</a:t>
             </a:r>
-            <a:endParaRPr lang="en-US" dirty="0"/>
           </a:p>
         </p:txBody>
       </p:sp>
@@ -6457,72 +6347,39 @@
           <a:lstStyle/>
           <a:p>
             <a:r>
-              <a:rPr lang="en-US" dirty="0" smtClean="0"/>
-              <a:t>If the row index </a:t>
-            </a:r>
-            <a:r>
-              <a:rPr lang="en-US" dirty="0"/>
-              <a:t>is a </a:t>
-            </a:r>
-            <a:r>
-              <a:rPr lang="en-US" dirty="0" smtClean="0"/>
-              <a:t>character vector, R will try to find rows with those names:</a:t>
-            </a:r>
+              <a:rPr lang="en-US" dirty="0"/>
+              <a:t>If the row index is a character vector, R will try to find rows with those names:</a:t>
+            </a:r>
+          </a:p>
+          <a:p>
             <a:endParaRPr lang="en-US" dirty="0"/>
           </a:p>
           <a:p>
-            <a:endParaRPr lang="en-US" dirty="0" smtClean="0"/>
-          </a:p>
-          <a:p>
-            <a:r>
-              <a:rPr lang="en-US" dirty="0" smtClean="0"/>
+            <a:r>
+              <a:rPr lang="en-US" dirty="0"/>
               <a:t>It turns out that </a:t>
             </a:r>
             <a:r>
-              <a:rPr lang="en-US" dirty="0" err="1" smtClean="0"/>
+              <a:rPr lang="en-US" dirty="0" err="1"/>
               <a:t>infert's</a:t>
             </a:r>
             <a:r>
-              <a:rPr lang="en-US" dirty="0" smtClean="0"/>
+              <a:rPr lang="en-US" dirty="0"/>
               <a:t> row names are (character) numbers.  So for </a:t>
             </a:r>
             <a:r>
-              <a:rPr lang="en-US" dirty="0" err="1" smtClean="0"/>
+              <a:rPr lang="en-US" dirty="0" err="1"/>
               <a:t>infert</a:t>
             </a:r>
             <a:r>
-              <a:rPr lang="en-US" dirty="0" smtClean="0"/>
+              <a:rPr lang="en-US" dirty="0"/>
               <a:t>:</a:t>
             </a:r>
-            <a:endParaRPr lang="en-US" dirty="0"/>
           </a:p>
           <a:p>
             <a:pPr marL="0" indent="0">
               <a:buNone/>
             </a:pPr>
-            <a:endParaRPr lang="en-US" sz="2400" dirty="0" smtClean="0">
-              <a:latin typeface="Courier New" pitchFamily="49" charset="0"/>
-              <a:cs typeface="Courier New" pitchFamily="49" charset="0"/>
-            </a:endParaRPr>
-          </a:p>
-          <a:p>
-            <a:pPr marL="0" indent="0">
-              <a:buNone/>
-            </a:pPr>
-            <a:r>
-              <a:rPr lang="en-US" sz="2400" dirty="0" err="1" smtClean="0">
-                <a:latin typeface="Courier New" pitchFamily="49" charset="0"/>
-                <a:cs typeface="Courier New" pitchFamily="49" charset="0"/>
-              </a:rPr>
-              <a:t>infert</a:t>
-            </a:r>
-            <a:r>
-              <a:rPr lang="en-US" sz="2400" dirty="0" smtClean="0">
-                <a:latin typeface="Courier New" pitchFamily="49" charset="0"/>
-                <a:cs typeface="Courier New" pitchFamily="49" charset="0"/>
-              </a:rPr>
-              <a:t>["1",]</a:t>
-            </a:r>
             <a:endParaRPr lang="en-US" sz="2400" dirty="0">
               <a:latin typeface="Courier New" pitchFamily="49" charset="0"/>
               <a:cs typeface="Courier New" pitchFamily="49" charset="0"/>
@@ -6532,14 +6389,33 @@
             <a:pPr marL="0" indent="0">
               <a:buNone/>
             </a:pPr>
-            <a:endParaRPr lang="en-US" dirty="0" smtClean="0"/>
+            <a:r>
+              <a:rPr lang="en-US" sz="2400" dirty="0" err="1">
+                <a:latin typeface="Courier New" pitchFamily="49" charset="0"/>
+                <a:cs typeface="Courier New" pitchFamily="49" charset="0"/>
+              </a:rPr>
+              <a:t>infert</a:t>
+            </a:r>
+            <a:r>
+              <a:rPr lang="en-US" sz="2400" dirty="0">
+                <a:latin typeface="Courier New" pitchFamily="49" charset="0"/>
+                <a:cs typeface="Courier New" pitchFamily="49" charset="0"/>
+              </a:rPr>
+              <a:t>["1",]</a:t>
+            </a:r>
           </a:p>
           <a:p>
             <a:pPr marL="0" indent="0">
               <a:buNone/>
             </a:pPr>
-            <a:r>
-              <a:rPr lang="en-US" dirty="0" smtClean="0"/>
+            <a:endParaRPr lang="en-US" dirty="0"/>
+          </a:p>
+          <a:p>
+            <a:pPr marL="0" indent="0">
+              <a:buNone/>
+            </a:pPr>
+            <a:r>
+              <a:rPr lang="en-US" dirty="0"/>
               <a:t>works just like:</a:t>
             </a:r>
           </a:p>
@@ -6547,7 +6423,7 @@
             <a:pPr marL="0" indent="0">
               <a:buNone/>
             </a:pPr>
-            <a:endParaRPr lang="en-US" sz="2400" dirty="0" smtClean="0">
+            <a:endParaRPr lang="en-US" sz="2400" dirty="0">
               <a:latin typeface="Courier New" pitchFamily="49" charset="0"/>
               <a:cs typeface="Courier New" pitchFamily="49" charset="0"/>
             </a:endParaRPr>
@@ -6557,14 +6433,14 @@
               <a:buNone/>
             </a:pPr>
             <a:r>
-              <a:rPr lang="en-US" sz="2400" dirty="0" err="1" smtClean="0">
+              <a:rPr lang="en-US" sz="2400" dirty="0" err="1">
                 <a:latin typeface="Courier New" pitchFamily="49" charset="0"/>
                 <a:cs typeface="Courier New" pitchFamily="49" charset="0"/>
               </a:rPr>
               <a:t>infert</a:t>
             </a:r>
             <a:r>
-              <a:rPr lang="en-US" sz="2400" dirty="0" smtClean="0">
+              <a:rPr lang="en-US" sz="2400" dirty="0">
                 <a:latin typeface="Courier New" pitchFamily="49" charset="0"/>
                 <a:cs typeface="Courier New" pitchFamily="49" charset="0"/>
               </a:rPr>
@@ -6607,13 +6483,6 @@
   <p:clrMapOvr>
     <a:masterClrMapping/>
   </p:clrMapOvr>
-  <p:timing>
-    <p:tnLst>
-      <p:par>
-        <p:cTn xmlns:p14="http://schemas.microsoft.com/office/powerpoint/2010/main" id="1" dur="indefinite" restart="never" nodeType="tmRoot"/>
-      </p:par>
-    </p:tnLst>
-  </p:timing>
 </p:sld>
 </file>
 
@@ -6652,10 +6521,9 @@
           <a:lstStyle/>
           <a:p>
             <a:r>
-              <a:rPr lang="en-US" dirty="0" smtClean="0"/>
+              <a:rPr lang="en-US" dirty="0"/>
               <a:t>Indexing data frame rows by name: </a:t>
             </a:r>
-            <a:endParaRPr lang="en-US" dirty="0"/>
           </a:p>
         </p:txBody>
       </p:sp>
@@ -6677,7 +6545,7 @@
           <a:lstStyle/>
           <a:p>
             <a:r>
-              <a:rPr lang="en-US" sz="3000" dirty="0" smtClean="0"/>
+              <a:rPr lang="en-US" sz="3000" dirty="0"/>
               <a:t>… but this is not true in general.  See, for example:</a:t>
             </a:r>
           </a:p>
@@ -6685,173 +6553,165 @@
             <a:pPr marL="0" indent="0">
               <a:buNone/>
             </a:pPr>
-            <a:endParaRPr lang="en-US" sz="2000" dirty="0" smtClean="0">
-              <a:latin typeface="Courier New" pitchFamily="49" charset="0"/>
-              <a:cs typeface="Courier New" pitchFamily="49" charset="0"/>
-            </a:endParaRPr>
-          </a:p>
-          <a:p>
-            <a:pPr marL="0" indent="0">
-              <a:buNone/>
-            </a:pPr>
-            <a:r>
-              <a:rPr lang="en-US" sz="2000" dirty="0">
-                <a:latin typeface="Courier New" pitchFamily="49" charset="0"/>
-                <a:cs typeface="Courier New" pitchFamily="49" charset="0"/>
-              </a:rPr>
-              <a:t>data(</a:t>
-            </a:r>
-            <a:r>
-              <a:rPr lang="en-US" sz="2000" dirty="0" err="1">
-                <a:latin typeface="Courier New" pitchFamily="49" charset="0"/>
-                <a:cs typeface="Courier New" pitchFamily="49" charset="0"/>
-              </a:rPr>
-              <a:t>USArrests</a:t>
-            </a:r>
-            <a:r>
-              <a:rPr lang="en-US" sz="2000" dirty="0">
-                <a:latin typeface="Courier New" pitchFamily="49" charset="0"/>
-                <a:cs typeface="Courier New" pitchFamily="49" charset="0"/>
-              </a:rPr>
-              <a:t>)</a:t>
-            </a:r>
-            <a:endParaRPr lang="en-US" sz="2000" dirty="0" smtClean="0">
-              <a:latin typeface="Courier New" pitchFamily="49" charset="0"/>
-              <a:cs typeface="Courier New" pitchFamily="49" charset="0"/>
-            </a:endParaRPr>
-          </a:p>
-          <a:p>
-            <a:pPr marL="0" indent="0">
-              <a:buNone/>
-            </a:pPr>
-            <a:r>
-              <a:rPr lang="en-US" sz="2000" dirty="0" smtClean="0">
-                <a:latin typeface="Courier New" pitchFamily="49" charset="0"/>
-                <a:cs typeface="Courier New" pitchFamily="49" charset="0"/>
-              </a:rPr>
-              <a:t>head(</a:t>
-            </a:r>
-            <a:r>
-              <a:rPr lang="en-US" sz="2000" dirty="0" err="1" smtClean="0">
-                <a:latin typeface="Courier New" pitchFamily="49" charset="0"/>
-                <a:cs typeface="Courier New" pitchFamily="49" charset="0"/>
-              </a:rPr>
-              <a:t>USArrests</a:t>
-            </a:r>
-            <a:r>
-              <a:rPr lang="en-US" sz="2000" dirty="0" smtClean="0">
-                <a:latin typeface="Courier New" pitchFamily="49" charset="0"/>
-                <a:cs typeface="Courier New" pitchFamily="49" charset="0"/>
-              </a:rPr>
-              <a:t>)</a:t>
-            </a:r>
-          </a:p>
-          <a:p>
-            <a:pPr marL="0" indent="0">
-              <a:buNone/>
-            </a:pPr>
-            <a:endParaRPr lang="en-US" sz="2000" dirty="0" smtClean="0">
-              <a:latin typeface="Courier New" pitchFamily="49" charset="0"/>
-              <a:cs typeface="Courier New" pitchFamily="49" charset="0"/>
-            </a:endParaRPr>
-          </a:p>
-          <a:p>
-            <a:r>
-              <a:rPr lang="en-US" sz="3000" dirty="0" smtClean="0">
-                <a:cs typeface="Courier New" pitchFamily="49" charset="0"/>
-              </a:rPr>
-              <a:t>For the </a:t>
-            </a:r>
-            <a:r>
-              <a:rPr lang="en-US" sz="3000" dirty="0" err="1" smtClean="0">
-                <a:cs typeface="Courier New" pitchFamily="49" charset="0"/>
-              </a:rPr>
-              <a:t>USArrests</a:t>
-            </a:r>
-            <a:r>
-              <a:rPr lang="en-US" sz="3000" dirty="0" smtClean="0">
-                <a:cs typeface="Courier New" pitchFamily="49" charset="0"/>
-              </a:rPr>
-              <a:t> dataset, </a:t>
-            </a:r>
-            <a:r>
-              <a:rPr lang="en-US" sz="3000" dirty="0" err="1" smtClean="0">
-                <a:cs typeface="Courier New" pitchFamily="49" charset="0"/>
-              </a:rPr>
-              <a:t>rownames</a:t>
-            </a:r>
-            <a:r>
-              <a:rPr lang="en-US" sz="3000" dirty="0" smtClean="0">
-                <a:cs typeface="Courier New" pitchFamily="49" charset="0"/>
-              </a:rPr>
-              <a:t> are state names.  So:</a:t>
-            </a:r>
-          </a:p>
-          <a:p>
-            <a:endParaRPr lang="en-US" dirty="0" smtClean="0">
-              <a:cs typeface="Courier New" pitchFamily="49" charset="0"/>
-            </a:endParaRPr>
-          </a:p>
-          <a:p>
-            <a:pPr marL="0" indent="0">
-              <a:buNone/>
-            </a:pPr>
-            <a:r>
-              <a:rPr lang="en-US" sz="2000" dirty="0" err="1" smtClean="0">
-                <a:latin typeface="Courier New" pitchFamily="49" charset="0"/>
-                <a:cs typeface="Courier New" pitchFamily="49" charset="0"/>
-              </a:rPr>
-              <a:t>USArrests</a:t>
-            </a:r>
-            <a:r>
-              <a:rPr lang="en-US" sz="2000" dirty="0" smtClean="0">
-                <a:latin typeface="Courier New" pitchFamily="49" charset="0"/>
-                <a:cs typeface="Courier New" pitchFamily="49" charset="0"/>
-              </a:rPr>
-              <a:t>[1,] # works</a:t>
-            </a:r>
-          </a:p>
-          <a:p>
-            <a:pPr marL="0" indent="0">
-              <a:buNone/>
-            </a:pPr>
-            <a:r>
-              <a:rPr lang="en-US" sz="2000" dirty="0" err="1" smtClean="0">
-                <a:latin typeface="Courier New" pitchFamily="49" charset="0"/>
-                <a:cs typeface="Courier New" pitchFamily="49" charset="0"/>
-              </a:rPr>
-              <a:t>USArrests</a:t>
-            </a:r>
-            <a:r>
-              <a:rPr lang="en-US" sz="2000" dirty="0" smtClean="0">
-                <a:latin typeface="Courier New" pitchFamily="49" charset="0"/>
-                <a:cs typeface="Courier New" pitchFamily="49" charset="0"/>
-              </a:rPr>
-              <a:t>["New York",] # works</a:t>
-            </a:r>
-          </a:p>
-          <a:p>
-            <a:pPr marL="0" indent="0">
-              <a:buNone/>
-            </a:pPr>
-            <a:r>
-              <a:rPr lang="en-US" sz="2000" dirty="0" err="1">
-                <a:latin typeface="Courier New" pitchFamily="49" charset="0"/>
-                <a:cs typeface="Courier New" pitchFamily="49" charset="0"/>
-              </a:rPr>
-              <a:t>USArrests</a:t>
-            </a:r>
-            <a:r>
-              <a:rPr lang="en-US" sz="2000" dirty="0" smtClean="0">
-                <a:latin typeface="Courier New" pitchFamily="49" charset="0"/>
-                <a:cs typeface="Courier New" pitchFamily="49" charset="0"/>
-              </a:rPr>
-              <a:t>["1",] # returns an error</a:t>
-            </a:r>
             <a:endParaRPr lang="en-US" sz="2000" dirty="0">
               <a:latin typeface="Courier New" pitchFamily="49" charset="0"/>
               <a:cs typeface="Courier New" pitchFamily="49" charset="0"/>
             </a:endParaRPr>
+          </a:p>
+          <a:p>
+            <a:pPr marL="0" indent="0">
+              <a:buNone/>
+            </a:pPr>
+            <a:r>
+              <a:rPr lang="en-US" sz="2000" dirty="0">
+                <a:latin typeface="Courier New" pitchFamily="49" charset="0"/>
+                <a:cs typeface="Courier New" pitchFamily="49" charset="0"/>
+              </a:rPr>
+              <a:t>data(</a:t>
+            </a:r>
+            <a:r>
+              <a:rPr lang="en-US" sz="2000" dirty="0" err="1">
+                <a:latin typeface="Courier New" pitchFamily="49" charset="0"/>
+                <a:cs typeface="Courier New" pitchFamily="49" charset="0"/>
+              </a:rPr>
+              <a:t>USArrests</a:t>
+            </a:r>
+            <a:r>
+              <a:rPr lang="en-US" sz="2000" dirty="0">
+                <a:latin typeface="Courier New" pitchFamily="49" charset="0"/>
+                <a:cs typeface="Courier New" pitchFamily="49" charset="0"/>
+              </a:rPr>
+              <a:t>)</a:t>
+            </a:r>
+          </a:p>
+          <a:p>
+            <a:pPr marL="0" indent="0">
+              <a:buNone/>
+            </a:pPr>
+            <a:r>
+              <a:rPr lang="en-US" sz="2000" dirty="0">
+                <a:latin typeface="Courier New" pitchFamily="49" charset="0"/>
+                <a:cs typeface="Courier New" pitchFamily="49" charset="0"/>
+              </a:rPr>
+              <a:t>head(</a:t>
+            </a:r>
+            <a:r>
+              <a:rPr lang="en-US" sz="2000" dirty="0" err="1">
+                <a:latin typeface="Courier New" pitchFamily="49" charset="0"/>
+                <a:cs typeface="Courier New" pitchFamily="49" charset="0"/>
+              </a:rPr>
+              <a:t>USArrests</a:t>
+            </a:r>
+            <a:r>
+              <a:rPr lang="en-US" sz="2000" dirty="0">
+                <a:latin typeface="Courier New" pitchFamily="49" charset="0"/>
+                <a:cs typeface="Courier New" pitchFamily="49" charset="0"/>
+              </a:rPr>
+              <a:t>)</a:t>
+            </a:r>
+          </a:p>
+          <a:p>
+            <a:pPr marL="0" indent="0">
+              <a:buNone/>
+            </a:pPr>
+            <a:endParaRPr lang="en-US" sz="2000" dirty="0">
+              <a:latin typeface="Courier New" pitchFamily="49" charset="0"/>
+              <a:cs typeface="Courier New" pitchFamily="49" charset="0"/>
+            </a:endParaRPr>
+          </a:p>
+          <a:p>
+            <a:r>
+              <a:rPr lang="en-US" sz="3000" dirty="0">
+                <a:cs typeface="Courier New" pitchFamily="49" charset="0"/>
+              </a:rPr>
+              <a:t>For the </a:t>
+            </a:r>
+            <a:r>
+              <a:rPr lang="en-US" sz="3000" dirty="0" err="1">
+                <a:cs typeface="Courier New" pitchFamily="49" charset="0"/>
+              </a:rPr>
+              <a:t>USArrests</a:t>
+            </a:r>
+            <a:r>
+              <a:rPr lang="en-US" sz="3000" dirty="0">
+                <a:cs typeface="Courier New" pitchFamily="49" charset="0"/>
+              </a:rPr>
+              <a:t> dataset, </a:t>
+            </a:r>
+            <a:r>
+              <a:rPr lang="en-US" sz="3000" dirty="0" err="1">
+                <a:cs typeface="Courier New" pitchFamily="49" charset="0"/>
+              </a:rPr>
+              <a:t>rownames</a:t>
+            </a:r>
+            <a:r>
+              <a:rPr lang="en-US" sz="3000" dirty="0">
+                <a:cs typeface="Courier New" pitchFamily="49" charset="0"/>
+              </a:rPr>
+              <a:t> are state names.  So:</a:t>
+            </a:r>
+          </a:p>
+          <a:p>
+            <a:endParaRPr lang="en-US" dirty="0">
+              <a:cs typeface="Courier New" pitchFamily="49" charset="0"/>
+            </a:endParaRPr>
+          </a:p>
+          <a:p>
+            <a:pPr marL="0" indent="0">
+              <a:buNone/>
+            </a:pPr>
+            <a:r>
+              <a:rPr lang="en-US" sz="2000" dirty="0" err="1">
+                <a:latin typeface="Courier New" pitchFamily="49" charset="0"/>
+                <a:cs typeface="Courier New" pitchFamily="49" charset="0"/>
+              </a:rPr>
+              <a:t>USArrests</a:t>
+            </a:r>
+            <a:r>
+              <a:rPr lang="en-US" sz="2000" dirty="0">
+                <a:latin typeface="Courier New" pitchFamily="49" charset="0"/>
+                <a:cs typeface="Courier New" pitchFamily="49" charset="0"/>
+              </a:rPr>
+              <a:t>[1,] # works</a:t>
+            </a:r>
+          </a:p>
+          <a:p>
+            <a:pPr marL="0" indent="0">
+              <a:buNone/>
+            </a:pPr>
+            <a:r>
+              <a:rPr lang="en-US" sz="2000" dirty="0" err="1">
+                <a:latin typeface="Courier New" pitchFamily="49" charset="0"/>
+                <a:cs typeface="Courier New" pitchFamily="49" charset="0"/>
+              </a:rPr>
+              <a:t>USArrests</a:t>
+            </a:r>
+            <a:r>
+              <a:rPr lang="en-US" sz="2000" dirty="0">
+                <a:latin typeface="Courier New" pitchFamily="49" charset="0"/>
+                <a:cs typeface="Courier New" pitchFamily="49" charset="0"/>
+              </a:rPr>
+              <a:t>["New York",] # works</a:t>
+            </a:r>
+          </a:p>
+          <a:p>
+            <a:pPr marL="0" indent="0">
+              <a:buNone/>
+            </a:pPr>
+            <a:r>
+              <a:rPr lang="en-US" sz="2000" dirty="0" err="1">
+                <a:latin typeface="Courier New" pitchFamily="49" charset="0"/>
+                <a:cs typeface="Courier New" pitchFamily="49" charset="0"/>
+              </a:rPr>
+              <a:t>USArrests</a:t>
+            </a:r>
+            <a:r>
+              <a:rPr lang="en-US" sz="2000" dirty="0">
+                <a:latin typeface="Courier New" pitchFamily="49" charset="0"/>
+                <a:cs typeface="Courier New" pitchFamily="49" charset="0"/>
+              </a:rPr>
+              <a:t>["1",] # returns an error</a:t>
+            </a:r>
           </a:p>
         </p:txBody>
       </p:sp>
@@ -6888,13 +6748,6 @@
   <p:clrMapOvr>
     <a:masterClrMapping/>
   </p:clrMapOvr>
-  <p:timing>
-    <p:tnLst>
-      <p:par>
-        <p:cTn xmlns:p14="http://schemas.microsoft.com/office/powerpoint/2010/main" id="1" dur="indefinite" restart="never" nodeType="tmRoot"/>
-      </p:par>
-    </p:tnLst>
-  </p:timing>
 </p:sld>
 </file>
 
@@ -6931,10 +6784,9 @@
           <a:lstStyle/>
           <a:p>
             <a:r>
-              <a:rPr lang="en-US" dirty="0" smtClean="0"/>
+              <a:rPr lang="en-US" dirty="0"/>
               <a:t>The data command</a:t>
             </a:r>
-            <a:endParaRPr lang="en-US" dirty="0"/>
           </a:p>
         </p:txBody>
       </p:sp>
@@ -6956,14 +6808,14 @@
           <a:lstStyle/>
           <a:p>
             <a:r>
-              <a:rPr lang="en-US" dirty="0" smtClean="0"/>
+              <a:rPr lang="en-US" dirty="0"/>
               <a:t>data(dataset-name)</a:t>
             </a:r>
           </a:p>
           <a:p>
             <a:pPr lvl="1"/>
             <a:r>
-              <a:rPr lang="en-US" dirty="0" smtClean="0"/>
+              <a:rPr lang="en-US" dirty="0"/>
               <a:t>Loads a dataset built into R into memory</a:t>
             </a:r>
           </a:p>
@@ -6978,21 +6830,21 @@
               <a:buNone/>
             </a:pPr>
             <a:r>
-              <a:rPr lang="en-US" dirty="0" smtClean="0">
+              <a:rPr lang="en-US" dirty="0">
                 <a:latin typeface="Courier New" pitchFamily="49" charset="0"/>
                 <a:cs typeface="Courier New" pitchFamily="49" charset="0"/>
               </a:rPr>
               <a:t>data(</a:t>
             </a:r>
             <a:r>
-              <a:rPr lang="en-US" dirty="0" err="1" smtClean="0">
+              <a:rPr lang="en-US" dirty="0" err="1">
                 <a:latin typeface="Courier New" pitchFamily="49" charset="0"/>
                 <a:cs typeface="Courier New" pitchFamily="49" charset="0"/>
               </a:rPr>
               <a:t>infert</a:t>
             </a:r>
             <a:r>
-              <a:rPr lang="en-US" dirty="0" smtClean="0">
+              <a:rPr lang="en-US" dirty="0">
                 <a:latin typeface="Courier New" pitchFamily="49" charset="0"/>
                 <a:cs typeface="Courier New" pitchFamily="49" charset="0"/>
               </a:rPr>
@@ -7003,11 +6855,11 @@
             <a:endParaRPr lang="en-US" dirty="0"/>
           </a:p>
           <a:p>
-            <a:endParaRPr lang="en-US" dirty="0" smtClean="0"/>
-          </a:p>
-          <a:p>
-            <a:r>
-              <a:rPr lang="en-US" dirty="0" smtClean="0"/>
+            <a:endParaRPr lang="en-US" dirty="0"/>
+          </a:p>
+          <a:p>
+            <a:r>
+              <a:rPr lang="en-US" dirty="0"/>
               <a:t>Note: In real life you will almost never use this</a:t>
             </a:r>
           </a:p>
@@ -7016,18 +6868,17 @@
           </a:p>
           <a:p>
             <a:r>
-              <a:rPr lang="en-US" dirty="0" smtClean="0"/>
+              <a:rPr lang="en-US" dirty="0"/>
               <a:t>But it's useful for example, so you see it in vignettes, example posts on </a:t>
             </a:r>
             <a:r>
-              <a:rPr lang="en-US" dirty="0" err="1" smtClean="0"/>
+              <a:rPr lang="en-US" dirty="0" err="1"/>
               <a:t>StackOverflow</a:t>
             </a:r>
             <a:r>
-              <a:rPr lang="en-US" dirty="0" smtClean="0"/>
+              <a:rPr lang="en-US" dirty="0"/>
               <a:t>, etc.</a:t>
             </a:r>
-            <a:endParaRPr lang="en-US" dirty="0"/>
           </a:p>
         </p:txBody>
       </p:sp>
@@ -7064,13 +6915,6 @@
   <p:clrMapOvr>
     <a:masterClrMapping/>
   </p:clrMapOvr>
-  <p:timing>
-    <p:tnLst>
-      <p:par>
-        <p:cTn xmlns:p14="http://schemas.microsoft.com/office/powerpoint/2010/main" id="1" dur="indefinite" restart="never" nodeType="tmRoot"/>
-      </p:par>
-    </p:tnLst>
-  </p:timing>
 </p:sld>
 </file>
 
@@ -7110,13 +6954,8 @@
           <a:p>
             <a:r>
               <a:rPr lang="en-US" dirty="0"/>
-              <a:t>Indexing data frames to get </a:t>
-            </a:r>
-            <a:r>
-              <a:rPr lang="en-US" dirty="0" smtClean="0"/>
-              <a:t>columns</a:t>
-            </a:r>
-            <a:endParaRPr lang="en-US" dirty="0"/>
+              <a:t>Indexing data frames to get columns</a:t>
+            </a:r>
           </a:p>
         </p:txBody>
       </p:sp>
@@ -7138,15 +6977,14 @@
           <a:lstStyle/>
           <a:p>
             <a:r>
-              <a:rPr lang="en-US" dirty="0" smtClean="0"/>
+              <a:rPr lang="en-US" dirty="0"/>
               <a:t>Can also get columns by position, name, or logical:</a:t>
             </a:r>
+          </a:p>
+          <a:p>
             <a:endParaRPr lang="en-US" dirty="0"/>
           </a:p>
           <a:p>
-            <a:endParaRPr lang="en-US" dirty="0"/>
-          </a:p>
-          <a:p>
             <a:pPr marL="0" indent="0">
               <a:buNone/>
             </a:pPr>
@@ -7158,30 +6996,26 @@
               <a:t>infert</a:t>
             </a:r>
             <a:r>
-              <a:rPr lang="en-US" sz="2200" dirty="0" smtClean="0">
+              <a:rPr lang="en-US" sz="2200" dirty="0">
                 <a:latin typeface="Courier New" pitchFamily="49" charset="0"/>
                 <a:cs typeface="Courier New" pitchFamily="49" charset="0"/>
               </a:rPr>
               <a:t>[,1]</a:t>
             </a:r>
-            <a:endParaRPr lang="en-US" sz="2200" dirty="0">
-              <a:latin typeface="Courier New" pitchFamily="49" charset="0"/>
-              <a:cs typeface="Courier New" pitchFamily="49" charset="0"/>
-            </a:endParaRPr>
           </a:p>
           <a:p>
             <a:pPr marL="0" indent="0">
               <a:buNone/>
             </a:pPr>
             <a:r>
-              <a:rPr lang="en-US" sz="2200" dirty="0" err="1" smtClean="0">
+              <a:rPr lang="en-US" sz="2200" dirty="0" err="1">
                 <a:latin typeface="Courier New" pitchFamily="49" charset="0"/>
                 <a:cs typeface="Courier New" pitchFamily="49" charset="0"/>
               </a:rPr>
               <a:t>infert</a:t>
             </a:r>
             <a:r>
-              <a:rPr lang="en-US" sz="2200" dirty="0" smtClean="0">
+              <a:rPr lang="en-US" sz="2200" dirty="0">
                 <a:latin typeface="Courier New" pitchFamily="49" charset="0"/>
                 <a:cs typeface="Courier New" pitchFamily="49" charset="0"/>
               </a:rPr>
@@ -7193,14 +7027,14 @@
               <a:buNone/>
             </a:pPr>
             <a:r>
-              <a:rPr lang="en-US" sz="2200" dirty="0" err="1" smtClean="0">
+              <a:rPr lang="en-US" sz="2200" dirty="0" err="1">
                 <a:latin typeface="Courier New" pitchFamily="49" charset="0"/>
                 <a:cs typeface="Courier New" pitchFamily="49" charset="0"/>
               </a:rPr>
               <a:t>infert</a:t>
             </a:r>
             <a:r>
-              <a:rPr lang="en-US" sz="2200" dirty="0" smtClean="0">
+              <a:rPr lang="en-US" sz="2200" dirty="0">
                 <a:latin typeface="Courier New" pitchFamily="49" charset="0"/>
                 <a:cs typeface="Courier New" pitchFamily="49" charset="0"/>
               </a:rPr>
@@ -7212,14 +7046,14 @@
               <a:buNone/>
             </a:pPr>
             <a:r>
-              <a:rPr lang="en-US" sz="2200" dirty="0" err="1" smtClean="0">
+              <a:rPr lang="en-US" sz="2200" dirty="0" err="1">
                 <a:latin typeface="Courier New" pitchFamily="49" charset="0"/>
                 <a:cs typeface="Courier New" pitchFamily="49" charset="0"/>
               </a:rPr>
               <a:t>infert</a:t>
             </a:r>
             <a:r>
-              <a:rPr lang="en-US" sz="2200" dirty="0" smtClean="0">
+              <a:rPr lang="en-US" sz="2200" dirty="0">
                 <a:latin typeface="Courier New" pitchFamily="49" charset="0"/>
                 <a:cs typeface="Courier New" pitchFamily="49" charset="0"/>
               </a:rPr>
@@ -7237,16 +7071,15 @@
           </a:p>
           <a:p>
             <a:r>
-              <a:rPr lang="en-US" dirty="0" smtClean="0"/>
+              <a:rPr lang="en-US" dirty="0"/>
               <a:t>In my experience, most column indexing is by name using $:</a:t>
             </a:r>
-            <a:endParaRPr lang="en-US" dirty="0"/>
           </a:p>
           <a:p>
             <a:pPr marL="0" indent="0">
               <a:buNone/>
             </a:pPr>
-            <a:endParaRPr lang="en-US" sz="2200" dirty="0" smtClean="0">
+            <a:endParaRPr lang="en-US" sz="2200" dirty="0">
               <a:latin typeface="Courier New" pitchFamily="49" charset="0"/>
               <a:cs typeface="Courier New" pitchFamily="49" charset="0"/>
             </a:endParaRPr>
@@ -7256,13 +7089,13 @@
               <a:buNone/>
             </a:pPr>
             <a:r>
-              <a:rPr lang="en-US" sz="2200" dirty="0" err="1" smtClean="0">
+              <a:rPr lang="en-US" sz="2200" dirty="0" err="1">
                 <a:latin typeface="Courier New" pitchFamily="49" charset="0"/>
                 <a:cs typeface="Courier New" pitchFamily="49" charset="0"/>
               </a:rPr>
               <a:t>infert$age</a:t>
             </a:r>
-            <a:endParaRPr lang="en-US" sz="2200" dirty="0" smtClean="0">
+            <a:endParaRPr lang="en-US" sz="2200" dirty="0">
               <a:latin typeface="Courier New" pitchFamily="49" charset="0"/>
               <a:cs typeface="Courier New" pitchFamily="49" charset="0"/>
             </a:endParaRPr>
@@ -7323,13 +7156,6 @@
   <p:clrMapOvr>
     <a:masterClrMapping/>
   </p:clrMapOvr>
-  <p:timing>
-    <p:tnLst>
-      <p:par>
-        <p:cTn xmlns:p14="http://schemas.microsoft.com/office/powerpoint/2010/main" id="1" dur="indefinite" restart="never" nodeType="tmRoot"/>
-      </p:par>
-    </p:tnLst>
-  </p:timing>
 </p:sld>
 </file>
 
@@ -7368,11 +7194,11 @@
           <a:lstStyle/>
           <a:p>
             <a:r>
-              <a:rPr lang="en-US" dirty="0" smtClean="0"/>
+              <a:rPr lang="en-US" dirty="0"/>
               <a:t>Indexing data frames by </a:t>
             </a:r>
             <a:r>
-              <a:rPr lang="en-US" dirty="0" err="1" smtClean="0"/>
+              <a:rPr lang="en-US" dirty="0" err="1"/>
               <a:t>boolean</a:t>
             </a:r>
             <a:endParaRPr lang="en-US" dirty="0"/>
@@ -7397,21 +7223,21 @@
           <a:lstStyle/>
           <a:p>
             <a:r>
-              <a:rPr lang="en-US" dirty="0" smtClean="0"/>
+              <a:rPr lang="en-US" dirty="0"/>
               <a:t>In my experience, you frequently want to index rows to filter your data.</a:t>
             </a:r>
           </a:p>
           <a:p>
             <a:r>
-              <a:rPr lang="en-US" dirty="0" smtClean="0"/>
+              <a:rPr lang="en-US" dirty="0"/>
               <a:t>The filter logic can usually be a </a:t>
             </a:r>
             <a:r>
-              <a:rPr lang="en-US" dirty="0" err="1" smtClean="0"/>
+              <a:rPr lang="en-US" dirty="0" err="1"/>
               <a:t>boolean</a:t>
             </a:r>
             <a:r>
-              <a:rPr lang="en-US" dirty="0" smtClean="0"/>
+              <a:rPr lang="en-US" dirty="0"/>
               <a:t> statement:</a:t>
             </a:r>
           </a:p>
@@ -7419,55 +7245,6 @@
             <a:pPr marL="0" indent="0">
               <a:buNone/>
             </a:pPr>
-            <a:endParaRPr lang="en-US" sz="2400" dirty="0" smtClean="0">
-              <a:latin typeface="Courier New" pitchFamily="49" charset="0"/>
-              <a:cs typeface="Courier New" pitchFamily="49" charset="0"/>
-            </a:endParaRPr>
-          </a:p>
-          <a:p>
-            <a:pPr marL="0" indent="0">
-              <a:buNone/>
-            </a:pPr>
-            <a:r>
-              <a:rPr lang="en-US" sz="2400" dirty="0" smtClean="0">
-                <a:latin typeface="Courier New" pitchFamily="49" charset="0"/>
-                <a:cs typeface="Courier New" pitchFamily="49" charset="0"/>
-              </a:rPr>
-              <a:t>rows_over_40 &lt;- </a:t>
-            </a:r>
-            <a:r>
-              <a:rPr lang="en-US" sz="2400" dirty="0" err="1">
-                <a:latin typeface="Courier New" pitchFamily="49" charset="0"/>
-                <a:cs typeface="Courier New" pitchFamily="49" charset="0"/>
-              </a:rPr>
-              <a:t>infert$age</a:t>
-            </a:r>
-            <a:r>
-              <a:rPr lang="en-US" sz="2400" dirty="0">
-                <a:latin typeface="Courier New" pitchFamily="49" charset="0"/>
-                <a:cs typeface="Courier New" pitchFamily="49" charset="0"/>
-              </a:rPr>
-              <a:t> &gt; </a:t>
-            </a:r>
-            <a:r>
-              <a:rPr lang="en-US" sz="2400" dirty="0" smtClean="0">
-                <a:latin typeface="Courier New" pitchFamily="49" charset="0"/>
-                <a:cs typeface="Courier New" pitchFamily="49" charset="0"/>
-              </a:rPr>
-              <a:t>40</a:t>
-            </a:r>
-          </a:p>
-          <a:p>
-            <a:pPr marL="0" indent="0">
-              <a:buNone/>
-            </a:pPr>
-            <a:r>
-              <a:rPr lang="en-US" sz="2400" dirty="0" smtClean="0">
-                <a:latin typeface="Courier New" pitchFamily="49" charset="0"/>
-                <a:cs typeface="Courier New" pitchFamily="49" charset="0"/>
-              </a:rPr>
-              <a:t>rows_over_40</a:t>
-            </a:r>
             <a:endParaRPr lang="en-US" sz="2400" dirty="0">
               <a:latin typeface="Courier New" pitchFamily="49" charset="0"/>
               <a:cs typeface="Courier New" pitchFamily="49" charset="0"/>
@@ -7478,7 +7255,45 @@
               <a:buNone/>
             </a:pPr>
             <a:r>
-              <a:rPr lang="en-US" sz="2400" dirty="0" smtClean="0">
+              <a:rPr lang="en-US" sz="2400" dirty="0">
+                <a:latin typeface="Courier New" pitchFamily="49" charset="0"/>
+                <a:cs typeface="Courier New" pitchFamily="49" charset="0"/>
+              </a:rPr>
+              <a:t>rows_over_40 &lt;- </a:t>
+            </a:r>
+            <a:r>
+              <a:rPr lang="en-US" sz="2400" dirty="0" err="1">
+                <a:latin typeface="Courier New" pitchFamily="49" charset="0"/>
+                <a:cs typeface="Courier New" pitchFamily="49" charset="0"/>
+              </a:rPr>
+              <a:t>infert$age</a:t>
+            </a:r>
+            <a:r>
+              <a:rPr lang="en-US" sz="2400" dirty="0">
+                <a:latin typeface="Courier New" pitchFamily="49" charset="0"/>
+                <a:cs typeface="Courier New" pitchFamily="49" charset="0"/>
+              </a:rPr>
+              <a:t> &gt; 40</a:t>
+            </a:r>
+          </a:p>
+          <a:p>
+            <a:pPr marL="0" indent="0">
+              <a:buNone/>
+            </a:pPr>
+            <a:r>
+              <a:rPr lang="en-US" sz="2400" dirty="0">
+                <a:latin typeface="Courier New" pitchFamily="49" charset="0"/>
+                <a:cs typeface="Courier New" pitchFamily="49" charset="0"/>
+              </a:rPr>
+              <a:t>rows_over_40</a:t>
+            </a:r>
+          </a:p>
+          <a:p>
+            <a:pPr marL="0" indent="0">
+              <a:buNone/>
+            </a:pPr>
+            <a:r>
+              <a:rPr lang="en-US" sz="2400" dirty="0">
                 <a:latin typeface="Courier New" pitchFamily="49" charset="0"/>
                 <a:cs typeface="Courier New" pitchFamily="49" charset="0"/>
               </a:rPr>
@@ -7490,14 +7305,14 @@
               <a:buNone/>
             </a:pPr>
             <a:r>
-              <a:rPr lang="en-US" sz="2400" dirty="0" err="1" smtClean="0">
+              <a:rPr lang="en-US" sz="2400" dirty="0" err="1">
                 <a:latin typeface="Courier New" pitchFamily="49" charset="0"/>
                 <a:cs typeface="Courier New" pitchFamily="49" charset="0"/>
               </a:rPr>
               <a:t>infert</a:t>
             </a:r>
             <a:r>
-              <a:rPr lang="en-US" sz="2400" dirty="0" smtClean="0">
+              <a:rPr lang="en-US" sz="2400" dirty="0">
                 <a:latin typeface="Courier New" pitchFamily="49" charset="0"/>
                 <a:cs typeface="Courier New" pitchFamily="49" charset="0"/>
               </a:rPr>
@@ -7509,37 +7324,33 @@
               <a:buNone/>
             </a:pPr>
             <a:r>
-              <a:rPr lang="en-US" sz="2400" dirty="0" err="1" smtClean="0">
+              <a:rPr lang="en-US" sz="2400" dirty="0" err="1">
                 <a:latin typeface="Courier New" pitchFamily="49" charset="0"/>
                 <a:cs typeface="Courier New" pitchFamily="49" charset="0"/>
               </a:rPr>
               <a:t>infert</a:t>
             </a:r>
             <a:r>
-              <a:rPr lang="en-US" sz="2400" dirty="0" smtClean="0">
+              <a:rPr lang="en-US" sz="2400" dirty="0">
                 <a:latin typeface="Courier New" pitchFamily="49" charset="0"/>
                 <a:cs typeface="Courier New" pitchFamily="49" charset="0"/>
               </a:rPr>
               <a:t>[</a:t>
             </a:r>
             <a:r>
-              <a:rPr lang="en-US" sz="2400" dirty="0" err="1" smtClean="0">
+              <a:rPr lang="en-US" sz="2400" dirty="0" err="1">
                 <a:latin typeface="Courier New" pitchFamily="49" charset="0"/>
                 <a:cs typeface="Courier New" pitchFamily="49" charset="0"/>
               </a:rPr>
               <a:t>infert$age</a:t>
             </a:r>
             <a:r>
-              <a:rPr lang="en-US" sz="2400" dirty="0" smtClean="0">
+              <a:rPr lang="en-US" sz="2400" dirty="0">
                 <a:latin typeface="Courier New" pitchFamily="49" charset="0"/>
                 <a:cs typeface="Courier New" pitchFamily="49" charset="0"/>
               </a:rPr>
               <a:t> &gt; 40,]</a:t>
             </a:r>
-            <a:endParaRPr lang="en-US" sz="2400" dirty="0">
-              <a:latin typeface="Courier New" pitchFamily="49" charset="0"/>
-              <a:cs typeface="Courier New" pitchFamily="49" charset="0"/>
-            </a:endParaRPr>
           </a:p>
         </p:txBody>
       </p:sp>
@@ -7576,13 +7387,6 @@
   <p:clrMapOvr>
     <a:masterClrMapping/>
   </p:clrMapOvr>
-  <p:timing>
-    <p:tnLst>
-      <p:par>
-        <p:cTn xmlns:p14="http://schemas.microsoft.com/office/powerpoint/2010/main" id="1" dur="indefinite" restart="never" nodeType="tmRoot"/>
-      </p:par>
-    </p:tnLst>
-  </p:timing>
 </p:sld>
 </file>
 
@@ -7619,59 +7423,51 @@
           <a:lstStyle/>
           <a:p>
             <a:r>
-              <a:rPr lang="en-US" dirty="0" smtClean="0"/>
+              <a:rPr lang="en-US" dirty="0"/>
               <a:t>Adding columns to data frames</a:t>
             </a:r>
+          </a:p>
+        </p:txBody>
+      </p:sp>
+      <p:sp>
+        <p:nvSpPr>
+          <p:cNvPr id="3" name="Content Placeholder 2"/>
+          <p:cNvSpPr>
+            <a:spLocks noGrp="1"/>
+          </p:cNvSpPr>
+          <p:nvPr>
+            <p:ph idx="1"/>
+          </p:nvPr>
+        </p:nvSpPr>
+        <p:spPr/>
+        <p:txBody>
+          <a:bodyPr/>
+          <a:lstStyle/>
+          <a:p>
+            <a:r>
+              <a:rPr lang="en-US" dirty="0"/>
+              <a:t>Maybe you want to create a dichotomous indicator for over 40</a:t>
+            </a:r>
+          </a:p>
+          <a:p>
+            <a:r>
+              <a:rPr lang="en-US" dirty="0"/>
+              <a:t>Can assign to columns of data frames just like lists:</a:t>
+            </a:r>
+          </a:p>
+          <a:p>
             <a:endParaRPr lang="en-US" dirty="0"/>
           </a:p>
-        </p:txBody>
-      </p:sp>
-      <p:sp>
-        <p:nvSpPr>
-          <p:cNvPr id="3" name="Content Placeholder 2"/>
-          <p:cNvSpPr>
-            <a:spLocks noGrp="1"/>
-          </p:cNvSpPr>
-          <p:nvPr>
-            <p:ph idx="1"/>
-          </p:nvPr>
-        </p:nvSpPr>
-        <p:spPr/>
-        <p:txBody>
-          <a:bodyPr/>
-          <a:lstStyle/>
-          <a:p>
-            <a:r>
-              <a:rPr lang="en-US" dirty="0" smtClean="0"/>
-              <a:t>Maybe you want to create a dichotomous indicator for over 40</a:t>
-            </a:r>
-          </a:p>
-          <a:p>
-            <a:r>
-              <a:rPr lang="en-US" dirty="0" smtClean="0"/>
-              <a:t>Can assign to columns of data frames just like lists:</a:t>
-            </a:r>
-          </a:p>
-          <a:p>
-            <a:endParaRPr lang="en-US" dirty="0"/>
-          </a:p>
           <a:p>
             <a:pPr marL="0" indent="0">
               <a:buNone/>
             </a:pPr>
             <a:r>
-              <a:rPr lang="en-US" sz="2000" dirty="0" smtClean="0">
-                <a:latin typeface="Courier New" pitchFamily="49" charset="0"/>
-                <a:cs typeface="Courier New" pitchFamily="49" charset="0"/>
-              </a:rPr>
-              <a:t>infert$rows_over_40 </a:t>
-            </a:r>
-            <a:r>
               <a:rPr lang="en-US" sz="2000" dirty="0">
                 <a:latin typeface="Courier New" pitchFamily="49" charset="0"/>
                 <a:cs typeface="Courier New" pitchFamily="49" charset="0"/>
               </a:rPr>
-              <a:t>&lt;- </a:t>
+              <a:t>infert$rows_over_40 &lt;- </a:t>
             </a:r>
             <a:r>
               <a:rPr lang="en-US" sz="2000" dirty="0" err="1">
@@ -7685,14 +7481,7 @@
                 <a:latin typeface="Courier New" pitchFamily="49" charset="0"/>
                 <a:cs typeface="Courier New" pitchFamily="49" charset="0"/>
               </a:rPr>
-              <a:t> &gt; </a:t>
-            </a:r>
-            <a:r>
-              <a:rPr lang="en-US" sz="2000" dirty="0" smtClean="0">
-                <a:latin typeface="Courier New" pitchFamily="49" charset="0"/>
-                <a:cs typeface="Courier New" pitchFamily="49" charset="0"/>
-              </a:rPr>
-              <a:t>40</a:t>
+              <a:t> &gt; 40</a:t>
             </a:r>
           </a:p>
           <a:p>
@@ -7700,7 +7489,7 @@
               <a:buNone/>
             </a:pPr>
             <a:r>
-              <a:rPr lang="en-US" sz="2000" dirty="0" smtClean="0">
+              <a:rPr lang="en-US" sz="2000" dirty="0">
                 <a:latin typeface="Courier New" pitchFamily="49" charset="0"/>
                 <a:cs typeface="Courier New" pitchFamily="49" charset="0"/>
               </a:rPr>
@@ -7712,30 +7501,26 @@
               <a:buNone/>
             </a:pPr>
             <a:r>
-              <a:rPr lang="en-US" sz="2000" dirty="0" smtClean="0">
+              <a:rPr lang="en-US" sz="2000" dirty="0">
                 <a:latin typeface="Courier New" pitchFamily="49" charset="0"/>
                 <a:cs typeface="Courier New" pitchFamily="49" charset="0"/>
               </a:rPr>
               <a:t>table(infert$rows_over_40, </a:t>
             </a:r>
             <a:r>
-              <a:rPr lang="en-US" sz="2000" dirty="0" err="1" smtClean="0">
+              <a:rPr lang="en-US" sz="2000" dirty="0" err="1">
                 <a:latin typeface="Courier New" pitchFamily="49" charset="0"/>
                 <a:cs typeface="Courier New" pitchFamily="49" charset="0"/>
               </a:rPr>
               <a:t>infert$age</a:t>
             </a:r>
             <a:r>
-              <a:rPr lang="en-US" sz="2000" dirty="0" smtClean="0">
+              <a:rPr lang="en-US" sz="2000" dirty="0">
                 <a:latin typeface="Courier New" pitchFamily="49" charset="0"/>
                 <a:cs typeface="Courier New" pitchFamily="49" charset="0"/>
               </a:rPr>
               <a:t>)</a:t>
             </a:r>
-            <a:endParaRPr lang="en-US" sz="2000" dirty="0">
-              <a:latin typeface="Courier New" pitchFamily="49" charset="0"/>
-              <a:cs typeface="Courier New" pitchFamily="49" charset="0"/>
-            </a:endParaRPr>
           </a:p>
           <a:p>
             <a:endParaRPr lang="en-US" dirty="0"/>
@@ -7811,10 +7596,9 @@
           <a:lstStyle/>
           <a:p>
             <a:r>
-              <a:rPr lang="en-US" dirty="0" smtClean="0"/>
+              <a:rPr lang="en-US" dirty="0"/>
               <a:t>Challenge</a:t>
             </a:r>
-            <a:endParaRPr lang="en-US" dirty="0"/>
           </a:p>
         </p:txBody>
       </p:sp>
@@ -7839,26 +7623,25 @@
           <a:lstStyle/>
           <a:p>
             <a:r>
-              <a:rPr lang="en-US" dirty="0" smtClean="0"/>
+              <a:rPr lang="en-US" dirty="0"/>
               <a:t>There is a dataset </a:t>
             </a:r>
             <a:r>
-              <a:rPr lang="en-US" i="1" dirty="0" smtClean="0"/>
+              <a:rPr lang="en-US" i="1" dirty="0"/>
               <a:t>built into R </a:t>
             </a:r>
             <a:r>
-              <a:rPr lang="en-US" dirty="0" smtClean="0"/>
+              <a:rPr lang="en-US" dirty="0"/>
               <a:t>called </a:t>
             </a:r>
             <a:r>
-              <a:rPr lang="en-US" dirty="0" err="1" smtClean="0"/>
+              <a:rPr lang="en-US" dirty="0" err="1"/>
               <a:t>esoph</a:t>
             </a:r>
             <a:r>
-              <a:rPr lang="en-US" dirty="0" smtClean="0"/>
+              <a:rPr lang="en-US" dirty="0"/>
               <a:t>.  Load it and get the third column, second row.</a:t>
             </a:r>
-            <a:endParaRPr lang="en-US" dirty="0"/>
           </a:p>
         </p:txBody>
       </p:sp>
@@ -7885,34 +7668,33 @@
           <a:lstStyle/>
           <a:p>
             <a:r>
-              <a:rPr lang="en-US" dirty="0" smtClean="0"/>
+              <a:rPr lang="en-US" dirty="0"/>
               <a:t>My answer:</a:t>
             </a:r>
           </a:p>
           <a:p>
             <a:r>
-              <a:rPr lang="en-US" dirty="0" smtClean="0"/>
+              <a:rPr lang="en-US" dirty="0"/>
               <a:t>data(</a:t>
             </a:r>
             <a:r>
-              <a:rPr lang="en-US" dirty="0" err="1" smtClean="0"/>
+              <a:rPr lang="en-US" dirty="0" err="1"/>
               <a:t>esoph</a:t>
             </a:r>
             <a:r>
-              <a:rPr lang="en-US" dirty="0" smtClean="0"/>
+              <a:rPr lang="en-US" dirty="0"/>
               <a:t>)</a:t>
             </a:r>
           </a:p>
           <a:p>
             <a:r>
-              <a:rPr lang="en-US" dirty="0" err="1" smtClean="0"/>
+              <a:rPr lang="en-US" dirty="0" err="1"/>
               <a:t>esoph</a:t>
             </a:r>
             <a:r>
-              <a:rPr lang="en-US" dirty="0" smtClean="0"/>
+              <a:rPr lang="en-US" dirty="0"/>
               <a:t>[2,3]</a:t>
             </a:r>
-            <a:endParaRPr lang="en-US" dirty="0"/>
           </a:p>
         </p:txBody>
       </p:sp>
@@ -7962,13 +7744,8 @@
           <a:p>
             <a:r>
               <a:rPr lang="en-US" dirty="0"/>
-              <a:t>(Bonus: self-test # </a:t>
-            </a:r>
-            <a:r>
-              <a:rPr lang="en-US" dirty="0" smtClean="0"/>
-              <a:t>8)</a:t>
-            </a:r>
-            <a:endParaRPr lang="en-US" dirty="0"/>
+              <a:t>(Bonus: self-test # 8)</a:t>
+            </a:r>
           </a:p>
         </p:txBody>
       </p:sp>
@@ -8009,7 +7786,7 @@
   <p:timing>
     <p:tnLst>
       <p:par>
-        <p:cTn xmlns:p14="http://schemas.microsoft.com/office/powerpoint/2010/main" id="1" dur="indefinite" restart="never" nodeType="tmRoot">
+        <p:cTn id="1" dur="indefinite" restart="never" nodeType="tmRoot">
           <p:childTnLst>
             <p:seq concurrent="1" nextAc="seek">
               <p:cTn id="2" dur="indefinite" nodeType="mainSeq">
@@ -8120,10 +7897,9 @@
           <a:lstStyle/>
           <a:p>
             <a:r>
-              <a:rPr lang="en-US" dirty="0" smtClean="0"/>
+              <a:rPr lang="en-US" dirty="0"/>
               <a:t>Caution</a:t>
             </a:r>
-            <a:endParaRPr lang="en-US" dirty="0"/>
           </a:p>
         </p:txBody>
       </p:sp>
@@ -8146,26 +7922,14 @@
               <a:rPr lang="en-US" dirty="0">
                 <a:cs typeface="Courier New" pitchFamily="49" charset="0"/>
               </a:rPr>
-              <a:t>Note: when you index </a:t>
-            </a:r>
-            <a:r>
-              <a:rPr lang="en-US" dirty="0" smtClean="0">
-                <a:cs typeface="Courier New" pitchFamily="49" charset="0"/>
-              </a:rPr>
-              <a:t>to pull out only one </a:t>
-            </a:r>
-            <a:r>
-              <a:rPr lang="en-US" dirty="0">
-                <a:cs typeface="Courier New" pitchFamily="49" charset="0"/>
-              </a:rPr>
-              <a:t>column, the result is a vector, but when you index more than one column, the result is a data frame</a:t>
+              <a:t>Note: when you index to pull out only one column, the result is a vector, but when you index more than one column, the result is a data frame</a:t>
             </a:r>
           </a:p>
           <a:p>
             <a:pPr marL="0" indent="0">
               <a:buNone/>
             </a:pPr>
-            <a:endParaRPr lang="en-US" dirty="0" smtClean="0">
+            <a:endParaRPr lang="en-US" dirty="0">
               <a:latin typeface="Courier New" pitchFamily="49" charset="0"/>
               <a:cs typeface="Courier New" pitchFamily="49" charset="0"/>
             </a:endParaRPr>
@@ -8175,21 +7939,21 @@
               <a:buNone/>
             </a:pPr>
             <a:r>
-              <a:rPr lang="en-US" sz="2400" dirty="0" smtClean="0">
+              <a:rPr lang="en-US" sz="2400" dirty="0">
                 <a:latin typeface="Courier New" pitchFamily="49" charset="0"/>
                 <a:cs typeface="Courier New" pitchFamily="49" charset="0"/>
               </a:rPr>
               <a:t>class(</a:t>
             </a:r>
             <a:r>
-              <a:rPr lang="en-US" sz="2400" dirty="0" err="1" smtClean="0">
+              <a:rPr lang="en-US" sz="2400" dirty="0" err="1">
                 <a:latin typeface="Courier New" pitchFamily="49" charset="0"/>
                 <a:cs typeface="Courier New" pitchFamily="49" charset="0"/>
               </a:rPr>
               <a:t>infert</a:t>
             </a:r>
             <a:r>
-              <a:rPr lang="en-US" sz="2400" dirty="0" smtClean="0">
+              <a:rPr lang="en-US" sz="2400" dirty="0">
                 <a:latin typeface="Courier New" pitchFamily="49" charset="0"/>
                 <a:cs typeface="Courier New" pitchFamily="49" charset="0"/>
               </a:rPr>
@@ -8201,30 +7965,26 @@
               <a:buNone/>
             </a:pPr>
             <a:r>
-              <a:rPr lang="en-US" sz="2400" dirty="0" smtClean="0">
+              <a:rPr lang="en-US" sz="2400" dirty="0">
                 <a:latin typeface="Courier New" pitchFamily="49" charset="0"/>
                 <a:cs typeface="Courier New" pitchFamily="49" charset="0"/>
               </a:rPr>
               <a:t>class(</a:t>
             </a:r>
             <a:r>
-              <a:rPr lang="en-US" sz="2400" dirty="0" err="1" smtClean="0">
+              <a:rPr lang="en-US" sz="2400" dirty="0" err="1">
                 <a:latin typeface="Courier New" pitchFamily="49" charset="0"/>
                 <a:cs typeface="Courier New" pitchFamily="49" charset="0"/>
               </a:rPr>
               <a:t>infert</a:t>
             </a:r>
             <a:r>
-              <a:rPr lang="en-US" sz="2400" dirty="0" smtClean="0">
+              <a:rPr lang="en-US" sz="2400" dirty="0">
                 <a:latin typeface="Courier New" pitchFamily="49" charset="0"/>
                 <a:cs typeface="Courier New" pitchFamily="49" charset="0"/>
               </a:rPr>
               <a:t>[,c(1,5)])</a:t>
             </a:r>
-            <a:endParaRPr lang="en-US" sz="2400" dirty="0">
-              <a:latin typeface="Courier New" pitchFamily="49" charset="0"/>
-              <a:cs typeface="Courier New" pitchFamily="49" charset="0"/>
-            </a:endParaRPr>
           </a:p>
         </p:txBody>
       </p:sp>
@@ -8264,14 +8024,14 @@
           <a:effectLst/>
           <a:extLst>
             <a:ext uri="{909E8E84-426E-40dd-AFC4-6F175D3DCCD1}">
-              <a14:hiddenFill xmlns:a14="http://schemas.microsoft.com/office/drawing/2010/main">
+              <a14:hiddenFill xmlns:a14="http://schemas.microsoft.com/office/drawing/2010/main" xmlns="">
                 <a:solidFill>
                   <a:schemeClr val="accent1"/>
                 </a:solidFill>
               </a14:hiddenFill>
             </a:ext>
             <a:ext uri="{91240B29-F687-4f45-9708-019B960494DF}">
-              <a14:hiddenLine xmlns:a14="http://schemas.microsoft.com/office/drawing/2010/main" w="9525">
+              <a14:hiddenLine xmlns:a14="http://schemas.microsoft.com/office/drawing/2010/main" xmlns="" w="9525">
                 <a:solidFill>
                   <a:schemeClr val="tx1"/>
                 </a:solidFill>
@@ -8281,7 +8041,7 @@
               </a14:hiddenLine>
             </a:ext>
             <a:ext uri="{AF507438-7753-43e0-B8FC-AC1667EBCBE1}">
-              <a14:hiddenEffects xmlns:a14="http://schemas.microsoft.com/office/drawing/2010/main">
+              <a14:hiddenEffects xmlns:a14="http://schemas.microsoft.com/office/drawing/2010/main" xmlns="">
                 <a:effectLst>
                   <a:outerShdw dist="35921" dir="2700000" algn="ctr" rotWithShape="0">
                     <a:schemeClr val="bg2"/>
@@ -8325,13 +8085,6 @@
   <p:clrMapOvr>
     <a:masterClrMapping/>
   </p:clrMapOvr>
-  <p:timing>
-    <p:tnLst>
-      <p:par>
-        <p:cTn xmlns:p14="http://schemas.microsoft.com/office/powerpoint/2010/main" id="1" dur="indefinite" restart="never" nodeType="tmRoot"/>
-      </p:par>
-    </p:tnLst>
-  </p:timing>
 </p:sld>
 </file>
 
@@ -8368,10 +8121,9 @@
           <a:lstStyle/>
           <a:p>
             <a:r>
-              <a:rPr lang="en-US" dirty="0" smtClean="0"/>
+              <a:rPr lang="en-US" dirty="0"/>
               <a:t>Caution, continued</a:t>
             </a:r>
-            <a:endParaRPr lang="en-US" dirty="0"/>
           </a:p>
         </p:txBody>
       </p:sp>
@@ -8393,20 +8145,17 @@
           <a:lstStyle/>
           <a:p>
             <a:r>
-              <a:rPr lang="en-US" dirty="0" smtClean="0">
+              <a:rPr lang="en-US" dirty="0">
                 <a:cs typeface="Courier New" pitchFamily="49" charset="0"/>
               </a:rPr>
               <a:t>This is more likely to be a problem when you use code to select columns</a:t>
             </a:r>
-            <a:endParaRPr lang="en-US" dirty="0">
-              <a:cs typeface="Courier New" pitchFamily="49" charset="0"/>
-            </a:endParaRPr>
           </a:p>
           <a:p>
             <a:pPr marL="0" indent="0">
               <a:buNone/>
             </a:pPr>
-            <a:endParaRPr lang="en-US" sz="1400" dirty="0" smtClean="0">
+            <a:endParaRPr lang="en-US" sz="1400" dirty="0">
               <a:latin typeface="Courier New" pitchFamily="49" charset="0"/>
               <a:cs typeface="Courier New" pitchFamily="49" charset="0"/>
             </a:endParaRPr>
@@ -8823,14 +8572,14 @@
           <a:effectLst/>
           <a:extLst>
             <a:ext uri="{909E8E84-426E-40dd-AFC4-6F175D3DCCD1}">
-              <a14:hiddenFill xmlns:a14="http://schemas.microsoft.com/office/drawing/2010/main">
+              <a14:hiddenFill xmlns:a14="http://schemas.microsoft.com/office/drawing/2010/main" xmlns="">
                 <a:solidFill>
                   <a:schemeClr val="accent1"/>
                 </a:solidFill>
               </a14:hiddenFill>
             </a:ext>
             <a:ext uri="{91240B29-F687-4f45-9708-019B960494DF}">
-              <a14:hiddenLine xmlns:a14="http://schemas.microsoft.com/office/drawing/2010/main" w="9525">
+              <a14:hiddenLine xmlns:a14="http://schemas.microsoft.com/office/drawing/2010/main" xmlns="" w="9525">
                 <a:solidFill>
                   <a:schemeClr val="tx1"/>
                 </a:solidFill>
@@ -8840,7 +8589,7 @@
               </a14:hiddenLine>
             </a:ext>
             <a:ext uri="{AF507438-7753-43e0-B8FC-AC1667EBCBE1}">
-              <a14:hiddenEffects xmlns:a14="http://schemas.microsoft.com/office/drawing/2010/main">
+              <a14:hiddenEffects xmlns:a14="http://schemas.microsoft.com/office/drawing/2010/main" xmlns="">
                 <a:effectLst>
                   <a:outerShdw dist="35921" dir="2700000" algn="ctr" rotWithShape="0">
                     <a:schemeClr val="bg2"/>
@@ -8884,13 +8633,6 @@
   <p:clrMapOvr>
     <a:masterClrMapping/>
   </p:clrMapOvr>
-  <p:timing>
-    <p:tnLst>
-      <p:par>
-        <p:cTn xmlns:p14="http://schemas.microsoft.com/office/powerpoint/2010/main" id="1" dur="indefinite" restart="never" nodeType="tmRoot"/>
-      </p:par>
-    </p:tnLst>
-  </p:timing>
 </p:sld>
 </file>
 
@@ -8945,14 +8687,14 @@
           <a:effectLst/>
           <a:extLst>
             <a:ext uri="{909E8E84-426E-40dd-AFC4-6F175D3DCCD1}">
-              <a14:hiddenFill xmlns:a14="http://schemas.microsoft.com/office/drawing/2010/main">
+              <a14:hiddenFill xmlns:a14="http://schemas.microsoft.com/office/drawing/2010/main" xmlns="">
                 <a:solidFill>
                   <a:schemeClr val="accent1"/>
                 </a:solidFill>
               </a14:hiddenFill>
             </a:ext>
             <a:ext uri="{91240B29-F687-4f45-9708-019B960494DF}">
-              <a14:hiddenLine xmlns:a14="http://schemas.microsoft.com/office/drawing/2010/main" w="9525">
+              <a14:hiddenLine xmlns:a14="http://schemas.microsoft.com/office/drawing/2010/main" xmlns="" w="9525">
                 <a:solidFill>
                   <a:schemeClr val="tx1"/>
                 </a:solidFill>
@@ -8962,7 +8704,7 @@
               </a14:hiddenLine>
             </a:ext>
             <a:ext uri="{AF507438-7753-43e0-B8FC-AC1667EBCBE1}">
-              <a14:hiddenEffects xmlns:a14="http://schemas.microsoft.com/office/drawing/2010/main">
+              <a14:hiddenEffects xmlns:a14="http://schemas.microsoft.com/office/drawing/2010/main" xmlns="">
                 <a:effectLst>
                   <a:outerShdw dist="35921" dir="2700000" algn="ctr" rotWithShape="0">
                     <a:schemeClr val="bg2"/>
@@ -8989,10 +8731,9 @@
           <a:lstStyle/>
           <a:p>
             <a:r>
-              <a:rPr lang="en-US" dirty="0" smtClean="0"/>
+              <a:rPr lang="en-US" dirty="0"/>
               <a:t>Sorting Data Frames (using order)</a:t>
             </a:r>
-            <a:endParaRPr lang="en-US" dirty="0"/>
           </a:p>
         </p:txBody>
       </p:sp>
@@ -9019,16 +8760,8 @@
           <a:lstStyle/>
           <a:p>
             <a:r>
-              <a:rPr lang="en-US" sz="2400" dirty="0" smtClean="0"/>
-              <a:t>The sort() </a:t>
-            </a:r>
-            <a:r>
               <a:rPr lang="en-US" sz="2400" dirty="0"/>
-              <a:t>function returns the vector, sorted</a:t>
-            </a:r>
-            <a:r>
-              <a:rPr lang="en-US" sz="2400" dirty="0" smtClean="0"/>
-              <a:t>:</a:t>
+              <a:t>The sort() function returns the vector, sorted:</a:t>
             </a:r>
           </a:p>
           <a:p>
@@ -9047,20 +8780,32 @@
                 <a:latin typeface="Courier New" pitchFamily="49" charset="0"/>
                 <a:cs typeface="Courier New" pitchFamily="49" charset="0"/>
               </a:rPr>
-              <a:t>&lt;-c</a:t>
-            </a:r>
-            <a:r>
-              <a:rPr lang="en-US" sz="2000" dirty="0" smtClean="0">
-                <a:latin typeface="Courier New" pitchFamily="49" charset="0"/>
-                <a:cs typeface="Courier New" pitchFamily="49" charset="0"/>
-              </a:rPr>
-              <a:t>(6,3,2,4,5</a:t>
-            </a:r>
+              <a:t>&lt;-c(6,3,2,4,5)</a:t>
+            </a:r>
+          </a:p>
+          <a:p>
+            <a:pPr marL="0" indent="0">
+              <a:buNone/>
+            </a:pPr>
             <a:r>
               <a:rPr lang="en-US" sz="2000" dirty="0">
                 <a:latin typeface="Courier New" pitchFamily="49" charset="0"/>
                 <a:cs typeface="Courier New" pitchFamily="49" charset="0"/>
               </a:rPr>
+              <a:t>sort(</a:t>
+            </a:r>
+            <a:r>
+              <a:rPr lang="en-US" sz="2000" dirty="0" err="1">
+                <a:latin typeface="Courier New" pitchFamily="49" charset="0"/>
+                <a:cs typeface="Courier New" pitchFamily="49" charset="0"/>
+              </a:rPr>
+              <a:t>myvec</a:t>
+            </a:r>
+            <a:r>
+              <a:rPr lang="en-US" sz="2000" dirty="0">
+                <a:latin typeface="Courier New" pitchFamily="49" charset="0"/>
+                <a:cs typeface="Courier New" pitchFamily="49" charset="0"/>
+              </a:rPr>
               <a:t>)</a:t>
             </a:r>
           </a:p>
@@ -9068,60 +8813,34 @@
             <a:pPr marL="0" indent="0">
               <a:buNone/>
             </a:pPr>
-            <a:r>
-              <a:rPr lang="en-US" sz="2000" dirty="0" smtClean="0">
-                <a:latin typeface="Courier New" pitchFamily="49" charset="0"/>
-                <a:cs typeface="Courier New" pitchFamily="49" charset="0"/>
-              </a:rPr>
-              <a:t>sort(</a:t>
-            </a:r>
-            <a:r>
-              <a:rPr lang="en-US" sz="2000" dirty="0" err="1" smtClean="0">
+            <a:endParaRPr lang="en-US" dirty="0"/>
+          </a:p>
+          <a:p>
+            <a:r>
+              <a:rPr lang="en-US" sz="2400" dirty="0"/>
+              <a:t>The order function returns the order in which a vector would be sorted, e.g.</a:t>
+            </a:r>
+          </a:p>
+          <a:p>
+            <a:pPr marL="0" indent="0">
+              <a:buNone/>
+            </a:pPr>
+            <a:r>
+              <a:rPr lang="en-US" sz="2200" dirty="0">
+                <a:latin typeface="Courier New" pitchFamily="49" charset="0"/>
+                <a:cs typeface="Courier New" pitchFamily="49" charset="0"/>
+              </a:rPr>
+              <a:t>order(</a:t>
+            </a:r>
+            <a:r>
+              <a:rPr lang="en-US" sz="2200" dirty="0" err="1">
                 <a:latin typeface="Courier New" pitchFamily="49" charset="0"/>
                 <a:cs typeface="Courier New" pitchFamily="49" charset="0"/>
               </a:rPr>
               <a:t>myvec</a:t>
             </a:r>
             <a:r>
-              <a:rPr lang="en-US" sz="2000" dirty="0">
-                <a:latin typeface="Courier New" pitchFamily="49" charset="0"/>
-                <a:cs typeface="Courier New" pitchFamily="49" charset="0"/>
-              </a:rPr>
-              <a:t>)</a:t>
-            </a:r>
-          </a:p>
-          <a:p>
-            <a:pPr marL="0" indent="0">
-              <a:buNone/>
-            </a:pPr>
-            <a:endParaRPr lang="en-US" dirty="0" smtClean="0"/>
-          </a:p>
-          <a:p>
-            <a:r>
-              <a:rPr lang="en-US" sz="2400" dirty="0" smtClean="0"/>
-              <a:t>The order function returns the order in which a vector would be sorted, e.g.</a:t>
-            </a:r>
-          </a:p>
-          <a:p>
-            <a:pPr marL="0" indent="0">
-              <a:buNone/>
-            </a:pPr>
-            <a:r>
               <a:rPr lang="en-US" sz="2200" dirty="0">
-                <a:latin typeface="Courier New" pitchFamily="49" charset="0"/>
-                <a:cs typeface="Courier New" pitchFamily="49" charset="0"/>
-              </a:rPr>
-              <a:t>order(</a:t>
-            </a:r>
-            <a:r>
-              <a:rPr lang="en-US" sz="2200" dirty="0" err="1">
-                <a:latin typeface="Courier New" pitchFamily="49" charset="0"/>
-                <a:cs typeface="Courier New" pitchFamily="49" charset="0"/>
-              </a:rPr>
-              <a:t>myvec</a:t>
-            </a:r>
-            <a:r>
-              <a:rPr lang="en-US" sz="2200" dirty="0" smtClean="0">
                 <a:latin typeface="Courier New" pitchFamily="49" charset="0"/>
                 <a:cs typeface="Courier New" pitchFamily="49" charset="0"/>
               </a:rPr>
@@ -9139,14 +8858,11 @@
           </a:p>
           <a:p>
             <a:r>
-              <a:rPr lang="en-US" sz="2400" dirty="0" smtClean="0">
+              <a:rPr lang="en-US" sz="2400" dirty="0">
                 <a:cs typeface="Courier New" pitchFamily="49" charset="0"/>
               </a:rPr>
               <a:t>It's a little mind-bending, but order is the one you use to sort data frames</a:t>
             </a:r>
-            <a:endParaRPr lang="en-US" sz="2400" dirty="0">
-              <a:cs typeface="Courier New" pitchFamily="49" charset="0"/>
-            </a:endParaRPr>
           </a:p>
           <a:p>
             <a:pPr marL="0" indent="0">
@@ -9180,10 +8896,9 @@
           <a:p>
             <a:pPr algn="ctr"/>
             <a:r>
-              <a:rPr lang="en-US" dirty="0" smtClean="0"/>
+              <a:rPr lang="en-US" dirty="0"/>
               <a:t>This illustrates a sort algorithm known as "insertion sort"</a:t>
             </a:r>
-            <a:endParaRPr lang="en-US" dirty="0"/>
           </a:p>
         </p:txBody>
       </p:sp>
@@ -9220,13 +8935,6 @@
   <p:clrMapOvr>
     <a:masterClrMapping/>
   </p:clrMapOvr>
-  <p:timing>
-    <p:tnLst>
-      <p:par>
-        <p:cTn xmlns:p14="http://schemas.microsoft.com/office/powerpoint/2010/main" id="1" dur="indefinite" restart="never" nodeType="tmRoot"/>
-      </p:par>
-    </p:tnLst>
-  </p:timing>
 </p:sld>
 </file>
 
@@ -9263,10 +8971,9 @@
           <a:lstStyle/>
           <a:p>
             <a:r>
-              <a:rPr lang="en-US" dirty="0" smtClean="0"/>
+              <a:rPr lang="en-US" dirty="0"/>
               <a:t>Order in action</a:t>
             </a:r>
-            <a:endParaRPr lang="en-US" dirty="0"/>
           </a:p>
         </p:txBody>
       </p:sp>
@@ -9288,15 +8995,15 @@
           <a:lstStyle/>
           <a:p>
             <a:r>
-              <a:rPr lang="en-US" dirty="0" smtClean="0"/>
+              <a:rPr lang="en-US" dirty="0"/>
               <a:t>Consider: you want to sort </a:t>
             </a:r>
             <a:r>
-              <a:rPr lang="en-US" dirty="0" err="1" smtClean="0"/>
+              <a:rPr lang="en-US" dirty="0" err="1"/>
               <a:t>infert</a:t>
             </a:r>
             <a:r>
-              <a:rPr lang="en-US" dirty="0" smtClean="0"/>
+              <a:rPr lang="en-US" dirty="0"/>
               <a:t> by age:</a:t>
             </a:r>
           </a:p>
@@ -9304,7 +9011,7 @@
             <a:pPr marL="0" indent="0">
               <a:buNone/>
             </a:pPr>
-            <a:endParaRPr lang="en-US" sz="2000" dirty="0" smtClean="0">
+            <a:endParaRPr lang="en-US" sz="2000" dirty="0">
               <a:latin typeface="Courier New" pitchFamily="49" charset="0"/>
               <a:cs typeface="Courier New" pitchFamily="49" charset="0"/>
             </a:endParaRPr>
@@ -9314,21 +9021,21 @@
               <a:buNone/>
             </a:pPr>
             <a:r>
-              <a:rPr lang="en-US" sz="2000" dirty="0" smtClean="0">
+              <a:rPr lang="en-US" sz="2000" dirty="0">
                 <a:latin typeface="Courier New" pitchFamily="49" charset="0"/>
                 <a:cs typeface="Courier New" pitchFamily="49" charset="0"/>
               </a:rPr>
               <a:t>ages&lt;-sort(</a:t>
             </a:r>
             <a:r>
-              <a:rPr lang="en-US" sz="2000" dirty="0" err="1" smtClean="0">
+              <a:rPr lang="en-US" sz="2000" dirty="0" err="1">
                 <a:latin typeface="Courier New" pitchFamily="49" charset="0"/>
                 <a:cs typeface="Courier New" pitchFamily="49" charset="0"/>
               </a:rPr>
               <a:t>infert$age</a:t>
             </a:r>
             <a:r>
-              <a:rPr lang="en-US" sz="2000" dirty="0" smtClean="0">
+              <a:rPr lang="en-US" sz="2000" dirty="0">
                 <a:latin typeface="Courier New" pitchFamily="49" charset="0"/>
                 <a:cs typeface="Courier New" pitchFamily="49" charset="0"/>
               </a:rPr>
@@ -9340,7 +9047,7 @@
               <a:buNone/>
             </a:pPr>
             <a:r>
-              <a:rPr lang="en-US" sz="2000" dirty="0" smtClean="0">
+              <a:rPr lang="en-US" sz="2000" dirty="0">
                 <a:latin typeface="Courier New" pitchFamily="49" charset="0"/>
                 <a:cs typeface="Courier New" pitchFamily="49" charset="0"/>
               </a:rPr>
@@ -9352,28 +9059,28 @@
               <a:buNone/>
             </a:pPr>
             <a:r>
-              <a:rPr lang="en-US" sz="2000" dirty="0" err="1" smtClean="0">
+              <a:rPr lang="en-US" sz="2000" dirty="0" err="1">
                 <a:latin typeface="Courier New" pitchFamily="49" charset="0"/>
                 <a:cs typeface="Courier New" pitchFamily="49" charset="0"/>
               </a:rPr>
               <a:t>age_order</a:t>
             </a:r>
             <a:r>
-              <a:rPr lang="en-US" sz="2000" dirty="0" smtClean="0">
+              <a:rPr lang="en-US" sz="2000" dirty="0">
                 <a:latin typeface="Courier New" pitchFamily="49" charset="0"/>
                 <a:cs typeface="Courier New" pitchFamily="49" charset="0"/>
               </a:rPr>
               <a:t>&lt;-order(</a:t>
             </a:r>
             <a:r>
-              <a:rPr lang="en-US" sz="2000" dirty="0" err="1" smtClean="0">
+              <a:rPr lang="en-US" sz="2000" dirty="0" err="1">
                 <a:latin typeface="Courier New" pitchFamily="49" charset="0"/>
                 <a:cs typeface="Courier New" pitchFamily="49" charset="0"/>
               </a:rPr>
               <a:t>infert$age</a:t>
             </a:r>
             <a:r>
-              <a:rPr lang="en-US" sz="2000" dirty="0" smtClean="0">
+              <a:rPr lang="en-US" sz="2000" dirty="0">
                 <a:latin typeface="Courier New" pitchFamily="49" charset="0"/>
                 <a:cs typeface="Courier New" pitchFamily="49" charset="0"/>
               </a:rPr>
@@ -9385,13 +9092,13 @@
               <a:buNone/>
             </a:pPr>
             <a:r>
-              <a:rPr lang="en-US" sz="2000" dirty="0" err="1" smtClean="0">
+              <a:rPr lang="en-US" sz="2000" dirty="0" err="1">
                 <a:latin typeface="Courier New" pitchFamily="49" charset="0"/>
                 <a:cs typeface="Courier New" pitchFamily="49" charset="0"/>
               </a:rPr>
               <a:t>age_order</a:t>
             </a:r>
-            <a:endParaRPr lang="en-US" sz="2000" dirty="0" smtClean="0">
+            <a:endParaRPr lang="en-US" sz="2000" dirty="0">
               <a:latin typeface="Courier New" pitchFamily="49" charset="0"/>
               <a:cs typeface="Courier New" pitchFamily="49" charset="0"/>
             </a:endParaRPr>
@@ -9401,14 +9108,14 @@
               <a:buNone/>
             </a:pPr>
             <a:r>
-              <a:rPr lang="en-US" sz="2000" dirty="0" err="1" smtClean="0">
+              <a:rPr lang="en-US" sz="2000" dirty="0" err="1">
                 <a:latin typeface="Courier New" pitchFamily="49" charset="0"/>
                 <a:cs typeface="Courier New" pitchFamily="49" charset="0"/>
               </a:rPr>
               <a:t>infert</a:t>
             </a:r>
             <a:r>
-              <a:rPr lang="en-US" sz="2000" dirty="0" smtClean="0">
+              <a:rPr lang="en-US" sz="2000" dirty="0">
                 <a:latin typeface="Courier New" pitchFamily="49" charset="0"/>
                 <a:cs typeface="Courier New" pitchFamily="49" charset="0"/>
               </a:rPr>
@@ -9420,28 +9127,28 @@
               <a:buNone/>
             </a:pPr>
             <a:r>
-              <a:rPr lang="en-US" sz="2000" dirty="0" err="1" smtClean="0">
+              <a:rPr lang="en-US" sz="2000" dirty="0" err="1">
                 <a:latin typeface="Courier New" pitchFamily="49" charset="0"/>
                 <a:cs typeface="Courier New" pitchFamily="49" charset="0"/>
               </a:rPr>
               <a:t>infert</a:t>
             </a:r>
             <a:r>
-              <a:rPr lang="en-US" sz="2000" dirty="0" smtClean="0">
+              <a:rPr lang="en-US" sz="2000" dirty="0">
                 <a:latin typeface="Courier New" pitchFamily="49" charset="0"/>
                 <a:cs typeface="Courier New" pitchFamily="49" charset="0"/>
               </a:rPr>
               <a:t>[</a:t>
             </a:r>
             <a:r>
-              <a:rPr lang="en-US" sz="2000" dirty="0" err="1" smtClean="0">
+              <a:rPr lang="en-US" sz="2000" dirty="0" err="1">
                 <a:latin typeface="Courier New" pitchFamily="49" charset="0"/>
                 <a:cs typeface="Courier New" pitchFamily="49" charset="0"/>
               </a:rPr>
               <a:t>age_order</a:t>
             </a:r>
             <a:r>
-              <a:rPr lang="en-US" sz="2000" dirty="0" smtClean="0">
+              <a:rPr lang="en-US" sz="2000" dirty="0">
                 <a:latin typeface="Courier New" pitchFamily="49" charset="0"/>
                 <a:cs typeface="Courier New" pitchFamily="49" charset="0"/>
               </a:rPr>
@@ -9478,14 +9185,7 @@
                 <a:latin typeface="Courier New" pitchFamily="49" charset="0"/>
                 <a:cs typeface="Courier New" pitchFamily="49" charset="0"/>
               </a:rPr>
-              <a:t>),]$age # </a:t>
-            </a:r>
-            <a:r>
-              <a:rPr lang="en-US" sz="2000" dirty="0" smtClean="0">
-                <a:latin typeface="Courier New" pitchFamily="49" charset="0"/>
-                <a:cs typeface="Courier New" pitchFamily="49" charset="0"/>
-              </a:rPr>
-              <a:t>correct</a:t>
+              <a:t>),]$age # correct</a:t>
             </a:r>
           </a:p>
           <a:p>
@@ -9605,13 +9305,6 @@
   <p:clrMapOvr>
     <a:masterClrMapping/>
   </p:clrMapOvr>
-  <p:timing>
-    <p:tnLst>
-      <p:par>
-        <p:cTn xmlns:p14="http://schemas.microsoft.com/office/powerpoint/2010/main" id="1" dur="indefinite" restart="never" nodeType="tmRoot"/>
-      </p:par>
-    </p:tnLst>
-  </p:timing>
 </p:sld>
 </file>
 
@@ -9648,18 +9341,17 @@
           <a:lstStyle/>
           <a:p>
             <a:r>
-              <a:rPr lang="en-US" dirty="0" smtClean="0"/>
+              <a:rPr lang="en-US" dirty="0"/>
               <a:t>Sorting Data Frames (</a:t>
             </a:r>
             <a:r>
-              <a:rPr lang="en-US" dirty="0" err="1" smtClean="0"/>
+              <a:rPr lang="en-US" dirty="0" err="1"/>
               <a:t>plyr</a:t>
             </a:r>
             <a:r>
-              <a:rPr lang="en-US" dirty="0" smtClean="0"/>
+              <a:rPr lang="en-US" dirty="0"/>
               <a:t>)</a:t>
             </a:r>
-            <a:endParaRPr lang="en-US" dirty="0"/>
           </a:p>
         </p:txBody>
       </p:sp>
@@ -9684,41 +9376,41 @@
           <a:lstStyle/>
           <a:p>
             <a:r>
-              <a:rPr lang="en-US" sz="2400" dirty="0" smtClean="0"/>
+              <a:rPr lang="en-US" sz="2400" dirty="0"/>
               <a:t>Because order() is confusing, Hadley Wickham (who's done a ton of great stuff for R) added the arrange function to his </a:t>
             </a:r>
             <a:r>
-              <a:rPr lang="en-US" sz="2400" dirty="0" err="1" smtClean="0"/>
+              <a:rPr lang="en-US" sz="2400" dirty="0" err="1"/>
               <a:t>plyr</a:t>
             </a:r>
             <a:r>
-              <a:rPr lang="en-US" sz="2400" dirty="0" smtClean="0"/>
+              <a:rPr lang="en-US" sz="2400" dirty="0"/>
               <a:t> library (we'll talk more about libraries)</a:t>
             </a:r>
           </a:p>
           <a:p>
-            <a:endParaRPr lang="en-US" dirty="0" smtClean="0"/>
+            <a:endParaRPr lang="en-US" dirty="0"/>
           </a:p>
           <a:p>
             <a:pPr marL="0" indent="0">
               <a:buNone/>
             </a:pPr>
             <a:r>
-              <a:rPr lang="en-US" sz="2000" dirty="0" smtClean="0">
+              <a:rPr lang="en-US" sz="2000" dirty="0">
                 <a:latin typeface="Courier New" pitchFamily="49" charset="0"/>
                 <a:cs typeface="Courier New" pitchFamily="49" charset="0"/>
               </a:rPr>
               <a:t>library(</a:t>
             </a:r>
             <a:r>
-              <a:rPr lang="en-US" sz="2000" dirty="0" err="1" smtClean="0">
+              <a:rPr lang="en-US" sz="2000" dirty="0" err="1">
                 <a:latin typeface="Courier New" pitchFamily="49" charset="0"/>
                 <a:cs typeface="Courier New" pitchFamily="49" charset="0"/>
               </a:rPr>
               <a:t>plyr</a:t>
             </a:r>
             <a:r>
-              <a:rPr lang="en-US" sz="2000" dirty="0" smtClean="0">
+              <a:rPr lang="en-US" sz="2000" dirty="0">
                 <a:latin typeface="Courier New" pitchFamily="49" charset="0"/>
                 <a:cs typeface="Courier New" pitchFamily="49" charset="0"/>
               </a:rPr>
@@ -9730,37 +9422,33 @@
               <a:buNone/>
             </a:pPr>
             <a:r>
-              <a:rPr lang="en-US" sz="2000" dirty="0" err="1" smtClean="0">
+              <a:rPr lang="en-US" sz="2000" dirty="0" err="1">
                 <a:latin typeface="Courier New" pitchFamily="49" charset="0"/>
                 <a:cs typeface="Courier New" pitchFamily="49" charset="0"/>
               </a:rPr>
               <a:t>infert_by_age</a:t>
             </a:r>
             <a:r>
-              <a:rPr lang="en-US" sz="2000" dirty="0" smtClean="0">
+              <a:rPr lang="en-US" sz="2000" dirty="0">
                 <a:latin typeface="Courier New" pitchFamily="49" charset="0"/>
                 <a:cs typeface="Courier New" pitchFamily="49" charset="0"/>
               </a:rPr>
               <a:t> &lt;- arrange(</a:t>
             </a:r>
             <a:r>
-              <a:rPr lang="en-US" sz="2000" dirty="0" err="1" smtClean="0">
+              <a:rPr lang="en-US" sz="2000" dirty="0" err="1">
                 <a:latin typeface="Courier New" pitchFamily="49" charset="0"/>
                 <a:cs typeface="Courier New" pitchFamily="49" charset="0"/>
               </a:rPr>
               <a:t>infert</a:t>
             </a:r>
             <a:r>
-              <a:rPr lang="en-US" sz="2000" dirty="0" smtClean="0">
+              <a:rPr lang="en-US" sz="2000" dirty="0">
                 <a:latin typeface="Courier New" pitchFamily="49" charset="0"/>
                 <a:cs typeface="Courier New" pitchFamily="49" charset="0"/>
               </a:rPr>
               <a:t>, age)</a:t>
             </a:r>
-            <a:endParaRPr lang="en-US" sz="2000" dirty="0">
-              <a:latin typeface="Courier New" pitchFamily="49" charset="0"/>
-              <a:cs typeface="Courier New" pitchFamily="49" charset="0"/>
-            </a:endParaRPr>
           </a:p>
         </p:txBody>
       </p:sp>
@@ -9800,14 +9488,14 @@
           <a:effectLst/>
           <a:extLst>
             <a:ext uri="{909E8E84-426E-40dd-AFC4-6F175D3DCCD1}">
-              <a14:hiddenFill xmlns:a14="http://schemas.microsoft.com/office/drawing/2010/main">
+              <a14:hiddenFill xmlns:a14="http://schemas.microsoft.com/office/drawing/2010/main" xmlns="">
                 <a:solidFill>
                   <a:schemeClr val="accent1"/>
                 </a:solidFill>
               </a14:hiddenFill>
             </a:ext>
             <a:ext uri="{91240B29-F687-4f45-9708-019B960494DF}">
-              <a14:hiddenLine xmlns:a14="http://schemas.microsoft.com/office/drawing/2010/main" w="9525">
+              <a14:hiddenLine xmlns:a14="http://schemas.microsoft.com/office/drawing/2010/main" xmlns="" w="9525">
                 <a:solidFill>
                   <a:schemeClr val="tx1"/>
                 </a:solidFill>
@@ -9817,7 +9505,7 @@
               </a14:hiddenLine>
             </a:ext>
             <a:ext uri="{AF507438-7753-43e0-B8FC-AC1667EBCBE1}">
-              <a14:hiddenEffects xmlns:a14="http://schemas.microsoft.com/office/drawing/2010/main">
+              <a14:hiddenEffects xmlns:a14="http://schemas.microsoft.com/office/drawing/2010/main" xmlns="">
                 <a:effectLst>
                   <a:outerShdw dist="35921" dir="2700000" algn="ctr" rotWithShape="0">
                     <a:schemeClr val="bg2"/>
@@ -9851,10 +9539,9 @@
           <a:lstStyle/>
           <a:p>
             <a:r>
-              <a:rPr lang="en-US" dirty="0" smtClean="0"/>
+              <a:rPr lang="en-US" dirty="0"/>
               <a:t>Hadley, our hero</a:t>
             </a:r>
-            <a:endParaRPr lang="en-US" dirty="0"/>
           </a:p>
         </p:txBody>
       </p:sp>
@@ -9891,13 +9578,6 @@
   <p:clrMapOvr>
     <a:masterClrMapping/>
   </p:clrMapOvr>
-  <p:timing>
-    <p:tnLst>
-      <p:par>
-        <p:cTn xmlns:p14="http://schemas.microsoft.com/office/powerpoint/2010/main" id="1" dur="indefinite" restart="never" nodeType="tmRoot"/>
-      </p:par>
-    </p:tnLst>
-  </p:timing>
 </p:sld>
 </file>
 
@@ -9934,10 +9614,9 @@
           <a:lstStyle/>
           <a:p>
             <a:r>
-              <a:rPr lang="en-US" dirty="0" smtClean="0"/>
+              <a:rPr lang="en-US" dirty="0"/>
               <a:t>Aside on attach</a:t>
             </a:r>
-            <a:endParaRPr lang="en-US" dirty="0"/>
           </a:p>
         </p:txBody>
       </p:sp>
@@ -9964,7 +9643,7 @@
           <a:lstStyle/>
           <a:p>
             <a:r>
-              <a:rPr lang="en-US" dirty="0" smtClean="0"/>
+              <a:rPr lang="en-US" dirty="0"/>
               <a:t>You can make R have a default data frame using the attach function:</a:t>
             </a:r>
           </a:p>
@@ -9972,7 +9651,7 @@
             <a:pPr marL="0" indent="0">
               <a:buNone/>
             </a:pPr>
-            <a:endParaRPr lang="en-US" sz="2000" dirty="0" smtClean="0">
+            <a:endParaRPr lang="en-US" sz="2000" dirty="0">
               <a:latin typeface="Courier New" pitchFamily="49" charset="0"/>
               <a:cs typeface="Courier New" pitchFamily="49" charset="0"/>
             </a:endParaRPr>
@@ -9982,21 +9661,21 @@
               <a:buNone/>
             </a:pPr>
             <a:r>
-              <a:rPr lang="en-US" sz="2000" dirty="0" smtClean="0">
+              <a:rPr lang="en-US" sz="2000" dirty="0">
                 <a:latin typeface="Courier New" pitchFamily="49" charset="0"/>
                 <a:cs typeface="Courier New" pitchFamily="49" charset="0"/>
               </a:rPr>
               <a:t>attach(</a:t>
             </a:r>
             <a:r>
-              <a:rPr lang="en-US" sz="2000" dirty="0" err="1" smtClean="0">
+              <a:rPr lang="en-US" sz="2000" dirty="0" err="1">
                 <a:latin typeface="Courier New" pitchFamily="49" charset="0"/>
                 <a:cs typeface="Courier New" pitchFamily="49" charset="0"/>
               </a:rPr>
               <a:t>infert</a:t>
             </a:r>
             <a:r>
-              <a:rPr lang="en-US" sz="2000" dirty="0" smtClean="0">
+              <a:rPr lang="en-US" sz="2000" dirty="0">
                 <a:latin typeface="Courier New" pitchFamily="49" charset="0"/>
                 <a:cs typeface="Courier New" pitchFamily="49" charset="0"/>
               </a:rPr>
@@ -10008,7 +9687,7 @@
               <a:buNone/>
             </a:pPr>
             <a:r>
-              <a:rPr lang="en-US" sz="2000" dirty="0" smtClean="0">
+              <a:rPr lang="en-US" sz="2000" dirty="0">
                 <a:latin typeface="Courier New" pitchFamily="49" charset="0"/>
                 <a:cs typeface="Courier New" pitchFamily="49" charset="0"/>
               </a:rPr>
@@ -10023,38 +9702,37 @@
           </a:p>
           <a:p>
             <a:r>
-              <a:rPr lang="en-US" dirty="0" smtClean="0"/>
+              <a:rPr lang="en-US" dirty="0"/>
               <a:t>This is </a:t>
             </a:r>
             <a:r>
-              <a:rPr lang="en-US" i="1" dirty="0" smtClean="0"/>
+              <a:rPr lang="en-US" i="1" dirty="0"/>
               <a:t>not</a:t>
             </a:r>
             <a:r>
-              <a:rPr lang="en-US" dirty="0" smtClean="0"/>
+              <a:rPr lang="en-US" dirty="0"/>
               <a:t> recommended </a:t>
             </a:r>
           </a:p>
           <a:p>
             <a:pPr lvl="1"/>
             <a:r>
-              <a:rPr lang="en-US" dirty="0" smtClean="0"/>
+              <a:rPr lang="en-US" dirty="0"/>
               <a:t>Harder to read, reuse code</a:t>
             </a:r>
           </a:p>
           <a:p>
             <a:pPr lvl="1"/>
             <a:r>
-              <a:rPr lang="en-US" dirty="0" smtClean="0"/>
+              <a:rPr lang="en-US" dirty="0"/>
               <a:t>Easier to make subtle mistakes</a:t>
             </a:r>
           </a:p>
           <a:p>
             <a:r>
-              <a:rPr lang="en-US" dirty="0" smtClean="0"/>
+              <a:rPr lang="en-US" dirty="0"/>
               <a:t>But you will sometimes see it in examples</a:t>
             </a:r>
-            <a:endParaRPr lang="en-US" dirty="0"/>
           </a:p>
         </p:txBody>
       </p:sp>
@@ -10094,14 +9772,14 @@
           <a:effectLst/>
           <a:extLst>
             <a:ext uri="{909E8E84-426E-40dd-AFC4-6F175D3DCCD1}">
-              <a14:hiddenFill xmlns:a14="http://schemas.microsoft.com/office/drawing/2010/main">
+              <a14:hiddenFill xmlns:a14="http://schemas.microsoft.com/office/drawing/2010/main" xmlns="">
                 <a:solidFill>
                   <a:schemeClr val="accent1"/>
                 </a:solidFill>
               </a14:hiddenFill>
             </a:ext>
             <a:ext uri="{91240B29-F687-4f45-9708-019B960494DF}">
-              <a14:hiddenLine xmlns:a14="http://schemas.microsoft.com/office/drawing/2010/main" w="9525">
+              <a14:hiddenLine xmlns:a14="http://schemas.microsoft.com/office/drawing/2010/main" xmlns="" w="9525">
                 <a:solidFill>
                   <a:schemeClr val="tx1"/>
                 </a:solidFill>
@@ -10111,7 +9789,7 @@
               </a14:hiddenLine>
             </a:ext>
             <a:ext uri="{AF507438-7753-43e0-B8FC-AC1667EBCBE1}">
-              <a14:hiddenEffects xmlns:a14="http://schemas.microsoft.com/office/drawing/2010/main">
+              <a14:hiddenEffects xmlns:a14="http://schemas.microsoft.com/office/drawing/2010/main" xmlns="">
                 <a:effectLst>
                   <a:outerShdw dist="35921" dir="2700000" algn="ctr" rotWithShape="0">
                     <a:schemeClr val="bg2"/>
@@ -10146,7 +9824,7 @@
           <a:p>
             <a:pPr algn="ctr"/>
             <a:r>
-              <a:rPr lang="en-US" dirty="0" smtClean="0"/>
+              <a:rPr lang="en-US" dirty="0"/>
               <a:t>I'm unclear on whether this image is saying I should or I should not…  </a:t>
             </a:r>
           </a:p>
@@ -10157,10 +9835,9 @@
           <a:p>
             <a:pPr algn="ctr"/>
             <a:r>
-              <a:rPr lang="en-US" dirty="0" smtClean="0"/>
+              <a:rPr lang="en-US" dirty="0"/>
               <a:t>But: I do know you should NOT use attach().</a:t>
             </a:r>
-            <a:endParaRPr lang="en-US" dirty="0"/>
           </a:p>
         </p:txBody>
       </p:sp>
@@ -10197,13 +9874,6 @@
   <p:clrMapOvr>
     <a:masterClrMapping/>
   </p:clrMapOvr>
-  <p:timing>
-    <p:tnLst>
-      <p:par>
-        <p:cTn xmlns:p14="http://schemas.microsoft.com/office/powerpoint/2010/main" id="1" dur="indefinite" restart="never" nodeType="tmRoot"/>
-      </p:par>
-    </p:tnLst>
-  </p:timing>
 </p:sld>
 </file>
 
@@ -10240,10 +9910,9 @@
           <a:lstStyle/>
           <a:p>
             <a:r>
-              <a:rPr lang="en-US" dirty="0" smtClean="0"/>
+              <a:rPr lang="en-US" dirty="0"/>
               <a:t>Reading files from disk</a:t>
             </a:r>
-            <a:endParaRPr lang="en-US" dirty="0"/>
           </a:p>
         </p:txBody>
       </p:sp>
@@ -10264,13 +9933,8 @@
           <a:p>
             <a:r>
               <a:rPr lang="en-US" dirty="0"/>
-              <a:t>Remember </a:t>
-            </a:r>
-            <a:r>
-              <a:rPr lang="en-US" dirty="0" smtClean="0"/>
-              <a:t>this from our walk-through?</a:t>
-            </a:r>
-            <a:endParaRPr lang="en-US" dirty="0"/>
+              <a:t>Remember this from our walk-through?</a:t>
+            </a:r>
           </a:p>
           <a:p>
             <a:pPr marL="0" indent="0">
@@ -10284,44 +9948,30 @@
               <a:t>dig &lt;- </a:t>
             </a:r>
             <a:r>
-              <a:rPr lang="en-US" sz="1800" dirty="0" err="1" smtClean="0">
+              <a:rPr lang="en-US" sz="1800" dirty="0" err="1">
                 <a:latin typeface="Courier New" panose="02070309020205020404" pitchFamily="49" charset="0"/>
                 <a:cs typeface="Courier New" panose="02070309020205020404" pitchFamily="49" charset="0"/>
               </a:rPr>
               <a:t>read.csv</a:t>
             </a:r>
-            <a:r>
-              <a:rPr lang="en-US" sz="1800" dirty="0" smtClean="0">
-                <a:latin typeface="Courier New" panose="02070309020205020404" pitchFamily="49" charset="0"/>
-                <a:cs typeface="Courier New" panose="02070309020205020404" pitchFamily="49" charset="0"/>
-              </a:rPr>
-              <a:t>(</a:t>
-            </a:r>
-          </a:p>
-          <a:p>
-            <a:pPr marL="0" indent="0">
-              <a:buNone/>
-            </a:pPr>
             <a:r>
               <a:rPr lang="en-US" sz="1800" dirty="0">
                 <a:latin typeface="Courier New" panose="02070309020205020404" pitchFamily="49" charset="0"/>
                 <a:cs typeface="Courier New" panose="02070309020205020404" pitchFamily="49" charset="0"/>
               </a:rPr>
-              <a:t>	</a:t>
-            </a:r>
-            <a:r>
-              <a:rPr lang="en-US" sz="1800" dirty="0" smtClean="0">
-                <a:latin typeface="Courier New" panose="02070309020205020404" pitchFamily="49" charset="0"/>
-                <a:cs typeface="Courier New" panose="02070309020205020404" pitchFamily="49" charset="0"/>
-              </a:rPr>
-              <a:t>"</a:t>
-            </a:r>
+              <a:t>(</a:t>
+            </a:r>
+          </a:p>
+          <a:p>
+            <a:pPr marL="0" indent="0">
+              <a:buNone/>
+            </a:pPr>
             <a:r>
               <a:rPr lang="en-US" sz="1800" dirty="0">
                 <a:latin typeface="Courier New" panose="02070309020205020404" pitchFamily="49" charset="0"/>
                 <a:cs typeface="Courier New" panose="02070309020205020404" pitchFamily="49" charset="0"/>
               </a:rPr>
-              <a:t>http://</a:t>
+              <a:t>	"http://</a:t>
             </a:r>
             <a:r>
               <a:rPr lang="en-US" sz="1800" dirty="0" err="1">
@@ -10353,34 +10003,34 @@
             </a:r>
           </a:p>
           <a:p>
-            <a:endParaRPr lang="en-US" dirty="0" smtClean="0"/>
-          </a:p>
-          <a:p>
-            <a:r>
-              <a:rPr lang="en-US" dirty="0" smtClean="0"/>
+            <a:endParaRPr lang="en-US" dirty="0"/>
+          </a:p>
+          <a:p>
+            <a:r>
+              <a:rPr lang="en-US" dirty="0"/>
               <a:t>In real life, usually read in data with a read() function, like </a:t>
             </a:r>
             <a:r>
-              <a:rPr lang="en-US" dirty="0" err="1" smtClean="0"/>
+              <a:rPr lang="en-US" dirty="0" err="1"/>
               <a:t>read.csv</a:t>
             </a:r>
             <a:r>
-              <a:rPr lang="en-US" dirty="0" smtClean="0"/>
+              <a:rPr lang="en-US" dirty="0"/>
               <a:t>, </a:t>
             </a:r>
             <a:r>
-              <a:rPr lang="en-US" dirty="0" err="1" smtClean="0"/>
+              <a:rPr lang="en-US" dirty="0" err="1"/>
               <a:t>read.table</a:t>
             </a:r>
             <a:r>
-              <a:rPr lang="en-US" dirty="0" smtClean="0"/>
+              <a:rPr lang="en-US" dirty="0"/>
               <a:t>, </a:t>
             </a:r>
             <a:r>
-              <a:rPr lang="en-US" dirty="0" err="1" smtClean="0"/>
+              <a:rPr lang="en-US" dirty="0" err="1"/>
               <a:t>read.dta</a:t>
             </a:r>
-            <a:endParaRPr lang="en-US" dirty="0" smtClean="0"/>
+            <a:endParaRPr lang="en-US" dirty="0"/>
           </a:p>
           <a:p>
             <a:endParaRPr lang="en-US" dirty="0"/>
@@ -10456,10 +10106,9 @@
           <a:lstStyle/>
           <a:p>
             <a:r>
-              <a:rPr lang="en-US" dirty="0" smtClean="0"/>
+              <a:rPr lang="en-US" dirty="0"/>
               <a:t>Challenge</a:t>
             </a:r>
-            <a:endParaRPr lang="en-US" dirty="0"/>
           </a:p>
         </p:txBody>
       </p:sp>
@@ -10484,18 +10133,17 @@
           <a:lstStyle/>
           <a:p>
             <a:r>
-              <a:rPr lang="en-US" dirty="0" smtClean="0"/>
+              <a:rPr lang="en-US" dirty="0"/>
               <a:t>Load the </a:t>
             </a:r>
             <a:r>
-              <a:rPr lang="en-US" dirty="0" err="1" smtClean="0"/>
+              <a:rPr lang="en-US" dirty="0" err="1"/>
               <a:t>USArrests</a:t>
             </a:r>
             <a:r>
-              <a:rPr lang="en-US" dirty="0" smtClean="0"/>
+              <a:rPr lang="en-US" dirty="0"/>
               <a:t> dataset (built into R) and print out the list of states, sorted by murder arrest rate </a:t>
             </a:r>
-            <a:endParaRPr lang="en-US" dirty="0"/>
           </a:p>
         </p:txBody>
       </p:sp>
@@ -10522,21 +10170,21 @@
           <a:lstStyle/>
           <a:p>
             <a:r>
-              <a:rPr lang="en-US" dirty="0" smtClean="0"/>
+              <a:rPr lang="en-US" dirty="0"/>
               <a:t>My answer:</a:t>
             </a:r>
           </a:p>
           <a:p>
             <a:r>
-              <a:rPr lang="en-US" dirty="0" smtClean="0"/>
+              <a:rPr lang="en-US" dirty="0"/>
               <a:t>data(</a:t>
             </a:r>
             <a:r>
-              <a:rPr lang="en-US" dirty="0" err="1" smtClean="0"/>
+              <a:rPr lang="en-US" dirty="0" err="1"/>
               <a:t>USArrests</a:t>
             </a:r>
             <a:r>
-              <a:rPr lang="en-US" dirty="0" smtClean="0"/>
+              <a:rPr lang="en-US" dirty="0"/>
               <a:t>)</a:t>
             </a:r>
           </a:p>
@@ -10604,14 +10252,14 @@
           <a:effectLst/>
           <a:extLst>
             <a:ext uri="{909E8E84-426E-40dd-AFC4-6F175D3DCCD1}">
-              <a14:hiddenFill xmlns:a14="http://schemas.microsoft.com/office/drawing/2010/main">
+              <a14:hiddenFill xmlns:a14="http://schemas.microsoft.com/office/drawing/2010/main" xmlns="">
                 <a:solidFill>
                   <a:schemeClr val="accent1"/>
                 </a:solidFill>
               </a14:hiddenFill>
             </a:ext>
             <a:ext uri="{91240B29-F687-4f45-9708-019B960494DF}">
-              <a14:hiddenLine xmlns:a14="http://schemas.microsoft.com/office/drawing/2010/main" w="9525">
+              <a14:hiddenLine xmlns:a14="http://schemas.microsoft.com/office/drawing/2010/main" xmlns="" w="9525">
                 <a:solidFill>
                   <a:schemeClr val="tx1"/>
                 </a:solidFill>
@@ -10621,7 +10269,7 @@
               </a14:hiddenLine>
             </a:ext>
             <a:ext uri="{AF507438-7753-43e0-B8FC-AC1667EBCBE1}">
-              <a14:hiddenEffects xmlns:a14="http://schemas.microsoft.com/office/drawing/2010/main">
+              <a14:hiddenEffects xmlns:a14="http://schemas.microsoft.com/office/drawing/2010/main" xmlns="">
                 <a:effectLst>
                   <a:outerShdw dist="35921" dir="2700000" algn="ctr" rotWithShape="0">
                     <a:schemeClr val="bg2"/>
@@ -10655,13 +10303,8 @@
           <a:p>
             <a:r>
               <a:rPr lang="en-US" dirty="0"/>
-              <a:t>(Bonus: self-test # </a:t>
-            </a:r>
-            <a:r>
-              <a:rPr lang="en-US" dirty="0" smtClean="0"/>
-              <a:t>9, review)</a:t>
-            </a:r>
-            <a:endParaRPr lang="en-US" dirty="0"/>
+              <a:t>(Bonus: self-test # 9, review)</a:t>
+            </a:r>
           </a:p>
         </p:txBody>
       </p:sp>
@@ -10701,7 +10344,7 @@
   <p:timing>
     <p:tnLst>
       <p:par>
-        <p:cTn xmlns:p14="http://schemas.microsoft.com/office/powerpoint/2010/main" id="1" dur="indefinite" restart="never" nodeType="tmRoot">
+        <p:cTn id="1" dur="indefinite" restart="never" nodeType="tmRoot">
           <p:childTnLst>
             <p:seq concurrent="1" nextAc="seek">
               <p:cTn id="2" dur="indefinite" nodeType="mainSeq">
@@ -10812,7 +10455,7 @@
           <a:lstStyle/>
           <a:p>
             <a:r>
-              <a:rPr lang="en-US" altLang="en-US" smtClean="0"/>
+              <a:rPr lang="en-US" altLang="en-US"/>
               <a:t>Functions</a:t>
             </a:r>
           </a:p>
@@ -10849,7 +10492,7 @@
               <a:defRPr/>
             </a:pPr>
             <a:r>
-              <a:rPr lang="en-US" dirty="0" smtClean="0"/>
+              <a:rPr lang="en-US" dirty="0"/>
               <a:t>Formally, a function is a special kind of R object with mode function</a:t>
             </a:r>
           </a:p>
@@ -10874,7 +10517,7 @@
               <a:defRPr/>
             </a:pPr>
             <a:r>
-              <a:rPr lang="en-US" dirty="0" smtClean="0"/>
+              <a:rPr lang="en-US" dirty="0"/>
               <a:t>Basic form:</a:t>
             </a:r>
           </a:p>
@@ -10888,19 +10531,19 @@
               <a:defRPr/>
             </a:pPr>
             <a:r>
-              <a:rPr lang="en-US" sz="2400" dirty="0" err="1" smtClean="0"/>
+              <a:rPr lang="en-US" sz="2400" dirty="0" err="1"/>
               <a:t>returnValue</a:t>
             </a:r>
             <a:r>
-              <a:rPr lang="en-US" sz="2400" dirty="0" smtClean="0"/>
+              <a:rPr lang="en-US" sz="2400" dirty="0"/>
               <a:t>&lt;-</a:t>
             </a:r>
             <a:r>
-              <a:rPr lang="en-US" sz="2400" dirty="0" err="1" smtClean="0"/>
+              <a:rPr lang="en-US" sz="2400" dirty="0" err="1"/>
               <a:t>functionName</a:t>
             </a:r>
             <a:r>
-              <a:rPr lang="en-US" sz="2400" dirty="0" smtClean="0"/>
+              <a:rPr lang="en-US" sz="2400" dirty="0"/>
               <a:t>(arguments)</a:t>
             </a:r>
           </a:p>
@@ -10925,7 +10568,7 @@
               <a:defRPr/>
             </a:pPr>
             <a:r>
-              <a:rPr lang="en-US" dirty="0" smtClean="0"/>
+              <a:rPr lang="en-US" dirty="0"/>
               <a:t>It is my belief that being able to write functions is the single best reason to use R</a:t>
             </a:r>
           </a:p>
@@ -10939,18 +10582,17 @@
               <a:defRPr/>
             </a:pPr>
             <a:r>
-              <a:rPr lang="en-US" dirty="0" smtClean="0"/>
+              <a:rPr lang="en-US" dirty="0"/>
               <a:t>Or at least, being able to write functions can make you </a:t>
             </a:r>
             <a:r>
-              <a:rPr lang="en-US" dirty="0" err="1" smtClean="0"/>
+              <a:rPr lang="en-US" dirty="0" err="1"/>
               <a:t>hella</a:t>
             </a:r>
             <a:r>
-              <a:rPr lang="en-US" dirty="0" smtClean="0"/>
+              <a:rPr lang="en-US" dirty="0"/>
               <a:t> efficient</a:t>
             </a:r>
-            <a:endParaRPr lang="en-US" dirty="0"/>
           </a:p>
         </p:txBody>
       </p:sp>
@@ -10990,14 +10632,14 @@
           <a:effectLst/>
           <a:extLst>
             <a:ext uri="{909E8E84-426E-40dd-AFC4-6F175D3DCCD1}">
-              <a14:hiddenFill xmlns:a14="http://schemas.microsoft.com/office/drawing/2010/main">
+              <a14:hiddenFill xmlns:a14="http://schemas.microsoft.com/office/drawing/2010/main" xmlns="">
                 <a:solidFill>
                   <a:schemeClr val="accent1"/>
                 </a:solidFill>
               </a14:hiddenFill>
             </a:ext>
             <a:ext uri="{91240B29-F687-4f45-9708-019B960494DF}">
-              <a14:hiddenLine xmlns:a14="http://schemas.microsoft.com/office/drawing/2010/main" w="9525">
+              <a14:hiddenLine xmlns:a14="http://schemas.microsoft.com/office/drawing/2010/main" xmlns="" w="9525">
                 <a:solidFill>
                   <a:schemeClr val="tx1"/>
                 </a:solidFill>
@@ -11007,7 +10649,7 @@
               </a14:hiddenLine>
             </a:ext>
             <a:ext uri="{AF507438-7753-43e0-B8FC-AC1667EBCBE1}">
-              <a14:hiddenEffects xmlns:a14="http://schemas.microsoft.com/office/drawing/2010/main">
+              <a14:hiddenEffects xmlns:a14="http://schemas.microsoft.com/office/drawing/2010/main" xmlns="">
                 <a:effectLst>
                   <a:outerShdw dist="35921" dir="2700000" algn="ctr" rotWithShape="0">
                     <a:schemeClr val="bg2"/>
@@ -11040,14 +10682,14 @@
           </a:ln>
           <a:extLst>
             <a:ext uri="{909E8E84-426E-40dd-AFC4-6F175D3DCCD1}">
-              <a14:hiddenFill xmlns:a14="http://schemas.microsoft.com/office/drawing/2010/main">
+              <a14:hiddenFill xmlns:a14="http://schemas.microsoft.com/office/drawing/2010/main" xmlns="">
                 <a:solidFill>
                   <a:srgbClr val="FFFFFF"/>
                 </a:solidFill>
               </a14:hiddenFill>
             </a:ext>
             <a:ext uri="{91240B29-F687-4f45-9708-019B960494DF}">
-              <a14:hiddenLine xmlns:a14="http://schemas.microsoft.com/office/drawing/2010/main" w="9525">
+              <a14:hiddenLine xmlns:a14="http://schemas.microsoft.com/office/drawing/2010/main" xmlns="" w="9525">
                 <a:solidFill>
                   <a:srgbClr val="000000"/>
                 </a:solidFill>
@@ -11202,13 +10844,6 @@
   <p:clrMapOvr>
     <a:masterClrMapping/>
   </p:clrMapOvr>
-  <p:timing>
-    <p:tnLst>
-      <p:par>
-        <p:cTn xmlns:p14="http://schemas.microsoft.com/office/powerpoint/2010/main" id="1" dur="indefinite" restart="never" nodeType="tmRoot"/>
-      </p:par>
-    </p:tnLst>
-  </p:timing>
 </p:sld>
 </file>
 
@@ -11245,7 +10880,7 @@
           <a:lstStyle/>
           <a:p>
             <a:r>
-              <a:rPr lang="en-US" altLang="en-US" smtClean="0"/>
+              <a:rPr lang="en-US" altLang="en-US"/>
               <a:t>Some important built-in functions</a:t>
             </a:r>
           </a:p>
@@ -11277,7 +10912,7 @@
               <a:defRPr/>
             </a:pPr>
             <a:r>
-              <a:rPr lang="en-US" dirty="0" smtClean="0"/>
+              <a:rPr lang="en-US" dirty="0"/>
               <a:t>We've come across some important ones before:</a:t>
             </a:r>
           </a:p>
@@ -11291,28 +10926,28 @@
               <a:defRPr/>
             </a:pPr>
             <a:r>
-              <a:rPr lang="en-US" sz="2000" dirty="0" err="1" smtClean="0">
+              <a:rPr lang="en-US" sz="2000" dirty="0" err="1">
                 <a:latin typeface="Courier New" pitchFamily="49" charset="0"/>
                 <a:cs typeface="Courier New" pitchFamily="49" charset="0"/>
               </a:rPr>
               <a:t>str</a:t>
             </a:r>
             <a:r>
-              <a:rPr lang="en-US" sz="2000" dirty="0" smtClean="0">
+              <a:rPr lang="en-US" sz="2000" dirty="0">
                 <a:latin typeface="Courier New" pitchFamily="49" charset="0"/>
                 <a:cs typeface="Courier New" pitchFamily="49" charset="0"/>
               </a:rPr>
               <a:t>(</a:t>
             </a:r>
             <a:r>
-              <a:rPr lang="en-US" sz="2000" dirty="0" err="1" smtClean="0">
+              <a:rPr lang="en-US" sz="2000" dirty="0" err="1">
                 <a:latin typeface="Courier New" pitchFamily="49" charset="0"/>
                 <a:cs typeface="Courier New" pitchFamily="49" charset="0"/>
               </a:rPr>
               <a:t>infert</a:t>
             </a:r>
             <a:r>
-              <a:rPr lang="en-US" sz="2000" dirty="0" smtClean="0">
+              <a:rPr lang="en-US" sz="2000" dirty="0">
                 <a:latin typeface="Courier New" pitchFamily="49" charset="0"/>
                 <a:cs typeface="Courier New" pitchFamily="49" charset="0"/>
               </a:rPr>
@@ -11329,21 +10964,21 @@
               <a:defRPr/>
             </a:pPr>
             <a:r>
-              <a:rPr lang="en-US" sz="2000" dirty="0" smtClean="0">
+              <a:rPr lang="en-US" sz="2000" dirty="0">
                 <a:latin typeface="Courier New" pitchFamily="49" charset="0"/>
                 <a:cs typeface="Courier New" pitchFamily="49" charset="0"/>
               </a:rPr>
               <a:t>head(</a:t>
             </a:r>
             <a:r>
-              <a:rPr lang="en-US" sz="2000" dirty="0" err="1" smtClean="0">
+              <a:rPr lang="en-US" sz="2000" dirty="0" err="1">
                 <a:latin typeface="Courier New" pitchFamily="49" charset="0"/>
                 <a:cs typeface="Courier New" pitchFamily="49" charset="0"/>
               </a:rPr>
               <a:t>infert</a:t>
             </a:r>
             <a:r>
-              <a:rPr lang="en-US" sz="2000" dirty="0" smtClean="0">
+              <a:rPr lang="en-US" sz="2000" dirty="0">
                 <a:latin typeface="Courier New" pitchFamily="49" charset="0"/>
                 <a:cs typeface="Courier New" pitchFamily="49" charset="0"/>
               </a:rPr>
@@ -11360,21 +10995,21 @@
               <a:defRPr/>
             </a:pPr>
             <a:r>
-              <a:rPr lang="en-US" sz="2000" dirty="0" smtClean="0">
+              <a:rPr lang="en-US" sz="2000" dirty="0">
                 <a:latin typeface="Courier New" pitchFamily="49" charset="0"/>
                 <a:cs typeface="Courier New" pitchFamily="49" charset="0"/>
               </a:rPr>
               <a:t>table(</a:t>
             </a:r>
             <a:r>
-              <a:rPr lang="en-US" sz="2000" dirty="0" err="1" smtClean="0">
+              <a:rPr lang="en-US" sz="2000" dirty="0" err="1">
                 <a:latin typeface="Courier New" pitchFamily="49" charset="0"/>
                 <a:cs typeface="Courier New" pitchFamily="49" charset="0"/>
               </a:rPr>
               <a:t>infert$age</a:t>
             </a:r>
             <a:r>
-              <a:rPr lang="en-US" sz="2000" dirty="0" smtClean="0">
+              <a:rPr lang="en-US" sz="2000" dirty="0">
                 <a:latin typeface="Courier New" pitchFamily="49" charset="0"/>
                 <a:cs typeface="Courier New" pitchFamily="49" charset="0"/>
               </a:rPr>
@@ -11390,7 +11025,7 @@
               <a:buNone/>
               <a:defRPr/>
             </a:pPr>
-            <a:endParaRPr lang="en-US" sz="2000" dirty="0" smtClean="0">
+            <a:endParaRPr lang="en-US" sz="2000" dirty="0">
               <a:latin typeface="Courier New" pitchFamily="49" charset="0"/>
               <a:cs typeface="Courier New" pitchFamily="49" charset="0"/>
             </a:endParaRPr>
@@ -11405,7 +11040,7 @@
               <a:defRPr/>
             </a:pPr>
             <a:r>
-              <a:rPr lang="en-US" dirty="0" smtClean="0"/>
+              <a:rPr lang="en-US" dirty="0"/>
               <a:t>We'll also see a more as we start talking about using R with statistical computation in mind:</a:t>
             </a:r>
           </a:p>
@@ -11419,44 +11054,33 @@
               <a:defRPr/>
             </a:pPr>
             <a:r>
-              <a:rPr lang="en-US" sz="2000" dirty="0" err="1" smtClean="0">
+              <a:rPr lang="en-US" sz="2000" dirty="0" err="1">
                 <a:latin typeface="Courier New" pitchFamily="49" charset="0"/>
                 <a:cs typeface="Courier New" pitchFamily="49" charset="0"/>
               </a:rPr>
               <a:t>fivenum</a:t>
             </a:r>
             <a:r>
-              <a:rPr lang="en-US" sz="2000" dirty="0" smtClean="0">
+              <a:rPr lang="en-US" sz="2000" dirty="0">
                 <a:latin typeface="Courier New" pitchFamily="49" charset="0"/>
                 <a:cs typeface="Courier New" pitchFamily="49" charset="0"/>
               </a:rPr>
               <a:t>(</a:t>
             </a:r>
             <a:r>
-              <a:rPr lang="en-US" sz="2000" dirty="0" err="1" smtClean="0">
+              <a:rPr lang="en-US" sz="2000" dirty="0" err="1">
                 <a:latin typeface="Courier New" pitchFamily="49" charset="0"/>
                 <a:cs typeface="Courier New" pitchFamily="49" charset="0"/>
               </a:rPr>
               <a:t>infert$age</a:t>
             </a:r>
             <a:r>
-              <a:rPr lang="en-US" sz="2000" dirty="0" smtClean="0">
-                <a:latin typeface="Courier New" pitchFamily="49" charset="0"/>
-                <a:cs typeface="Courier New" pitchFamily="49" charset="0"/>
-              </a:rPr>
-              <a:t>) </a:t>
-            </a:r>
-            <a:r>
               <a:rPr lang="en-US" sz="2000" dirty="0">
                 <a:latin typeface="Courier New" pitchFamily="49" charset="0"/>
                 <a:cs typeface="Courier New" pitchFamily="49" charset="0"/>
               </a:rPr>
-              <a:t># "five number" summary </a:t>
-            </a:r>
-            <a:endParaRPr lang="en-US" sz="2000" dirty="0" smtClean="0">
-              <a:latin typeface="Courier New" pitchFamily="49" charset="0"/>
-              <a:cs typeface="Courier New" pitchFamily="49" charset="0"/>
-            </a:endParaRPr>
+              <a:t>) # "five number" summary </a:t>
+            </a:r>
           </a:p>
           <a:p>
             <a:pPr marL="0" indent="0">
@@ -11482,14 +11106,7 @@
                 <a:latin typeface="Courier New" pitchFamily="49" charset="0"/>
                 <a:cs typeface="Courier New" pitchFamily="49" charset="0"/>
               </a:rPr>
-              <a:t>) </a:t>
-            </a:r>
-            <a:r>
-              <a:rPr lang="en-US" sz="2000" dirty="0" smtClean="0">
-                <a:latin typeface="Courier New" pitchFamily="49" charset="0"/>
-                <a:cs typeface="Courier New" pitchFamily="49" charset="0"/>
-              </a:rPr>
-              <a:t># generic object summary</a:t>
+              <a:t>) # generic object summary</a:t>
             </a:r>
           </a:p>
           <a:p>
@@ -11502,42 +11119,42 @@
               <a:defRPr/>
             </a:pPr>
             <a:r>
-              <a:rPr lang="en-US" sz="2000" dirty="0" err="1" smtClean="0">
+              <a:rPr lang="en-US" sz="2000" dirty="0" err="1">
                 <a:latin typeface="Courier New" pitchFamily="49" charset="0"/>
                 <a:cs typeface="Courier New" pitchFamily="49" charset="0"/>
               </a:rPr>
               <a:t>t.test</a:t>
             </a:r>
             <a:r>
-              <a:rPr lang="en-US" sz="2000" dirty="0" smtClean="0">
+              <a:rPr lang="en-US" sz="2000" dirty="0">
                 <a:latin typeface="Courier New" pitchFamily="49" charset="0"/>
                 <a:cs typeface="Courier New" pitchFamily="49" charset="0"/>
               </a:rPr>
               <a:t>(table(</a:t>
             </a:r>
             <a:r>
-              <a:rPr lang="en-US" sz="2000" dirty="0" err="1" smtClean="0">
+              <a:rPr lang="en-US" sz="2000" dirty="0" err="1">
                 <a:latin typeface="Courier New" pitchFamily="49" charset="0"/>
                 <a:cs typeface="Courier New" pitchFamily="49" charset="0"/>
               </a:rPr>
               <a:t>infert$age</a:t>
             </a:r>
             <a:r>
-              <a:rPr lang="en-US" sz="2000" dirty="0" smtClean="0">
+              <a:rPr lang="en-US" sz="2000" dirty="0">
                 <a:latin typeface="Courier New" pitchFamily="49" charset="0"/>
                 <a:cs typeface="Courier New" pitchFamily="49" charset="0"/>
               </a:rPr>
               <a:t>, </a:t>
             </a:r>
             <a:r>
-              <a:rPr lang="en-US" sz="2000" dirty="0" err="1" smtClean="0">
+              <a:rPr lang="en-US" sz="2000" dirty="0" err="1">
                 <a:latin typeface="Courier New" pitchFamily="49" charset="0"/>
                 <a:cs typeface="Courier New" pitchFamily="49" charset="0"/>
               </a:rPr>
               <a:t>infert$case</a:t>
             </a:r>
             <a:r>
-              <a:rPr lang="en-US" sz="2000" dirty="0" smtClean="0">
+              <a:rPr lang="en-US" sz="2000" dirty="0">
                 <a:latin typeface="Courier New" pitchFamily="49" charset="0"/>
                 <a:cs typeface="Courier New" pitchFamily="49" charset="0"/>
               </a:rPr>
@@ -11554,44 +11171,40 @@
               <a:defRPr/>
             </a:pPr>
             <a:r>
-              <a:rPr lang="en-US" sz="2000" dirty="0" smtClean="0">
+              <a:rPr lang="en-US" sz="2000" dirty="0">
                 <a:latin typeface="Courier New" pitchFamily="49" charset="0"/>
                 <a:cs typeface="Courier New" pitchFamily="49" charset="0"/>
               </a:rPr>
               <a:t>lm(</a:t>
             </a:r>
             <a:r>
-              <a:rPr lang="en-US" sz="2000" dirty="0" err="1" smtClean="0">
+              <a:rPr lang="en-US" sz="2000" dirty="0" err="1">
                 <a:latin typeface="Courier New" pitchFamily="49" charset="0"/>
                 <a:cs typeface="Courier New" pitchFamily="49" charset="0"/>
               </a:rPr>
               <a:t>case~age</a:t>
             </a:r>
             <a:r>
-              <a:rPr lang="en-US" sz="2000" dirty="0" smtClean="0">
+              <a:rPr lang="en-US" sz="2000" dirty="0">
                 <a:latin typeface="Courier New" pitchFamily="49" charset="0"/>
                 <a:cs typeface="Courier New" pitchFamily="49" charset="0"/>
               </a:rPr>
               <a:t>, data=</a:t>
             </a:r>
             <a:r>
-              <a:rPr lang="en-US" sz="2000" dirty="0" err="1" smtClean="0">
+              <a:rPr lang="en-US" sz="2000" dirty="0" err="1">
                 <a:latin typeface="Courier New" pitchFamily="49" charset="0"/>
                 <a:cs typeface="Courier New" pitchFamily="49" charset="0"/>
               </a:rPr>
               <a:t>infert</a:t>
             </a:r>
             <a:r>
-              <a:rPr lang="en-US" sz="2000" dirty="0" smtClean="0">
+              <a:rPr lang="en-US" sz="2000" dirty="0">
                 <a:latin typeface="Courier New" pitchFamily="49" charset="0"/>
                 <a:cs typeface="Courier New" pitchFamily="49" charset="0"/>
               </a:rPr>
               <a:t>) # run a linear regression</a:t>
             </a:r>
-            <a:endParaRPr lang="en-US" sz="2000" dirty="0">
-              <a:latin typeface="Courier New" pitchFamily="49" charset="0"/>
-              <a:cs typeface="Courier New" pitchFamily="49" charset="0"/>
-            </a:endParaRPr>
           </a:p>
         </p:txBody>
       </p:sp>
@@ -11628,13 +11241,6 @@
   <p:clrMapOvr>
     <a:masterClrMapping/>
   </p:clrMapOvr>
-  <p:timing>
-    <p:tnLst>
-      <p:par>
-        <p:cTn xmlns:p14="http://schemas.microsoft.com/office/powerpoint/2010/main" id="1" dur="indefinite" restart="never" nodeType="tmRoot"/>
-      </p:par>
-    </p:tnLst>
-  </p:timing>
 </p:sld>
 </file>
 
@@ -11671,7 +11277,7 @@
           <a:lstStyle/>
           <a:p>
             <a:r>
-              <a:rPr lang="en-US" altLang="en-US" smtClean="0"/>
+              <a:rPr lang="en-US" altLang="en-US"/>
               <a:t>Turning your code into a function</a:t>
             </a:r>
           </a:p>
@@ -11703,7 +11309,7 @@
               <a:defRPr/>
             </a:pPr>
             <a:r>
-              <a:rPr lang="en-US" dirty="0" smtClean="0"/>
+              <a:rPr lang="en-US" dirty="0"/>
               <a:t>You can write your own, using the function function(), which returns functions:</a:t>
             </a:r>
           </a:p>
@@ -11716,7 +11322,7 @@
               <a:buNone/>
               <a:defRPr/>
             </a:pPr>
-            <a:endParaRPr lang="en-US" sz="2200" dirty="0" smtClean="0">
+            <a:endParaRPr lang="en-US" sz="2200" dirty="0">
               <a:latin typeface="Courier New" pitchFamily="49" charset="0"/>
               <a:cs typeface="Courier New" pitchFamily="49" charset="0"/>
             </a:endParaRPr>
@@ -11731,28 +11337,28 @@
               <a:defRPr/>
             </a:pPr>
             <a:r>
-              <a:rPr lang="en-US" sz="2200" dirty="0" err="1" smtClean="0">
+              <a:rPr lang="en-US" sz="2200" dirty="0" err="1">
                 <a:latin typeface="Courier New" pitchFamily="49" charset="0"/>
                 <a:cs typeface="Courier New" pitchFamily="49" charset="0"/>
               </a:rPr>
               <a:t>mean.ignoreNA</a:t>
             </a:r>
             <a:r>
-              <a:rPr lang="en-US" sz="2200" dirty="0" smtClean="0">
+              <a:rPr lang="en-US" sz="2200" dirty="0">
                 <a:latin typeface="Courier New" pitchFamily="49" charset="0"/>
                 <a:cs typeface="Courier New" pitchFamily="49" charset="0"/>
               </a:rPr>
               <a:t> &lt;- function(</a:t>
             </a:r>
             <a:r>
-              <a:rPr lang="en-US" sz="2200" dirty="0" err="1" smtClean="0">
+              <a:rPr lang="en-US" sz="2200" dirty="0" err="1">
                 <a:latin typeface="Courier New" pitchFamily="49" charset="0"/>
                 <a:cs typeface="Courier New" pitchFamily="49" charset="0"/>
               </a:rPr>
               <a:t>vec</a:t>
             </a:r>
             <a:r>
-              <a:rPr lang="en-US" sz="2200" dirty="0" smtClean="0">
+              <a:rPr lang="en-US" sz="2200" dirty="0">
                 <a:latin typeface="Courier New" pitchFamily="49" charset="0"/>
                 <a:cs typeface="Courier New" pitchFamily="49" charset="0"/>
               </a:rPr>
@@ -11769,30 +11375,26 @@
               <a:defRPr/>
             </a:pPr>
             <a:r>
-              <a:rPr lang="en-US" sz="2200" dirty="0" smtClean="0">
+              <a:rPr lang="en-US" sz="2200" dirty="0">
                 <a:latin typeface="Courier New" pitchFamily="49" charset="0"/>
                 <a:cs typeface="Courier New" pitchFamily="49" charset="0"/>
               </a:rPr>
               <a:t>  return(mean(</a:t>
             </a:r>
             <a:r>
-              <a:rPr lang="en-US" sz="2200" dirty="0" err="1" smtClean="0">
+              <a:rPr lang="en-US" sz="2200" dirty="0" err="1">
                 <a:latin typeface="Courier New" pitchFamily="49" charset="0"/>
                 <a:cs typeface="Courier New" pitchFamily="49" charset="0"/>
               </a:rPr>
               <a:t>vec</a:t>
             </a:r>
             <a:r>
-              <a:rPr lang="en-US" sz="2200" dirty="0" smtClean="0">
+              <a:rPr lang="en-US" sz="2200" dirty="0">
                 <a:latin typeface="Courier New" pitchFamily="49" charset="0"/>
                 <a:cs typeface="Courier New" pitchFamily="49" charset="0"/>
               </a:rPr>
               <a:t>, na.rm=TRUE))</a:t>
             </a:r>
-            <a:endParaRPr lang="en-US" sz="2200" dirty="0">
-              <a:latin typeface="Courier New" pitchFamily="49" charset="0"/>
-              <a:cs typeface="Courier New" pitchFamily="49" charset="0"/>
-            </a:endParaRPr>
           </a:p>
           <a:p>
             <a:pPr marL="0" indent="0" fontAlgn="auto">
@@ -11804,7 +11406,7 @@
               <a:defRPr/>
             </a:pPr>
             <a:r>
-              <a:rPr lang="en-US" sz="2200" dirty="0" smtClean="0">
+              <a:rPr lang="en-US" sz="2200" dirty="0">
                 <a:latin typeface="Courier New" pitchFamily="49" charset="0"/>
                 <a:cs typeface="Courier New" pitchFamily="49" charset="0"/>
               </a:rPr>
@@ -11820,7 +11422,7 @@
               <a:buNone/>
               <a:defRPr/>
             </a:pPr>
-            <a:endParaRPr lang="en-US" sz="2200" dirty="0" smtClean="0">
+            <a:endParaRPr lang="en-US" sz="2200" dirty="0">
               <a:latin typeface="Courier New" pitchFamily="49" charset="0"/>
               <a:cs typeface="Courier New" pitchFamily="49" charset="0"/>
             </a:endParaRPr>
@@ -11835,10 +11437,9 @@
               <a:defRPr/>
             </a:pPr>
             <a:r>
-              <a:rPr lang="en-US" dirty="0" smtClean="0"/>
+              <a:rPr lang="en-US" dirty="0"/>
               <a:t>This calls the mean() function on the same vector, passing a specific parameter</a:t>
             </a:r>
-            <a:endParaRPr lang="en-US" dirty="0"/>
           </a:p>
           <a:p>
             <a:pPr marL="0" indent="0" fontAlgn="auto">
@@ -11849,7 +11450,7 @@
               <a:buNone/>
               <a:defRPr/>
             </a:pPr>
-            <a:endParaRPr lang="en-US" dirty="0" smtClean="0"/>
+            <a:endParaRPr lang="en-US" dirty="0"/>
           </a:p>
         </p:txBody>
       </p:sp>
@@ -11886,13 +11487,6 @@
   <p:clrMapOvr>
     <a:masterClrMapping/>
   </p:clrMapOvr>
-  <p:timing>
-    <p:tnLst>
-      <p:par>
-        <p:cTn xmlns:p14="http://schemas.microsoft.com/office/powerpoint/2010/main" id="1" dur="indefinite" restart="never" nodeType="tmRoot"/>
-      </p:par>
-    </p:tnLst>
-  </p:timing>
 </p:sld>
 </file>
 
@@ -11929,10 +11523,9 @@
           <a:lstStyle/>
           <a:p>
             <a:r>
-              <a:rPr lang="en-US" dirty="0" smtClean="0"/>
+              <a:rPr lang="en-US" dirty="0"/>
               <a:t>Packages</a:t>
             </a:r>
-            <a:endParaRPr lang="en-US" dirty="0"/>
           </a:p>
         </p:txBody>
       </p:sp>
@@ -11952,28 +11545,28 @@
           <a:lstStyle/>
           <a:p>
             <a:r>
-              <a:rPr lang="en-US" dirty="0" smtClean="0"/>
+              <a:rPr lang="en-US" dirty="0"/>
               <a:t>Organizations of functions</a:t>
             </a:r>
           </a:p>
           <a:p>
             <a:r>
-              <a:rPr lang="en-US" dirty="0" smtClean="0"/>
+              <a:rPr lang="en-US" dirty="0"/>
               <a:t>Some come with R and load every time you start R ('base priority')</a:t>
             </a:r>
           </a:p>
           <a:p>
             <a:pPr lvl="1"/>
             <a:r>
-              <a:rPr lang="en-US" dirty="0" smtClean="0"/>
+              <a:rPr lang="en-US" dirty="0"/>
               <a:t>e.g. </a:t>
             </a:r>
             <a:r>
-              <a:rPr lang="en-US" dirty="0" err="1" smtClean="0"/>
+              <a:rPr lang="en-US" dirty="0" err="1"/>
               <a:t>utils</a:t>
             </a:r>
             <a:r>
-              <a:rPr lang="en-US" dirty="0" smtClean="0"/>
+              <a:rPr lang="en-US" dirty="0"/>
               <a:t>, stats, base, graphics,…</a:t>
             </a:r>
           </a:p>
@@ -11983,10 +11576,9 @@
           </a:p>
           <a:p>
             <a:r>
-              <a:rPr lang="en-US" dirty="0" smtClean="0"/>
+              <a:rPr lang="en-US" dirty="0"/>
               <a:t>Most need to be installed and loaded</a:t>
             </a:r>
-            <a:endParaRPr lang="en-US" dirty="0"/>
           </a:p>
         </p:txBody>
       </p:sp>
@@ -12023,13 +11615,6 @@
   <p:clrMapOvr>
     <a:masterClrMapping/>
   </p:clrMapOvr>
-  <p:timing>
-    <p:tnLst>
-      <p:par>
-        <p:cTn xmlns:p14="http://schemas.microsoft.com/office/powerpoint/2010/main" id="1" dur="indefinite" restart="never" nodeType="tmRoot"/>
-      </p:par>
-    </p:tnLst>
-  </p:timing>
 </p:sld>
 </file>
 
@@ -12066,10 +11651,9 @@
           <a:lstStyle/>
           <a:p>
             <a:r>
-              <a:rPr lang="en-US" dirty="0" smtClean="0"/>
+              <a:rPr lang="en-US" dirty="0"/>
               <a:t>'Core R'</a:t>
             </a:r>
-            <a:endParaRPr lang="en-US" dirty="0"/>
           </a:p>
         </p:txBody>
       </p:sp>
@@ -12089,14 +11673,14 @@
           <a:lstStyle/>
           <a:p>
             <a:r>
-              <a:rPr lang="en-US" dirty="0" smtClean="0"/>
+              <a:rPr lang="en-US" dirty="0"/>
               <a:t>Some of what you might think of as "in R" is actually implemented in a 'base Priority' package</a:t>
             </a:r>
           </a:p>
           <a:p>
             <a:pPr lvl="1"/>
             <a:r>
-              <a:rPr lang="en-US" dirty="0" smtClean="0"/>
+              <a:rPr lang="en-US" dirty="0"/>
               <a:t>e.g. max  is in the base package:</a:t>
             </a:r>
           </a:p>
@@ -12105,7 +11689,7 @@
               <a:buNone/>
             </a:pPr>
             <a:r>
-              <a:rPr lang="en-US" sz="2000" dirty="0" smtClean="0">
+              <a:rPr lang="en-US" sz="2000" dirty="0">
                 <a:latin typeface="Courier New" pitchFamily="49" charset="0"/>
                 <a:cs typeface="Courier New" pitchFamily="49" charset="0"/>
               </a:rPr>
@@ -12117,7 +11701,7 @@
               <a:buNone/>
             </a:pPr>
             <a:r>
-              <a:rPr lang="en-US" sz="2000" dirty="0" smtClean="0">
+              <a:rPr lang="en-US" sz="2000" dirty="0">
                 <a:latin typeface="Courier New" pitchFamily="49" charset="0"/>
                 <a:cs typeface="Courier New" pitchFamily="49" charset="0"/>
               </a:rPr>
@@ -12127,14 +11711,13 @@
           <a:p>
             <a:pPr lvl="1"/>
             <a:r>
-              <a:rPr lang="en-US" dirty="0" err="1" smtClean="0"/>
+              <a:rPr lang="en-US" dirty="0" err="1"/>
               <a:t>t.test</a:t>
             </a:r>
             <a:r>
-              <a:rPr lang="en-US" dirty="0" smtClean="0"/>
+              <a:rPr lang="en-US" dirty="0"/>
               <a:t> is in the stats package</a:t>
             </a:r>
-            <a:endParaRPr lang="en-US" dirty="0"/>
           </a:p>
         </p:txBody>
       </p:sp>
@@ -12174,14 +11757,14 @@
           <a:effectLst/>
           <a:extLst>
             <a:ext uri="{909E8E84-426E-40dd-AFC4-6F175D3DCCD1}">
-              <a14:hiddenFill xmlns:a14="http://schemas.microsoft.com/office/drawing/2010/main">
+              <a14:hiddenFill xmlns:a14="http://schemas.microsoft.com/office/drawing/2010/main" xmlns="">
                 <a:solidFill>
                   <a:schemeClr val="accent1"/>
                 </a:solidFill>
               </a14:hiddenFill>
             </a:ext>
             <a:ext uri="{91240B29-F687-4f45-9708-019B960494DF}">
-              <a14:hiddenLine xmlns:a14="http://schemas.microsoft.com/office/drawing/2010/main" w="9525">
+              <a14:hiddenLine xmlns:a14="http://schemas.microsoft.com/office/drawing/2010/main" xmlns="" w="9525">
                 <a:solidFill>
                   <a:schemeClr val="tx1"/>
                 </a:solidFill>
@@ -12191,7 +11774,7 @@
               </a14:hiddenLine>
             </a:ext>
             <a:ext uri="{AF507438-7753-43e0-B8FC-AC1667EBCBE1}">
-              <a14:hiddenEffects xmlns:a14="http://schemas.microsoft.com/office/drawing/2010/main">
+              <a14:hiddenEffects xmlns:a14="http://schemas.microsoft.com/office/drawing/2010/main" xmlns="">
                 <a:effectLst>
                   <a:outerShdw dist="35921" dir="2700000" algn="ctr" rotWithShape="0">
                     <a:schemeClr val="bg2"/>
@@ -12235,13 +11818,6 @@
   <p:clrMapOvr>
     <a:masterClrMapping/>
   </p:clrMapOvr>
-  <p:timing>
-    <p:tnLst>
-      <p:par>
-        <p:cTn xmlns:p14="http://schemas.microsoft.com/office/powerpoint/2010/main" id="1" dur="indefinite" restart="never" nodeType="tmRoot"/>
-      </p:par>
-    </p:tnLst>
-  </p:timing>
 </p:sld>
 </file>
 
@@ -12278,10 +11854,9 @@
           <a:lstStyle/>
           <a:p>
             <a:r>
-              <a:rPr lang="en-US" dirty="0" smtClean="0"/>
+              <a:rPr lang="en-US" dirty="0"/>
               <a:t>'User-Defined' Packages</a:t>
             </a:r>
-            <a:endParaRPr lang="en-US" dirty="0"/>
           </a:p>
         </p:txBody>
       </p:sp>
@@ -12303,43 +11878,42 @@
           <a:lstStyle/>
           <a:p>
             <a:r>
-              <a:rPr lang="en-US" dirty="0" smtClean="0"/>
+              <a:rPr lang="en-US" dirty="0"/>
               <a:t>Base packages are maintained by the R core team</a:t>
             </a:r>
           </a:p>
           <a:p>
             <a:pPr lvl="1"/>
             <a:r>
-              <a:rPr lang="en-US" dirty="0" smtClean="0"/>
+              <a:rPr lang="en-US" dirty="0"/>
               <a:t>A set of people who probably get paid (maybe through grants) to make R better</a:t>
             </a:r>
           </a:p>
           <a:p>
             <a:pPr lvl="1"/>
             <a:r>
-              <a:rPr lang="en-US" dirty="0" smtClean="0"/>
+              <a:rPr lang="en-US" dirty="0"/>
               <a:t>What comes with your iPhone</a:t>
             </a:r>
-            <a:endParaRPr lang="en-US" dirty="0"/>
-          </a:p>
-          <a:p>
-            <a:r>
-              <a:rPr lang="en-US" dirty="0" smtClean="0"/>
+          </a:p>
+          <a:p>
+            <a:r>
+              <a:rPr lang="en-US" dirty="0"/>
               <a:t>User-defined packages provide more specific functionality</a:t>
             </a:r>
           </a:p>
           <a:p>
             <a:pPr lvl="1"/>
             <a:r>
-              <a:rPr lang="en-US" dirty="0" smtClean="0"/>
+              <a:rPr lang="en-US" dirty="0"/>
               <a:t>Like iPhone Apps, only without the rigorous </a:t>
             </a:r>
             <a:r>
-              <a:rPr lang="en-US" dirty="0" err="1" smtClean="0"/>
+              <a:rPr lang="en-US" dirty="0" err="1"/>
               <a:t>AppStore</a:t>
             </a:r>
             <a:r>
-              <a:rPr lang="en-US" dirty="0" smtClean="0"/>
+              <a:rPr lang="en-US" dirty="0"/>
               <a:t> validation process.</a:t>
             </a:r>
           </a:p>
@@ -12378,13 +11952,6 @@
   <p:clrMapOvr>
     <a:masterClrMapping/>
   </p:clrMapOvr>
-  <p:timing>
-    <p:tnLst>
-      <p:par>
-        <p:cTn xmlns:p14="http://schemas.microsoft.com/office/powerpoint/2010/main" id="1" dur="indefinite" restart="never" nodeType="tmRoot"/>
-      </p:par>
-    </p:tnLst>
-  </p:timing>
 </p:sld>
 </file>
 
@@ -12421,10 +11988,9 @@
           <a:lstStyle/>
           <a:p>
             <a:r>
-              <a:rPr lang="en-US" dirty="0" smtClean="0"/>
+              <a:rPr lang="en-US" dirty="0"/>
               <a:t>Some examples of packages</a:t>
             </a:r>
-            <a:endParaRPr lang="en-US" dirty="0"/>
           </a:p>
         </p:txBody>
       </p:sp>
@@ -12446,12 +12012,8 @@
           <a:lstStyle/>
           <a:p>
             <a:r>
-              <a:rPr lang="en-US" dirty="0" smtClean="0"/>
-              <a:t>to </a:t>
-            </a:r>
-            <a:r>
-              <a:rPr lang="en-US" dirty="0"/>
-              <a:t>accomplish specialized tasks</a:t>
+              <a:rPr lang="en-US" dirty="0"/>
+              <a:t>to accomplish specialized tasks</a:t>
             </a:r>
           </a:p>
           <a:p>
@@ -12466,13 +12028,8 @@
             </a:r>
             <a:r>
               <a:rPr lang="en-US" i="1" dirty="0"/>
-              <a:t> </a:t>
-            </a:r>
-            <a:r>
-              <a:rPr lang="en-US" i="1" dirty="0" smtClean="0"/>
-              <a:t>genetics</a:t>
-            </a:r>
-            <a:endParaRPr lang="en-US" i="1" dirty="0"/>
+              <a:t> genetics</a:t>
+            </a:r>
           </a:p>
           <a:p>
             <a:r>
@@ -12488,7 +12045,27 @@
             </a:r>
             <a:r>
               <a:rPr lang="en-US" i="1" dirty="0"/>
-              <a:t>, reshape, </a:t>
+              <a:t>, </a:t>
+            </a:r>
+            <a:r>
+              <a:rPr lang="en-US" i="1" dirty="0" err="1"/>
+              <a:t>dplyr</a:t>
+            </a:r>
+            <a:r>
+              <a:rPr lang="en-US" i="1" dirty="0"/>
+              <a:t>, </a:t>
+            </a:r>
+            <a:r>
+              <a:rPr lang="en-US" i="1" dirty="0" err="1"/>
+              <a:t>tidyverse</a:t>
+            </a:r>
+            <a:r>
+              <a:rPr lang="en-US" i="1"/>
+              <a:t>, reshape</a:t>
+            </a:r>
+            <a:r>
+              <a:rPr lang="en-US" i="1" dirty="0"/>
+              <a:t>, </a:t>
             </a:r>
             <a:r>
               <a:rPr lang="en-US" i="1" dirty="0" err="1"/>
@@ -12505,7 +12082,7 @@
           <a:p>
             <a:pPr lvl="1"/>
             <a:r>
-              <a:rPr lang="en-US" i="1" dirty="0" smtClean="0"/>
+              <a:rPr lang="en-US" i="1" dirty="0"/>
               <a:t>CAR, </a:t>
             </a:r>
             <a:r>
@@ -12517,21 +12094,17 @@
           <a:p>
             <a:r>
               <a:rPr lang="en-US" dirty="0"/>
-              <a:t>to extend R's </a:t>
-            </a:r>
-            <a:r>
-              <a:rPr lang="en-US" dirty="0" smtClean="0"/>
-              <a:t>capabilities to new methods</a:t>
+              <a:t>to extend R's capabilities to new methods</a:t>
             </a:r>
           </a:p>
           <a:p>
             <a:pPr lvl="1"/>
             <a:r>
-              <a:rPr lang="en-US" i="1" dirty="0" smtClean="0"/>
+              <a:rPr lang="en-US" i="1" dirty="0"/>
               <a:t>ggplot2, </a:t>
             </a:r>
             <a:r>
-              <a:rPr lang="en-US" i="1" dirty="0" err="1" smtClean="0"/>
+              <a:rPr lang="en-US" i="1" dirty="0" err="1"/>
               <a:t>sp</a:t>
             </a:r>
             <a:r>
@@ -12543,11 +12116,11 @@
               <a:t>maptools</a:t>
             </a:r>
             <a:r>
-              <a:rPr lang="en-US" i="1" dirty="0" smtClean="0"/>
+              <a:rPr lang="en-US" i="1" dirty="0"/>
               <a:t>, survey, </a:t>
             </a:r>
             <a:r>
-              <a:rPr lang="en-US" i="1" dirty="0" err="1" smtClean="0"/>
+              <a:rPr lang="en-US" i="1" dirty="0" err="1"/>
               <a:t>mitools</a:t>
             </a:r>
             <a:endParaRPr lang="en-US" i="1" dirty="0"/>
@@ -12563,14 +12136,6 @@
             <a:r>
               <a:rPr lang="en-US" i="1" dirty="0" err="1"/>
               <a:t>epitools</a:t>
-            </a:r>
-            <a:r>
-              <a:rPr lang="en-US" i="1" dirty="0"/>
-              <a:t>, </a:t>
-            </a:r>
-            <a:r>
-              <a:rPr lang="en-US" i="1" dirty="0" err="1"/>
-              <a:t>epicalc</a:t>
             </a:r>
             <a:r>
               <a:rPr lang="en-US" i="1" dirty="0"/>
@@ -12623,14 +12188,14 @@
           <a:effectLst/>
           <a:extLst>
             <a:ext uri="{909E8E84-426E-40dd-AFC4-6F175D3DCCD1}">
-              <a14:hiddenFill xmlns:a14="http://schemas.microsoft.com/office/drawing/2010/main">
+              <a14:hiddenFill xmlns:a14="http://schemas.microsoft.com/office/drawing/2010/main" xmlns="">
                 <a:solidFill>
                   <a:schemeClr val="accent1"/>
                 </a:solidFill>
               </a14:hiddenFill>
             </a:ext>
             <a:ext uri="{91240B29-F687-4f45-9708-019B960494DF}">
-              <a14:hiddenLine xmlns:a14="http://schemas.microsoft.com/office/drawing/2010/main" w="9525">
+              <a14:hiddenLine xmlns:a14="http://schemas.microsoft.com/office/drawing/2010/main" xmlns="" w="9525">
                 <a:solidFill>
                   <a:schemeClr val="tx1"/>
                 </a:solidFill>
@@ -12640,7 +12205,7 @@
               </a14:hiddenLine>
             </a:ext>
             <a:ext uri="{AF507438-7753-43e0-B8FC-AC1667EBCBE1}">
-              <a14:hiddenEffects xmlns:a14="http://schemas.microsoft.com/office/drawing/2010/main">
+              <a14:hiddenEffects xmlns:a14="http://schemas.microsoft.com/office/drawing/2010/main" xmlns="">
                 <a:effectLst>
                   <a:outerShdw dist="35921" dir="2700000" algn="ctr" rotWithShape="0">
                     <a:schemeClr val="bg2"/>
@@ -12684,13 +12249,6 @@
   <p:clrMapOvr>
     <a:masterClrMapping/>
   </p:clrMapOvr>
-  <p:timing>
-    <p:tnLst>
-      <p:par>
-        <p:cTn xmlns:p14="http://schemas.microsoft.com/office/powerpoint/2010/main" id="1" dur="indefinite" restart="never" nodeType="tmRoot"/>
-      </p:par>
-    </p:tnLst>
-  </p:timing>
 </p:sld>
 </file>
 
@@ -12727,10 +12285,9 @@
           <a:lstStyle/>
           <a:p>
             <a:r>
-              <a:rPr lang="en-US" dirty="0" smtClean="0"/>
+              <a:rPr lang="en-US" dirty="0"/>
               <a:t>Working with packages</a:t>
             </a:r>
-            <a:endParaRPr lang="en-US" dirty="0"/>
           </a:p>
         </p:txBody>
       </p:sp>
@@ -12757,69 +12314,69 @@
           <a:lstStyle/>
           <a:p>
             <a:r>
-              <a:rPr lang="en-US" dirty="0" smtClean="0"/>
+              <a:rPr lang="en-US" dirty="0"/>
               <a:t>library() lists packages</a:t>
             </a:r>
           </a:p>
           <a:p>
             <a:pPr lvl="1"/>
             <a:r>
-              <a:rPr lang="en-US" dirty="0" smtClean="0"/>
+              <a:rPr lang="en-US" dirty="0"/>
               <a:t>Like browsing through your iPhone apps</a:t>
             </a:r>
           </a:p>
           <a:p>
             <a:r>
-              <a:rPr lang="en-US" dirty="0" err="1" smtClean="0"/>
+              <a:rPr lang="en-US" dirty="0" err="1"/>
               <a:t>install.packages</a:t>
             </a:r>
             <a:r>
-              <a:rPr lang="en-US" dirty="0" smtClean="0"/>
+              <a:rPr lang="en-US" dirty="0"/>
               <a:t>("package-name") gets the code from CRAN and copies it to your R library</a:t>
             </a:r>
           </a:p>
           <a:p>
             <a:pPr lvl="1"/>
             <a:r>
-              <a:rPr lang="en-US" dirty="0" smtClean="0"/>
+              <a:rPr lang="en-US" dirty="0"/>
               <a:t>Like installing from the App Store</a:t>
             </a:r>
           </a:p>
           <a:p>
             <a:r>
-              <a:rPr lang="en-US" dirty="0" smtClean="0"/>
+              <a:rPr lang="en-US" dirty="0"/>
               <a:t>library(package) loads the package for this session</a:t>
             </a:r>
           </a:p>
           <a:p>
             <a:pPr lvl="1"/>
             <a:r>
-              <a:rPr lang="en-US" dirty="0" smtClean="0"/>
+              <a:rPr lang="en-US" dirty="0"/>
               <a:t>Like running an app</a:t>
             </a:r>
           </a:p>
           <a:p>
             <a:pPr lvl="1"/>
             <a:r>
-              <a:rPr lang="en-US" dirty="0" smtClean="0"/>
+              <a:rPr lang="en-US" dirty="0"/>
               <a:t>Note: checking the checkbox next to a library on </a:t>
             </a:r>
             <a:r>
-              <a:rPr lang="en-US" dirty="0" err="1" smtClean="0"/>
+              <a:rPr lang="en-US" dirty="0" err="1"/>
               <a:t>RStudio</a:t>
             </a:r>
             <a:r>
-              <a:rPr lang="en-US" smtClean="0"/>
+              <a:rPr lang="en-US"/>
               <a:t> runs </a:t>
             </a:r>
             <a:r>
-              <a:rPr lang="en-US" dirty="0" smtClean="0"/>
+              <a:rPr lang="en-US" dirty="0"/>
               <a:t>library(package) in the console</a:t>
             </a:r>
           </a:p>
           <a:p>
             <a:pPr lvl="1"/>
-            <a:endParaRPr lang="en-US" dirty="0" smtClean="0"/>
+            <a:endParaRPr lang="en-US" dirty="0"/>
           </a:p>
           <a:p>
             <a:endParaRPr lang="en-US" dirty="0"/>
@@ -12859,13 +12416,6 @@
   <p:clrMapOvr>
     <a:masterClrMapping/>
   </p:clrMapOvr>
-  <p:timing>
-    <p:tnLst>
-      <p:par>
-        <p:cTn xmlns:p14="http://schemas.microsoft.com/office/powerpoint/2010/main" id="1" dur="indefinite" restart="never" nodeType="tmRoot"/>
-      </p:par>
-    </p:tnLst>
-  </p:timing>
 </p:sld>
 </file>
 
@@ -12902,10 +12452,9 @@
           <a:lstStyle/>
           <a:p>
             <a:r>
-              <a:rPr lang="en-US" dirty="0" smtClean="0"/>
+              <a:rPr lang="en-US" dirty="0"/>
               <a:t>The library call</a:t>
             </a:r>
-            <a:endParaRPr lang="en-US" dirty="0"/>
           </a:p>
         </p:txBody>
       </p:sp>
@@ -12932,7 +12481,7 @@
           <a:lstStyle/>
           <a:p>
             <a:r>
-              <a:rPr lang="en-US" dirty="0" smtClean="0"/>
+              <a:rPr lang="en-US" dirty="0"/>
               <a:t>Once a package is loaded, functions become available</a:t>
             </a:r>
           </a:p>
@@ -12941,14 +12490,14 @@
               <a:buNone/>
             </a:pPr>
             <a:r>
-              <a:rPr lang="en-US" sz="1800" dirty="0" smtClean="0">
+              <a:rPr lang="en-US" sz="1800" dirty="0">
                 <a:latin typeface="Courier New" pitchFamily="49" charset="0"/>
                 <a:cs typeface="Courier New" pitchFamily="49" charset="0"/>
               </a:rPr>
               <a:t>births &lt;- </a:t>
             </a:r>
             <a:r>
-              <a:rPr lang="en-US" sz="1800" dirty="0" err="1" smtClean="0">
+              <a:rPr lang="en-US" sz="1800" dirty="0" err="1">
                 <a:latin typeface="Courier New" pitchFamily="49" charset="0"/>
                 <a:cs typeface="Courier New" pitchFamily="49" charset="0"/>
               </a:rPr>
@@ -12959,110 +12508,9 @@
                 <a:latin typeface="Courier New" pitchFamily="49" charset="0"/>
                 <a:cs typeface="Courier New" pitchFamily="49" charset="0"/>
               </a:rPr>
-              <a:t>(</a:t>
-            </a:r>
-            <a:r>
-              <a:rPr lang="en-US" sz="1800" dirty="0" smtClean="0">
-                <a:latin typeface="Courier New" pitchFamily="49" charset="0"/>
-                <a:cs typeface="Courier New" pitchFamily="49" charset="0"/>
-              </a:rPr>
-              <a:t>'http</a:t>
-            </a:r>
-            <a:r>
-              <a:rPr lang="en-US" sz="1800" dirty="0">
-                <a:latin typeface="Courier New" pitchFamily="49" charset="0"/>
-                <a:cs typeface="Courier New" pitchFamily="49" charset="0"/>
-              </a:rPr>
-              <a:t>://www.columbia.edu/~</a:t>
-            </a:r>
-            <a:r>
-              <a:rPr lang="en-US" sz="1800" dirty="0" smtClean="0">
-                <a:latin typeface="Courier New" pitchFamily="49" charset="0"/>
-                <a:cs typeface="Courier New" pitchFamily="49" charset="0"/>
-              </a:rPr>
-              <a:t>sjm2186/P9489/births.dta')</a:t>
-            </a:r>
-            <a:endParaRPr lang="en-US" sz="1800" dirty="0" smtClean="0"/>
-          </a:p>
-          <a:p>
-            <a:pPr marL="0" indent="0">
-              <a:buNone/>
-            </a:pPr>
-            <a:endParaRPr lang="en-US" sz="1800" dirty="0" smtClean="0">
-              <a:latin typeface="Courier New" pitchFamily="49" charset="0"/>
-              <a:cs typeface="Courier New" pitchFamily="49" charset="0"/>
-            </a:endParaRPr>
-          </a:p>
-          <a:p>
-            <a:pPr marL="0" indent="0">
-              <a:buNone/>
-            </a:pPr>
-            <a:r>
-              <a:rPr lang="en-US" sz="1800" dirty="0" smtClean="0">
-                <a:latin typeface="Courier New" pitchFamily="49" charset="0"/>
-                <a:cs typeface="Courier New" pitchFamily="49" charset="0"/>
-              </a:rPr>
-              <a:t>library(foreign)</a:t>
-            </a:r>
-          </a:p>
-          <a:p>
-            <a:pPr marL="0" indent="0">
-              <a:buNone/>
-            </a:pPr>
-            <a:r>
-              <a:rPr lang="en-US" sz="1800" dirty="0" smtClean="0">
-                <a:latin typeface="Courier New" pitchFamily="49" charset="0"/>
-                <a:cs typeface="Courier New" pitchFamily="49" charset="0"/>
-              </a:rPr>
-              <a:t>births </a:t>
-            </a:r>
-            <a:r>
-              <a:rPr lang="en-US" sz="1800" dirty="0">
-                <a:latin typeface="Courier New" pitchFamily="49" charset="0"/>
-                <a:cs typeface="Courier New" pitchFamily="49" charset="0"/>
-              </a:rPr>
-              <a:t>&lt;-</a:t>
-            </a:r>
-          </a:p>
-          <a:p>
-            <a:pPr marL="0" indent="0">
-              <a:buNone/>
-            </a:pPr>
-            <a:r>
-              <a:rPr lang="en-US" sz="1800" dirty="0" err="1">
-                <a:latin typeface="Courier New" pitchFamily="49" charset="0"/>
-                <a:cs typeface="Courier New" pitchFamily="49" charset="0"/>
-              </a:rPr>
-              <a:t>read.dta</a:t>
-            </a:r>
-            <a:r>
-              <a:rPr lang="en-US" sz="1800" dirty="0">
-                <a:latin typeface="Courier New" pitchFamily="49" charset="0"/>
-                <a:cs typeface="Courier New" pitchFamily="49" charset="0"/>
-              </a:rPr>
-              <a:t>('http://www.columbia.edu/~</a:t>
-            </a:r>
-            <a:r>
-              <a:rPr lang="en-US" sz="1800" dirty="0" smtClean="0">
-                <a:latin typeface="Courier New" pitchFamily="49" charset="0"/>
-                <a:cs typeface="Courier New" pitchFamily="49" charset="0"/>
-              </a:rPr>
-              <a:t>sjm2186/</a:t>
-            </a:r>
-            <a:r>
-              <a:rPr lang="en-US" sz="1800" dirty="0">
-                <a:latin typeface="Courier New" pitchFamily="49" charset="0"/>
-                <a:cs typeface="Courier New" pitchFamily="49" charset="0"/>
-              </a:rPr>
-              <a:t>P9489</a:t>
-            </a:r>
-            <a:r>
-              <a:rPr lang="en-US" sz="1800" dirty="0" smtClean="0">
-                <a:latin typeface="Courier New" pitchFamily="49" charset="0"/>
-                <a:cs typeface="Courier New" pitchFamily="49" charset="0"/>
-              </a:rPr>
-              <a:t>/births.dta')</a:t>
-            </a:r>
+              <a:t>('http://www.columbia.edu/~sjm2186/P9489/births.dta')</a:t>
+            </a:r>
+            <a:endParaRPr lang="en-US" sz="1800" dirty="0"/>
           </a:p>
           <a:p>
             <a:pPr marL="0" indent="0">
@@ -13077,23 +12525,74 @@
             <a:pPr marL="0" indent="0">
               <a:buNone/>
             </a:pPr>
-            <a:endParaRPr lang="en-US" sz="1800" dirty="0" smtClean="0">
+            <a:r>
+              <a:rPr lang="en-US" sz="1800" dirty="0">
+                <a:latin typeface="Courier New" pitchFamily="49" charset="0"/>
+                <a:cs typeface="Courier New" pitchFamily="49" charset="0"/>
+              </a:rPr>
+              <a:t>library(foreign)</a:t>
+            </a:r>
+          </a:p>
+          <a:p>
+            <a:pPr marL="0" indent="0">
+              <a:buNone/>
+            </a:pPr>
+            <a:r>
+              <a:rPr lang="en-US" sz="1800" dirty="0">
+                <a:latin typeface="Courier New" pitchFamily="49" charset="0"/>
+                <a:cs typeface="Courier New" pitchFamily="49" charset="0"/>
+              </a:rPr>
+              <a:t>births &lt;-</a:t>
+            </a:r>
+          </a:p>
+          <a:p>
+            <a:pPr marL="0" indent="0">
+              <a:buNone/>
+            </a:pPr>
+            <a:r>
+              <a:rPr lang="en-US" sz="1800" dirty="0" err="1">
+                <a:latin typeface="Courier New" pitchFamily="49" charset="0"/>
+                <a:cs typeface="Courier New" pitchFamily="49" charset="0"/>
+              </a:rPr>
+              <a:t>read.dta</a:t>
+            </a:r>
+            <a:r>
+              <a:rPr lang="en-US" sz="1800" dirty="0">
+                <a:latin typeface="Courier New" pitchFamily="49" charset="0"/>
+                <a:cs typeface="Courier New" pitchFamily="49" charset="0"/>
+              </a:rPr>
+              <a:t>('http://www.columbia.edu/~sjm2186/P9489/births.dta')</a:t>
+            </a:r>
+          </a:p>
+          <a:p>
+            <a:pPr marL="0" indent="0">
+              <a:buNone/>
+            </a:pPr>
+            <a:endParaRPr lang="en-US" sz="1800" dirty="0">
               <a:latin typeface="Courier New" pitchFamily="49" charset="0"/>
               <a:cs typeface="Courier New" pitchFamily="49" charset="0"/>
             </a:endParaRPr>
           </a:p>
           <a:p>
-            <a:r>
-              <a:rPr lang="en-US" dirty="0" smtClean="0"/>
+            <a:pPr marL="0" indent="0">
+              <a:buNone/>
+            </a:pPr>
+            <a:endParaRPr lang="en-US" sz="1800" dirty="0">
+              <a:latin typeface="Courier New" pitchFamily="49" charset="0"/>
+              <a:cs typeface="Courier New" pitchFamily="49" charset="0"/>
+            </a:endParaRPr>
+          </a:p>
+          <a:p>
+            <a:r>
+              <a:rPr lang="en-US" dirty="0"/>
               <a:t>Some packages also make datasets available for load using data() as well</a:t>
             </a:r>
           </a:p>
           <a:p>
             <a:r>
-              <a:rPr lang="en-US" dirty="0" smtClean="0"/>
+              <a:rPr lang="en-US" dirty="0"/>
               <a:t>I find it easiest to put my library calls at the top of my code, so all libraries load when I start</a:t>
             </a:r>
-            <a:endParaRPr lang="en-US" dirty="0"/>
           </a:p>
           <a:p>
             <a:pPr marL="0" indent="0">
@@ -13139,13 +12638,6 @@
   <p:clrMapOvr>
     <a:masterClrMapping/>
   </p:clrMapOvr>
-  <p:timing>
-    <p:tnLst>
-      <p:par>
-        <p:cTn xmlns:p14="http://schemas.microsoft.com/office/powerpoint/2010/main" id="1" dur="indefinite" restart="never" nodeType="tmRoot"/>
-      </p:par>
-    </p:tnLst>
-  </p:timing>
 </p:sld>
 </file>
 
@@ -13182,7 +12674,7 @@
           <a:lstStyle/>
           <a:p>
             <a:r>
-              <a:rPr lang="en-US" dirty="0" err="1" smtClean="0"/>
+              <a:rPr lang="en-US" dirty="0" err="1"/>
               <a:t>read.table</a:t>
             </a:r>
             <a:endParaRPr lang="en-US" dirty="0"/>
@@ -13212,67 +12704,62 @@
           <a:lstStyle/>
           <a:p>
             <a:r>
-              <a:rPr lang="en-US" dirty="0" smtClean="0"/>
+              <a:rPr lang="en-US" dirty="0"/>
               <a:t>Most read functions are variations on </a:t>
             </a:r>
             <a:r>
-              <a:rPr lang="en-US" dirty="0" err="1" smtClean="0"/>
+              <a:rPr lang="en-US" dirty="0" err="1"/>
               <a:t>read.table</a:t>
             </a:r>
-            <a:endParaRPr lang="en-US" dirty="0" smtClean="0"/>
-          </a:p>
-          <a:p>
-            <a:endParaRPr lang="en-US" dirty="0" smtClean="0"/>
-          </a:p>
-          <a:p>
-            <a:r>
-              <a:rPr lang="en-US" dirty="0" smtClean="0"/>
+            <a:endParaRPr lang="en-US" dirty="0"/>
+          </a:p>
+          <a:p>
+            <a:endParaRPr lang="en-US" dirty="0"/>
+          </a:p>
+          <a:p>
+            <a:r>
+              <a:rPr lang="en-US" dirty="0"/>
               <a:t>Some important parameters to </a:t>
             </a:r>
             <a:r>
-              <a:rPr lang="en-US" dirty="0" err="1" smtClean="0"/>
+              <a:rPr lang="en-US" dirty="0" err="1"/>
               <a:t>read.table</a:t>
             </a:r>
             <a:r>
-              <a:rPr lang="en-US" dirty="0" smtClean="0"/>
+              <a:rPr lang="en-US" dirty="0"/>
               <a:t>:</a:t>
             </a:r>
           </a:p>
           <a:p>
             <a:pPr lvl="1"/>
             <a:r>
-              <a:rPr lang="en-US" dirty="0" smtClean="0"/>
+              <a:rPr lang="en-US" dirty="0"/>
               <a:t>file=  file name or URL </a:t>
             </a:r>
           </a:p>
           <a:p>
             <a:pPr lvl="2"/>
             <a:r>
-              <a:rPr lang="en-US" dirty="0" smtClean="0"/>
+              <a:rPr lang="en-US" dirty="0"/>
               <a:t>Use double backslashes in Windows filenames</a:t>
             </a:r>
-            <a:endParaRPr lang="en-US" dirty="0"/>
           </a:p>
           <a:p>
             <a:pPr lvl="1"/>
             <a:r>
-              <a:rPr lang="en-US" dirty="0" smtClean="0"/>
+              <a:rPr lang="en-US" dirty="0"/>
               <a:t>header=TRUE: first row is column names</a:t>
             </a:r>
           </a:p>
           <a:p>
             <a:pPr lvl="1"/>
             <a:r>
-              <a:rPr lang="en-US" dirty="0" err="1" smtClean="0"/>
+              <a:rPr lang="en-US" dirty="0" err="1"/>
               <a:t>stringsAsFactors</a:t>
             </a:r>
             <a:r>
-              <a:rPr lang="en-US" dirty="0" smtClean="0"/>
-              <a:t>=FALSE: turn off auto-convert </a:t>
-            </a:r>
-            <a:r>
-              <a:rPr lang="en-US" dirty="0"/>
-              <a:t>strings to factors</a:t>
+              <a:rPr lang="en-US" dirty="0"/>
+              <a:t>=FALSE: turn off auto-convert strings to factors</a:t>
             </a:r>
           </a:p>
           <a:p>
@@ -13313,13 +12800,6 @@
   <p:clrMapOvr>
     <a:masterClrMapping/>
   </p:clrMapOvr>
-  <p:timing>
-    <p:tnLst>
-      <p:par>
-        <p:cTn xmlns:p14="http://schemas.microsoft.com/office/powerpoint/2010/main" id="1" dur="indefinite" restart="never" nodeType="tmRoot"/>
-      </p:par>
-    </p:tnLst>
-  </p:timing>
 </p:sld>
 </file>
 
@@ -13356,10 +12836,9 @@
           <a:lstStyle/>
           <a:p>
             <a:r>
-              <a:rPr lang="en-US" dirty="0" smtClean="0"/>
+              <a:rPr lang="en-US" dirty="0"/>
               <a:t>Keeping your packages up to date</a:t>
             </a:r>
-            <a:endParaRPr lang="en-US" dirty="0"/>
           </a:p>
         </p:txBody>
       </p:sp>
@@ -13384,28 +12863,27 @@
           <a:lstStyle/>
           <a:p>
             <a:r>
-              <a:rPr lang="en-US" dirty="0" err="1" smtClean="0"/>
+              <a:rPr lang="en-US" dirty="0" err="1"/>
               <a:t>update.packages</a:t>
             </a:r>
             <a:r>
-              <a:rPr lang="en-US" dirty="0" smtClean="0"/>
+              <a:rPr lang="en-US" dirty="0"/>
               <a:t>() updates all packages</a:t>
             </a:r>
           </a:p>
           <a:p>
             <a:pPr lvl="1"/>
             <a:r>
-              <a:rPr lang="en-US" dirty="0" smtClean="0"/>
+              <a:rPr lang="en-US" dirty="0"/>
               <a:t>This is usually a good thing</a:t>
             </a:r>
           </a:p>
           <a:p>
             <a:pPr lvl="1"/>
             <a:r>
-              <a:rPr lang="en-US" dirty="0" smtClean="0"/>
+              <a:rPr lang="en-US" dirty="0"/>
               <a:t>But you want to do it at strategic time points – it usually shouldn't break anything, but you never know </a:t>
             </a:r>
-            <a:endParaRPr lang="en-US" dirty="0"/>
           </a:p>
           <a:p>
             <a:pPr lvl="1"/>
@@ -13449,14 +12927,14 @@
           <a:effectLst/>
           <a:extLst>
             <a:ext uri="{909E8E84-426E-40dd-AFC4-6F175D3DCCD1}">
-              <a14:hiddenFill xmlns:a14="http://schemas.microsoft.com/office/drawing/2010/main">
+              <a14:hiddenFill xmlns:a14="http://schemas.microsoft.com/office/drawing/2010/main" xmlns="">
                 <a:solidFill>
                   <a:schemeClr val="accent1"/>
                 </a:solidFill>
               </a14:hiddenFill>
             </a:ext>
             <a:ext uri="{91240B29-F687-4f45-9708-019B960494DF}">
-              <a14:hiddenLine xmlns:a14="http://schemas.microsoft.com/office/drawing/2010/main" w="9525">
+              <a14:hiddenLine xmlns:a14="http://schemas.microsoft.com/office/drawing/2010/main" xmlns="" w="9525">
                 <a:solidFill>
                   <a:schemeClr val="tx1"/>
                 </a:solidFill>
@@ -13466,7 +12944,7 @@
               </a14:hiddenLine>
             </a:ext>
             <a:ext uri="{AF507438-7753-43e0-B8FC-AC1667EBCBE1}">
-              <a14:hiddenEffects xmlns:a14="http://schemas.microsoft.com/office/drawing/2010/main">
+              <a14:hiddenEffects xmlns:a14="http://schemas.microsoft.com/office/drawing/2010/main" xmlns="">
                 <a:effectLst>
                   <a:outerShdw dist="35921" dir="2700000" algn="ctr" rotWithShape="0">
                     <a:schemeClr val="bg2"/>
@@ -13510,13 +12988,6 @@
   <p:clrMapOvr>
     <a:masterClrMapping/>
   </p:clrMapOvr>
-  <p:timing>
-    <p:tnLst>
-      <p:par>
-        <p:cTn xmlns:p14="http://schemas.microsoft.com/office/powerpoint/2010/main" id="1" dur="indefinite" restart="never" nodeType="tmRoot"/>
-      </p:par>
-    </p:tnLst>
-  </p:timing>
 </p:sld>
 </file>
 
@@ -13555,17 +13026,16 @@
           <a:lstStyle/>
           <a:p>
             <a:r>
-              <a:rPr lang="en-US" dirty="0" smtClean="0"/>
+              <a:rPr lang="en-US" dirty="0"/>
               <a:t>Aside: </a:t>
             </a:r>
             <a:br>
-              <a:rPr lang="en-US" dirty="0" smtClean="0"/>
+              <a:rPr lang="en-US" dirty="0"/>
             </a:br>
             <a:r>
-              <a:rPr lang="en-US" dirty="0" smtClean="0"/>
+              <a:rPr lang="en-US" dirty="0"/>
               <a:t>Contributing to a package</a:t>
             </a:r>
-            <a:endParaRPr lang="en-US" dirty="0"/>
           </a:p>
         </p:txBody>
       </p:sp>
@@ -13592,7 +13062,7 @@
           <a:lstStyle/>
           <a:p>
             <a:r>
-              <a:rPr lang="en-US" dirty="0" smtClean="0"/>
+              <a:rPr lang="en-US" dirty="0"/>
               <a:t>It doesn't happen often, but sometimes you find a problem with a package</a:t>
             </a:r>
           </a:p>
@@ -13600,27 +13070,27 @@
             <a:pPr marL="0" indent="0">
               <a:buNone/>
             </a:pPr>
-            <a:endParaRPr lang="en-US" dirty="0" smtClean="0"/>
-          </a:p>
-          <a:p>
-            <a:r>
-              <a:rPr lang="en-US" dirty="0" smtClean="0"/>
+            <a:endParaRPr lang="en-US" dirty="0"/>
+          </a:p>
+          <a:p>
+            <a:r>
+              <a:rPr lang="en-US" dirty="0"/>
               <a:t>e.g. </a:t>
             </a:r>
             <a:r>
-              <a:rPr lang="en-US" dirty="0" err="1" smtClean="0"/>
+              <a:rPr lang="en-US" dirty="0" err="1"/>
               <a:t>mitools</a:t>
             </a:r>
             <a:r>
-              <a:rPr lang="en-US" dirty="0" smtClean="0"/>
+              <a:rPr lang="en-US" dirty="0"/>
               <a:t> + </a:t>
             </a:r>
             <a:r>
-              <a:rPr lang="en-US" dirty="0" err="1" smtClean="0"/>
+              <a:rPr lang="en-US" dirty="0" err="1"/>
               <a:t>nnet</a:t>
             </a:r>
             <a:r>
-              <a:rPr lang="en-US" dirty="0" smtClean="0"/>
+              <a:rPr lang="en-US" dirty="0"/>
               <a:t> for multinomial regression</a:t>
             </a:r>
           </a:p>
@@ -13629,10 +13099,9 @@
           </a:p>
           <a:p>
             <a:r>
-              <a:rPr lang="en-US" dirty="0" smtClean="0"/>
+              <a:rPr lang="en-US" dirty="0"/>
               <a:t>If you can fix the code, submit it back! – even if your fix is ugly, it gives the person who wrote the package a head-start on fixing the issue.</a:t>
             </a:r>
-            <a:endParaRPr lang="en-US" dirty="0"/>
           </a:p>
         </p:txBody>
       </p:sp>
@@ -13672,14 +13141,14 @@
           <a:effectLst/>
           <a:extLst>
             <a:ext uri="{909E8E84-426E-40dd-AFC4-6F175D3DCCD1}">
-              <a14:hiddenFill xmlns:a14="http://schemas.microsoft.com/office/drawing/2010/main">
+              <a14:hiddenFill xmlns:a14="http://schemas.microsoft.com/office/drawing/2010/main" xmlns="">
                 <a:solidFill>
                   <a:schemeClr val="accent1"/>
                 </a:solidFill>
               </a14:hiddenFill>
             </a:ext>
             <a:ext uri="{91240B29-F687-4f45-9708-019B960494DF}">
-              <a14:hiddenLine xmlns:a14="http://schemas.microsoft.com/office/drawing/2010/main" w="9525">
+              <a14:hiddenLine xmlns:a14="http://schemas.microsoft.com/office/drawing/2010/main" xmlns="" w="9525">
                 <a:solidFill>
                   <a:schemeClr val="tx1"/>
                 </a:solidFill>
@@ -13689,7 +13158,7 @@
               </a14:hiddenLine>
             </a:ext>
             <a:ext uri="{AF507438-7753-43e0-B8FC-AC1667EBCBE1}">
-              <a14:hiddenEffects xmlns:a14="http://schemas.microsoft.com/office/drawing/2010/main">
+              <a14:hiddenEffects xmlns:a14="http://schemas.microsoft.com/office/drawing/2010/main" xmlns="">
                 <a:effectLst>
                   <a:outerShdw dist="35921" dir="2700000" algn="ctr" rotWithShape="0">
                     <a:schemeClr val="bg2"/>
@@ -13733,13 +13202,6 @@
   <p:clrMapOvr>
     <a:masterClrMapping/>
   </p:clrMapOvr>
-  <p:timing>
-    <p:tnLst>
-      <p:par>
-        <p:cTn xmlns:p14="http://schemas.microsoft.com/office/powerpoint/2010/main" id="1" dur="indefinite" restart="never" nodeType="tmRoot"/>
-      </p:par>
-    </p:tnLst>
-  </p:timing>
 </p:sld>
 </file>
 
@@ -13776,10 +13238,9 @@
           <a:lstStyle/>
           <a:p>
             <a:r>
-              <a:rPr lang="en-US" dirty="0" smtClean="0"/>
+              <a:rPr lang="en-US" dirty="0"/>
               <a:t>Challenge</a:t>
             </a:r>
-            <a:endParaRPr lang="en-US" dirty="0"/>
           </a:p>
         </p:txBody>
       </p:sp>
@@ -13806,57 +13267,56 @@
           <a:lstStyle/>
           <a:p>
             <a:r>
-              <a:rPr lang="en-US" dirty="0" smtClean="0"/>
+              <a:rPr lang="en-US" dirty="0"/>
               <a:t>Load the '</a:t>
             </a:r>
             <a:r>
-              <a:rPr lang="en-US" dirty="0" err="1" smtClean="0"/>
+              <a:rPr lang="en-US" dirty="0" err="1"/>
               <a:t>epitools</a:t>
             </a:r>
             <a:r>
-              <a:rPr lang="en-US" dirty="0" smtClean="0"/>
+              <a:rPr lang="en-US" dirty="0"/>
               <a:t>' package, load the </a:t>
             </a:r>
             <a:r>
-              <a:rPr lang="en-US" dirty="0" err="1" smtClean="0"/>
+              <a:rPr lang="en-US" dirty="0" err="1"/>
               <a:t>oswego</a:t>
             </a:r>
             <a:r>
-              <a:rPr lang="en-US" dirty="0" smtClean="0"/>
+              <a:rPr lang="en-US" dirty="0"/>
               <a:t> dataset that's built into </a:t>
             </a:r>
             <a:r>
-              <a:rPr lang="en-US" dirty="0" err="1" smtClean="0"/>
+              <a:rPr lang="en-US" dirty="0" err="1"/>
               <a:t>epitools</a:t>
             </a:r>
             <a:r>
-              <a:rPr lang="en-US" dirty="0" smtClean="0"/>
+              <a:rPr lang="en-US" dirty="0"/>
               <a:t>, and compute the odds ratio for ill, conditional on consuming coffee </a:t>
             </a:r>
           </a:p>
           <a:p>
             <a:pPr lvl="1"/>
             <a:r>
-              <a:rPr lang="en-US" dirty="0" smtClean="0"/>
+              <a:rPr lang="en-US" dirty="0"/>
               <a:t>(hint: if you get stuck, try ?</a:t>
             </a:r>
             <a:r>
-              <a:rPr lang="en-US" dirty="0" err="1" smtClean="0"/>
+              <a:rPr lang="en-US" dirty="0" err="1"/>
               <a:t>epitab</a:t>
             </a:r>
             <a:r>
-              <a:rPr lang="en-US" dirty="0" smtClean="0"/>
+              <a:rPr lang="en-US" dirty="0"/>
               <a:t> after you've loaded </a:t>
             </a:r>
             <a:r>
-              <a:rPr lang="en-US" dirty="0" err="1" smtClean="0"/>
+              <a:rPr lang="en-US" dirty="0" err="1"/>
               <a:t>epitools</a:t>
             </a:r>
             <a:r>
-              <a:rPr lang="en-US" dirty="0" smtClean="0"/>
+              <a:rPr lang="en-US" dirty="0"/>
               <a:t>)</a:t>
             </a:r>
-            <a:endParaRPr lang="en-US" dirty="0"/>
           </a:p>
         </p:txBody>
       </p:sp>
@@ -13896,14 +13356,14 @@
           <a:effectLst/>
           <a:extLst>
             <a:ext uri="{909E8E84-426E-40dd-AFC4-6F175D3DCCD1}">
-              <a14:hiddenFill xmlns:a14="http://schemas.microsoft.com/office/drawing/2010/main">
+              <a14:hiddenFill xmlns:a14="http://schemas.microsoft.com/office/drawing/2010/main" xmlns="">
                 <a:solidFill>
                   <a:schemeClr val="accent1"/>
                 </a:solidFill>
               </a14:hiddenFill>
             </a:ext>
             <a:ext uri="{91240B29-F687-4f45-9708-019B960494DF}">
-              <a14:hiddenLine xmlns:a14="http://schemas.microsoft.com/office/drawing/2010/main" w="9525">
+              <a14:hiddenLine xmlns:a14="http://schemas.microsoft.com/office/drawing/2010/main" xmlns="" w="9525">
                 <a:solidFill>
                   <a:schemeClr val="tx1"/>
                 </a:solidFill>
@@ -13913,7 +13373,7 @@
               </a14:hiddenLine>
             </a:ext>
             <a:ext uri="{AF507438-7753-43e0-B8FC-AC1667EBCBE1}">
-              <a14:hiddenEffects xmlns:a14="http://schemas.microsoft.com/office/drawing/2010/main">
+              <a14:hiddenEffects xmlns:a14="http://schemas.microsoft.com/office/drawing/2010/main" xmlns="">
                 <a:effectLst>
                   <a:outerShdw dist="35921" dir="2700000" algn="ctr" rotWithShape="0">
                     <a:schemeClr val="bg2"/>
@@ -13950,15 +13410,14 @@
               <a:rPr lang="en-US" dirty="0"/>
               <a:t>My answer: </a:t>
             </a:r>
-            <a:endParaRPr lang="en-US" dirty="0" smtClean="0"/>
-          </a:p>
-          <a:p>
-            <a:r>
-              <a:rPr lang="en-US" dirty="0" smtClean="0"/>
+          </a:p>
+          <a:p>
+            <a:r>
+              <a:rPr lang="en-US" dirty="0"/>
               <a:t>library(</a:t>
             </a:r>
             <a:r>
-              <a:rPr lang="en-US" dirty="0" err="1" smtClean="0"/>
+              <a:rPr lang="en-US" dirty="0" err="1"/>
               <a:t>epitools</a:t>
             </a:r>
             <a:r>
@@ -14031,10 +13490,9 @@
           <a:lstStyle/>
           <a:p>
             <a:r>
-              <a:rPr lang="en-US" dirty="0" smtClean="0"/>
+              <a:rPr lang="en-US" dirty="0"/>
               <a:t>(Bonus: Self-test #10, 11, review)</a:t>
             </a:r>
-            <a:endParaRPr lang="en-US" dirty="0"/>
           </a:p>
         </p:txBody>
       </p:sp>
@@ -14074,7 +13532,7 @@
   <p:timing>
     <p:tnLst>
       <p:par>
-        <p:cTn xmlns:p14="http://schemas.microsoft.com/office/powerpoint/2010/main" id="1" dur="indefinite" restart="never" nodeType="tmRoot">
+        <p:cTn id="1" dur="indefinite" restart="never" nodeType="tmRoot">
           <p:childTnLst>
             <p:seq concurrent="1" nextAc="seek">
               <p:cTn id="2" dur="indefinite" nodeType="mainSeq">
@@ -14185,10 +13643,9 @@
           <a:lstStyle/>
           <a:p>
             <a:r>
-              <a:rPr lang="en-US" dirty="0" smtClean="0"/>
+              <a:rPr lang="en-US" dirty="0"/>
               <a:t>Challenge</a:t>
             </a:r>
-            <a:endParaRPr lang="en-US" dirty="0"/>
           </a:p>
         </p:txBody>
       </p:sp>
@@ -14214,15 +13671,7 @@
           <a:p>
             <a:r>
               <a:rPr lang="en-US" sz="2400" dirty="0"/>
-              <a:t>Load the </a:t>
-            </a:r>
-            <a:r>
-              <a:rPr lang="en-US" sz="2400" dirty="0" smtClean="0"/>
-              <a:t>titanic survivor </a:t>
-            </a:r>
-            <a:r>
-              <a:rPr lang="en-US" sz="2400" dirty="0"/>
-              <a:t>dataset from http://www.columbia.edu/~sjm2186/P9489/titanic.csv</a:t>
+              <a:t>Load the titanic survivor dataset from http://www.columbia.edu/~sjm2186/P9489/titanic.csv</a:t>
             </a:r>
           </a:p>
           <a:p>
@@ -14231,30 +13680,13 @@
               <a:t>Use </a:t>
             </a:r>
             <a:r>
-              <a:rPr lang="en-US" sz="2400" dirty="0" err="1" smtClean="0"/>
+              <a:rPr lang="en-US" sz="2400" dirty="0" err="1"/>
               <a:t>epitab</a:t>
             </a:r>
             <a:r>
-              <a:rPr lang="en-US" sz="2400" dirty="0" smtClean="0"/>
-              <a:t> </a:t>
-            </a:r>
-            <a:r>
               <a:rPr lang="en-US" sz="2400" dirty="0"/>
-              <a:t>to compute </a:t>
-            </a:r>
-            <a:r>
-              <a:rPr lang="en-US" sz="2400" dirty="0" smtClean="0"/>
-              <a:t>risk ratios </a:t>
-            </a:r>
-            <a:r>
-              <a:rPr lang="en-US" sz="2400" dirty="0"/>
-              <a:t>(with confidence intervals</a:t>
-            </a:r>
-            <a:r>
-              <a:rPr lang="en-US" sz="2400" dirty="0" smtClean="0"/>
-              <a:t>) for death for second and third class passengers</a:t>
-            </a:r>
-            <a:endParaRPr lang="en-US" sz="2400" dirty="0"/>
+              <a:t> to compute risk ratios (with confidence intervals) for death for second and third class passengers</a:t>
+            </a:r>
           </a:p>
           <a:p>
             <a:endParaRPr lang="en-US" dirty="0"/>
@@ -14297,14 +13729,14 @@
           <a:effectLst/>
           <a:extLst>
             <a:ext uri="{909E8E84-426E-40dd-AFC4-6F175D3DCCD1}">
-              <a14:hiddenFill xmlns:a14="http://schemas.microsoft.com/office/drawing/2010/main">
+              <a14:hiddenFill xmlns:a14="http://schemas.microsoft.com/office/drawing/2010/main" xmlns="">
                 <a:solidFill>
                   <a:schemeClr val="accent1"/>
                 </a:solidFill>
               </a14:hiddenFill>
             </a:ext>
             <a:ext uri="{91240B29-F687-4f45-9708-019B960494DF}">
-              <a14:hiddenLine xmlns:a14="http://schemas.microsoft.com/office/drawing/2010/main" w="9525">
+              <a14:hiddenLine xmlns:a14="http://schemas.microsoft.com/office/drawing/2010/main" xmlns="" w="9525">
                 <a:solidFill>
                   <a:schemeClr val="tx1"/>
                 </a:solidFill>
@@ -14314,7 +13746,7 @@
               </a14:hiddenLine>
             </a:ext>
             <a:ext uri="{AF507438-7753-43e0-B8FC-AC1667EBCBE1}">
-              <a14:hiddenEffects xmlns:a14="http://schemas.microsoft.com/office/drawing/2010/main">
+              <a14:hiddenEffects xmlns:a14="http://schemas.microsoft.com/office/drawing/2010/main" xmlns="">
                 <a:effectLst>
                   <a:outerShdw dist="35921" dir="2700000" algn="ctr" rotWithShape="0">
                     <a:schemeClr val="bg2"/>
@@ -14348,18 +13780,14 @@
           <a:lstStyle/>
           <a:p>
             <a:r>
-              <a:rPr lang="en-US" dirty="0" smtClean="0"/>
+              <a:rPr lang="en-US" dirty="0"/>
               <a:t>My answer:</a:t>
             </a:r>
           </a:p>
           <a:p>
             <a:r>
-              <a:rPr lang="en-US" dirty="0" smtClean="0"/>
-              <a:t>titanic </a:t>
-            </a:r>
-            <a:r>
-              <a:rPr lang="en-US" dirty="0"/>
-              <a:t>&lt;- read.csv("http://www.columbia.edu/~sjm2186/P9489/titanic.csv")</a:t>
+              <a:rPr lang="en-US" dirty="0"/>
+              <a:t>titanic &lt;- read.csv("http://www.columbia.edu/~sjm2186/P9489/titanic.csv")</a:t>
             </a:r>
           </a:p>
           <a:p>
@@ -14425,10 +13853,9 @@
           <a:p>
             <a:pPr algn="ctr"/>
             <a:r>
-              <a:rPr lang="en-US" dirty="0" smtClean="0"/>
+              <a:rPr lang="en-US" dirty="0"/>
               <a:t>I feel like I can never show this headline too many times</a:t>
             </a:r>
-            <a:endParaRPr lang="en-US" dirty="0"/>
           </a:p>
         </p:txBody>
       </p:sp>
@@ -14455,10 +13882,9 @@
           <a:lstStyle/>
           <a:p>
             <a:r>
-              <a:rPr lang="en-US" dirty="0" smtClean="0"/>
+              <a:rPr lang="en-US" dirty="0"/>
               <a:t>(Bonus: Self-test #10, 11, review)</a:t>
             </a:r>
-            <a:endParaRPr lang="en-US" dirty="0"/>
           </a:p>
         </p:txBody>
       </p:sp>
@@ -14498,7 +13924,7 @@
   <p:timing>
     <p:tnLst>
       <p:par>
-        <p:cTn xmlns:p14="http://schemas.microsoft.com/office/powerpoint/2010/main" id="1" dur="indefinite" restart="never" nodeType="tmRoot">
+        <p:cTn id="1" dur="indefinite" restart="never" nodeType="tmRoot">
           <p:childTnLst>
             <p:seq concurrent="1" nextAc="seek">
               <p:cTn id="2" dur="indefinite" nodeType="mainSeq">
@@ -14609,11 +14035,11 @@
           <a:lstStyle/>
           <a:p>
             <a:r>
-              <a:rPr lang="en-US" dirty="0" smtClean="0"/>
+              <a:rPr lang="en-US" dirty="0"/>
               <a:t>More </a:t>
             </a:r>
             <a:r>
-              <a:rPr lang="en-US" dirty="0" err="1" smtClean="0"/>
+              <a:rPr lang="en-US" dirty="0" err="1"/>
               <a:t>read.table</a:t>
             </a:r>
             <a:endParaRPr lang="en-US" dirty="0"/>
@@ -14638,61 +14064,61 @@
           <a:lstStyle/>
           <a:p>
             <a:r>
-              <a:rPr lang="en-US" dirty="0" smtClean="0"/>
+              <a:rPr lang="en-US" dirty="0"/>
               <a:t>Other parameters to know:</a:t>
             </a:r>
           </a:p>
           <a:p>
             <a:pPr lvl="1"/>
             <a:r>
-              <a:rPr lang="en-US" dirty="0" err="1" smtClean="0"/>
+              <a:rPr lang="en-US" dirty="0" err="1"/>
               <a:t>sep</a:t>
             </a:r>
             <a:r>
-              <a:rPr lang="en-US" dirty="0" smtClean="0"/>
+              <a:rPr lang="en-US" dirty="0"/>
               <a:t>= spaces, tabs, hard returns (default), or specify</a:t>
             </a:r>
           </a:p>
           <a:p>
             <a:pPr lvl="1"/>
             <a:r>
-              <a:rPr lang="en-US" dirty="0" err="1" smtClean="0"/>
+              <a:rPr lang="en-US" dirty="0" err="1"/>
               <a:t>na.strings</a:t>
             </a:r>
             <a:r>
-              <a:rPr lang="en-US" dirty="0" smtClean="0"/>
+              <a:rPr lang="en-US" dirty="0"/>
               <a:t>= how to treat missing values</a:t>
             </a:r>
           </a:p>
           <a:p>
             <a:pPr lvl="1"/>
             <a:r>
-              <a:rPr lang="en-US" dirty="0" smtClean="0"/>
+              <a:rPr lang="en-US" dirty="0"/>
               <a:t>skip= rows not to read in</a:t>
             </a:r>
           </a:p>
           <a:p>
             <a:pPr lvl="1"/>
             <a:r>
-              <a:rPr lang="en-US" dirty="0" err="1" smtClean="0"/>
+              <a:rPr lang="en-US" dirty="0" err="1"/>
               <a:t>nrows</a:t>
             </a:r>
             <a:r>
-              <a:rPr lang="en-US" dirty="0" smtClean="0"/>
+              <a:rPr lang="en-US" dirty="0"/>
               <a:t>= number observations to read in</a:t>
             </a:r>
           </a:p>
           <a:p>
             <a:pPr lvl="1"/>
             <a:r>
-              <a:rPr lang="en-US" dirty="0" smtClean="0"/>
+              <a:rPr lang="en-US" dirty="0"/>
               <a:t>fill=TRUE if some observations have more variables than others</a:t>
             </a:r>
           </a:p>
           <a:p>
             <a:pPr lvl="2"/>
             <a:r>
-              <a:rPr lang="en-US" dirty="0" smtClean="0"/>
+              <a:rPr lang="en-US" dirty="0"/>
               <a:t>(otherwise R expects all observations to be equal)</a:t>
             </a:r>
           </a:p>
@@ -14734,13 +14160,6 @@
   <p:clrMapOvr>
     <a:masterClrMapping/>
   </p:clrMapOvr>
-  <p:timing>
-    <p:tnLst>
-      <p:par>
-        <p:cTn xmlns:p14="http://schemas.microsoft.com/office/powerpoint/2010/main" id="1" dur="indefinite" restart="never" nodeType="tmRoot"/>
-      </p:par>
-    </p:tnLst>
-  </p:timing>
 </p:sld>
 </file>
 
@@ -14777,11 +14196,11 @@
           <a:lstStyle/>
           <a:p>
             <a:r>
-              <a:rPr lang="en-US" dirty="0" smtClean="0"/>
+              <a:rPr lang="en-US" dirty="0"/>
               <a:t>Important variations on </a:t>
             </a:r>
             <a:r>
-              <a:rPr lang="en-US" dirty="0" err="1" smtClean="0"/>
+              <a:rPr lang="en-US" dirty="0" err="1"/>
               <a:t>read.table</a:t>
             </a:r>
             <a:endParaRPr lang="en-US" dirty="0"/>
@@ -14809,30 +14228,29 @@
           <a:lstStyle/>
           <a:p>
             <a:r>
-              <a:rPr lang="en-US" dirty="0" smtClean="0"/>
+              <a:rPr lang="en-US" dirty="0"/>
               <a:t>read.csv: reads comma-separated value files</a:t>
             </a:r>
           </a:p>
           <a:p>
             <a:r>
-              <a:rPr lang="en-US" dirty="0" err="1" smtClean="0"/>
+              <a:rPr lang="en-US" dirty="0" err="1"/>
               <a:t>read.delim</a:t>
             </a:r>
             <a:r>
-              <a:rPr lang="en-US" dirty="0" smtClean="0"/>
+              <a:rPr lang="en-US" dirty="0"/>
               <a:t>: reads tab-delimited files</a:t>
             </a:r>
           </a:p>
           <a:p>
             <a:r>
-              <a:rPr lang="en-US" dirty="0" err="1" smtClean="0"/>
+              <a:rPr lang="en-US" dirty="0" err="1"/>
               <a:t>read.fwf</a:t>
             </a:r>
             <a:r>
-              <a:rPr lang="en-US" dirty="0" smtClean="0"/>
+              <a:rPr lang="en-US" dirty="0"/>
               <a:t>: reads fixed-width files</a:t>
             </a:r>
-            <a:endParaRPr lang="en-US" dirty="0"/>
           </a:p>
         </p:txBody>
       </p:sp>
@@ -14869,13 +14287,6 @@
   <p:clrMapOvr>
     <a:masterClrMapping/>
   </p:clrMapOvr>
-  <p:timing>
-    <p:tnLst>
-      <p:par>
-        <p:cTn xmlns:p14="http://schemas.microsoft.com/office/powerpoint/2010/main" id="1" dur="indefinite" restart="never" nodeType="tmRoot"/>
-      </p:par>
-    </p:tnLst>
-  </p:timing>
 </p:sld>
 </file>
 
@@ -14912,10 +14323,9 @@
           <a:lstStyle/>
           <a:p>
             <a:r>
-              <a:rPr lang="en-US" dirty="0" smtClean="0"/>
+              <a:rPr lang="en-US" dirty="0"/>
               <a:t>Other read functions</a:t>
             </a:r>
-            <a:endParaRPr lang="en-US" dirty="0"/>
           </a:p>
         </p:txBody>
       </p:sp>
@@ -14937,55 +14347,55 @@
           <a:lstStyle/>
           <a:p>
             <a:r>
-              <a:rPr lang="en-US" dirty="0" smtClean="0"/>
+              <a:rPr lang="en-US" dirty="0"/>
               <a:t>In the </a:t>
             </a:r>
             <a:r>
-              <a:rPr lang="en-US" i="1" dirty="0" smtClean="0"/>
+              <a:rPr lang="en-US" i="1" dirty="0"/>
               <a:t>foreign</a:t>
             </a:r>
             <a:r>
-              <a:rPr lang="en-US" dirty="0" smtClean="0"/>
+              <a:rPr lang="en-US" dirty="0"/>
               <a:t> package:</a:t>
             </a:r>
           </a:p>
           <a:p>
             <a:pPr lvl="1"/>
             <a:r>
-              <a:rPr lang="en-US" dirty="0" err="1" smtClean="0"/>
+              <a:rPr lang="en-US" dirty="0" err="1"/>
               <a:t>read.xport</a:t>
             </a:r>
             <a:r>
-              <a:rPr lang="en-US" dirty="0" smtClean="0"/>
+              <a:rPr lang="en-US" dirty="0"/>
               <a:t> (SAS export files)</a:t>
             </a:r>
           </a:p>
           <a:p>
             <a:pPr lvl="1"/>
             <a:r>
-              <a:rPr lang="en-US" dirty="0" err="1" smtClean="0"/>
+              <a:rPr lang="en-US" dirty="0" err="1"/>
               <a:t>read.dta</a:t>
             </a:r>
             <a:r>
-              <a:rPr lang="en-US" dirty="0" smtClean="0"/>
+              <a:rPr lang="en-US" dirty="0"/>
               <a:t> (Stata files, version 12 and lower)</a:t>
             </a:r>
           </a:p>
           <a:p>
             <a:pPr lvl="1"/>
             <a:r>
-              <a:rPr lang="en-US" dirty="0" err="1" smtClean="0"/>
+              <a:rPr lang="en-US" dirty="0" err="1"/>
               <a:t>read.spss</a:t>
             </a:r>
             <a:r>
-              <a:rPr lang="en-US" dirty="0" smtClean="0"/>
+              <a:rPr lang="en-US" dirty="0"/>
               <a:t> (SPSS files)</a:t>
             </a:r>
           </a:p>
           <a:p>
             <a:pPr lvl="1"/>
             <a:r>
-              <a:rPr lang="en-US" dirty="0" smtClean="0"/>
+              <a:rPr lang="en-US" dirty="0"/>
               <a:t>… others</a:t>
             </a:r>
           </a:p>
@@ -14995,65 +14405,23 @@
           </a:p>
           <a:p>
             <a:r>
-              <a:rPr lang="en-US" dirty="0" smtClean="0"/>
+              <a:rPr lang="en-US" dirty="0"/>
               <a:t>In the </a:t>
             </a:r>
             <a:r>
-              <a:rPr lang="en-US" i="1" dirty="0" smtClean="0"/>
+              <a:rPr lang="en-US" i="1" dirty="0"/>
               <a:t>sas7bdat</a:t>
             </a:r>
             <a:r>
-              <a:rPr lang="en-US" dirty="0" smtClean="0"/>
+              <a:rPr lang="en-US" dirty="0"/>
               <a:t> package:</a:t>
             </a:r>
           </a:p>
           <a:p>
             <a:pPr lvl="1"/>
             <a:r>
-              <a:rPr lang="en-US" dirty="0" smtClean="0"/>
+              <a:rPr lang="en-US" dirty="0"/>
               <a:t>read.sas7bdat (SAS sas7bdat files)</a:t>
-            </a:r>
-            <a:endParaRPr lang="en-US" dirty="0"/>
-          </a:p>
-          <a:p>
-            <a:pPr lvl="1"/>
-            <a:endParaRPr lang="en-US" dirty="0" smtClean="0"/>
-          </a:p>
-          <a:p>
-            <a:r>
-              <a:rPr lang="en-US" dirty="0"/>
-              <a:t>In the </a:t>
-            </a:r>
-            <a:r>
-              <a:rPr lang="en-US" i="1" dirty="0" smtClean="0"/>
-              <a:t>readstata13 </a:t>
-            </a:r>
-            <a:r>
-              <a:rPr lang="en-US" dirty="0" smtClean="0"/>
-              <a:t>package</a:t>
-            </a:r>
-            <a:r>
-              <a:rPr lang="en-US" dirty="0"/>
-              <a:t>:</a:t>
-            </a:r>
-          </a:p>
-          <a:p>
-            <a:pPr lvl="1"/>
-            <a:r>
-              <a:rPr lang="en-US" dirty="0" smtClean="0"/>
-              <a:t>read.dta13 </a:t>
-            </a:r>
-            <a:r>
-              <a:rPr lang="en-US" dirty="0"/>
-              <a:t>(</a:t>
-            </a:r>
-            <a:r>
-              <a:rPr lang="en-US" dirty="0" smtClean="0"/>
-              <a:t>Stata 13 files</a:t>
-            </a:r>
-            <a:r>
-              <a:rPr lang="en-US" dirty="0"/>
-              <a:t>)</a:t>
             </a:r>
           </a:p>
           <a:p>
@@ -15061,15 +14429,39 @@
             <a:endParaRPr lang="en-US" dirty="0"/>
           </a:p>
           <a:p>
+            <a:r>
+              <a:rPr lang="en-US" dirty="0"/>
+              <a:t>In the </a:t>
+            </a:r>
+            <a:r>
+              <a:rPr lang="en-US" i="1" dirty="0"/>
+              <a:t>readstata13 </a:t>
+            </a:r>
+            <a:r>
+              <a:rPr lang="en-US" dirty="0"/>
+              <a:t>package:</a:t>
+            </a:r>
+          </a:p>
+          <a:p>
             <a:pPr lvl="1"/>
-            <a:endParaRPr lang="en-US" dirty="0" smtClean="0"/>
-          </a:p>
-          <a:p>
-            <a:r>
-              <a:rPr lang="en-US" dirty="0" smtClean="0"/>
+            <a:r>
+              <a:rPr lang="en-US" dirty="0"/>
+              <a:t>read.dta13 (Stata 13 files)</a:t>
+            </a:r>
+          </a:p>
+          <a:p>
+            <a:pPr lvl="1"/>
+            <a:endParaRPr lang="en-US" dirty="0"/>
+          </a:p>
+          <a:p>
+            <a:pPr lvl="1"/>
+            <a:endParaRPr lang="en-US" dirty="0"/>
+          </a:p>
+          <a:p>
+            <a:r>
+              <a:rPr lang="en-US" dirty="0"/>
               <a:t>(we'll talk more about packages later)</a:t>
             </a:r>
-            <a:endParaRPr lang="en-US" dirty="0"/>
           </a:p>
         </p:txBody>
       </p:sp>
@@ -15109,14 +14501,14 @@
           <a:effectLst/>
           <a:extLst>
             <a:ext uri="{909E8E84-426E-40dd-AFC4-6F175D3DCCD1}">
-              <a14:hiddenFill xmlns:a14="http://schemas.microsoft.com/office/drawing/2010/main">
+              <a14:hiddenFill xmlns:a14="http://schemas.microsoft.com/office/drawing/2010/main" xmlns="">
                 <a:solidFill>
                   <a:schemeClr val="accent1"/>
                 </a:solidFill>
               </a14:hiddenFill>
             </a:ext>
             <a:ext uri="{91240B29-F687-4f45-9708-019B960494DF}">
-              <a14:hiddenLine xmlns:a14="http://schemas.microsoft.com/office/drawing/2010/main" w="9525">
+              <a14:hiddenLine xmlns:a14="http://schemas.microsoft.com/office/drawing/2010/main" xmlns="" w="9525">
                 <a:solidFill>
                   <a:schemeClr val="tx1"/>
                 </a:solidFill>
@@ -15126,7 +14518,7 @@
               </a14:hiddenLine>
             </a:ext>
             <a:ext uri="{AF507438-7753-43e0-B8FC-AC1667EBCBE1}">
-              <a14:hiddenEffects xmlns:a14="http://schemas.microsoft.com/office/drawing/2010/main">
+              <a14:hiddenEffects xmlns:a14="http://schemas.microsoft.com/office/drawing/2010/main" xmlns="">
                 <a:effectLst>
                   <a:outerShdw dist="35921" dir="2700000" algn="ctr" rotWithShape="0">
                     <a:schemeClr val="bg2"/>
@@ -15161,10 +14553,9 @@
           <a:p>
             <a:pPr algn="ctr"/>
             <a:r>
-              <a:rPr lang="en-US" dirty="0" smtClean="0"/>
+              <a:rPr lang="en-US" dirty="0"/>
               <a:t>American Sign Language for more</a:t>
             </a:r>
-            <a:endParaRPr lang="en-US" dirty="0"/>
           </a:p>
         </p:txBody>
       </p:sp>
@@ -15201,13 +14592,6 @@
   <p:clrMapOvr>
     <a:masterClrMapping/>
   </p:clrMapOvr>
-  <p:timing>
-    <p:tnLst>
-      <p:par>
-        <p:cTn xmlns:p14="http://schemas.microsoft.com/office/powerpoint/2010/main" id="1" dur="indefinite" restart="never" nodeType="tmRoot"/>
-      </p:par>
-    </p:tnLst>
-  </p:timing>
 </p:sld>
 </file>
 
@@ -15246,10 +14630,9 @@
           <a:lstStyle/>
           <a:p>
             <a:r>
-              <a:rPr lang="en-US" dirty="0" smtClean="0"/>
+              <a:rPr lang="en-US" dirty="0"/>
               <a:t>How to get data from someone else?</a:t>
             </a:r>
-            <a:endParaRPr lang="en-US" dirty="0"/>
           </a:p>
         </p:txBody>
       </p:sp>
@@ -15276,44 +14659,43 @@
           <a:lstStyle/>
           <a:p>
             <a:r>
-              <a:rPr lang="en-US" dirty="0" smtClean="0"/>
+              <a:rPr lang="en-US" dirty="0"/>
               <a:t>No one clear answer, but…</a:t>
             </a:r>
           </a:p>
           <a:p>
-            <a:endParaRPr lang="en-US" dirty="0" smtClean="0"/>
-          </a:p>
-          <a:p>
-            <a:r>
-              <a:rPr lang="en-US" dirty="0" smtClean="0"/>
+            <a:endParaRPr lang="en-US" dirty="0"/>
+          </a:p>
+          <a:p>
+            <a:r>
+              <a:rPr lang="en-US" dirty="0"/>
               <a:t>I usually ask others to export as a .</a:t>
             </a:r>
             <a:r>
-              <a:rPr lang="en-US" dirty="0" err="1" smtClean="0"/>
+              <a:rPr lang="en-US" dirty="0" err="1"/>
               <a:t>csv</a:t>
             </a:r>
             <a:r>
-              <a:rPr lang="en-US" dirty="0" smtClean="0"/>
+              <a:rPr lang="en-US" dirty="0"/>
               <a:t>…</a:t>
             </a:r>
           </a:p>
           <a:p>
-            <a:endParaRPr lang="en-US" dirty="0" smtClean="0"/>
-          </a:p>
-          <a:p>
-            <a:r>
-              <a:rPr lang="en-US" dirty="0" smtClean="0"/>
+            <a:endParaRPr lang="en-US" dirty="0"/>
+          </a:p>
+          <a:p>
+            <a:r>
+              <a:rPr lang="en-US" dirty="0"/>
               <a:t>Unless the file has a ton of columns (10,000ish?), in which case I ask them to export as .</a:t>
             </a:r>
             <a:r>
-              <a:rPr lang="en-US" dirty="0" err="1" smtClean="0"/>
+              <a:rPr lang="en-US" dirty="0" err="1"/>
               <a:t>dta</a:t>
             </a:r>
             <a:r>
-              <a:rPr lang="en-US" dirty="0" smtClean="0"/>
+              <a:rPr lang="en-US" dirty="0"/>
               <a:t> (even from SAS!)</a:t>
             </a:r>
-            <a:endParaRPr lang="en-US" dirty="0"/>
           </a:p>
         </p:txBody>
       </p:sp>
@@ -15353,14 +14735,14 @@
           <a:effectLst/>
           <a:extLst>
             <a:ext uri="{909E8E84-426E-40dd-AFC4-6F175D3DCCD1}">
-              <a14:hiddenFill xmlns:a14="http://schemas.microsoft.com/office/drawing/2010/main">
+              <a14:hiddenFill xmlns:a14="http://schemas.microsoft.com/office/drawing/2010/main" xmlns="">
                 <a:solidFill>
                   <a:schemeClr val="accent1"/>
                 </a:solidFill>
               </a14:hiddenFill>
             </a:ext>
             <a:ext uri="{91240B29-F687-4f45-9708-019B960494DF}">
-              <a14:hiddenLine xmlns:a14="http://schemas.microsoft.com/office/drawing/2010/main" w="9525">
+              <a14:hiddenLine xmlns:a14="http://schemas.microsoft.com/office/drawing/2010/main" xmlns="" w="9525">
                 <a:solidFill>
                   <a:schemeClr val="tx1"/>
                 </a:solidFill>
@@ -15370,7 +14752,7 @@
               </a14:hiddenLine>
             </a:ext>
             <a:ext uri="{AF507438-7753-43e0-B8FC-AC1667EBCBE1}">
-              <a14:hiddenEffects xmlns:a14="http://schemas.microsoft.com/office/drawing/2010/main">
+              <a14:hiddenEffects xmlns:a14="http://schemas.microsoft.com/office/drawing/2010/main" xmlns="">
                 <a:effectLst>
                   <a:outerShdw dist="35921" dir="2700000" algn="ctr" rotWithShape="0">
                     <a:schemeClr val="bg2"/>
@@ -15414,13 +14796,6 @@
   <p:clrMapOvr>
     <a:masterClrMapping/>
   </p:clrMapOvr>
-  <p:timing>
-    <p:tnLst>
-      <p:par>
-        <p:cTn xmlns:p14="http://schemas.microsoft.com/office/powerpoint/2010/main" id="1" dur="indefinite" restart="never" nodeType="tmRoot"/>
-      </p:par>
-    </p:tnLst>
-  </p:timing>
 </p:sld>
 </file>
 
@@ -15457,18 +14832,17 @@
           <a:lstStyle/>
           <a:p>
             <a:r>
-              <a:rPr lang="en-US" dirty="0" smtClean="0"/>
+              <a:rPr lang="en-US" dirty="0"/>
               <a:t>The </a:t>
             </a:r>
             <a:r>
-              <a:rPr lang="en-US" dirty="0" err="1" smtClean="0"/>
+              <a:rPr lang="en-US" dirty="0" err="1"/>
               <a:t>RStudio</a:t>
             </a:r>
             <a:r>
-              <a:rPr lang="en-US" dirty="0" smtClean="0"/>
+              <a:rPr lang="en-US" dirty="0"/>
               <a:t> import wizard</a:t>
             </a:r>
-            <a:endParaRPr lang="en-US" dirty="0"/>
           </a:p>
         </p:txBody>
       </p:sp>
@@ -15495,32 +14869,32 @@
           <a:lstStyle/>
           <a:p>
             <a:r>
-              <a:rPr lang="en-US" dirty="0" smtClean="0"/>
+              <a:rPr lang="en-US" dirty="0"/>
               <a:t>Really just a code generator for </a:t>
             </a:r>
             <a:r>
-              <a:rPr lang="en-US" dirty="0" err="1" smtClean="0"/>
+              <a:rPr lang="en-US" dirty="0" err="1"/>
               <a:t>read.table</a:t>
             </a:r>
             <a:endParaRPr lang="en-US" dirty="0"/>
           </a:p>
           <a:p>
-            <a:endParaRPr lang="en-US" dirty="0" smtClean="0"/>
-          </a:p>
-          <a:p>
-            <a:r>
-              <a:rPr lang="en-US" dirty="0" smtClean="0"/>
+            <a:endParaRPr lang="en-US" dirty="0"/>
+          </a:p>
+          <a:p>
+            <a:r>
+              <a:rPr lang="en-US" dirty="0"/>
               <a:t>Loads data frame into your session, but does not put the code in your editor file</a:t>
             </a:r>
           </a:p>
           <a:p>
             <a:pPr lvl="1"/>
             <a:r>
-              <a:rPr lang="en-US" dirty="0" smtClean="0"/>
+              <a:rPr lang="en-US" dirty="0"/>
               <a:t>So you need to run the import every time you restart </a:t>
             </a:r>
             <a:r>
-              <a:rPr lang="en-US" dirty="0" err="1" smtClean="0"/>
+              <a:rPr lang="en-US" dirty="0" err="1"/>
               <a:t>RStudio</a:t>
             </a:r>
             <a:endParaRPr lang="en-US" dirty="0"/>
@@ -15563,14 +14937,14 @@
           <a:effectLst/>
           <a:extLst>
             <a:ext uri="{909E8E84-426E-40dd-AFC4-6F175D3DCCD1}">
-              <a14:hiddenFill xmlns:a14="http://schemas.microsoft.com/office/drawing/2010/main">
+              <a14:hiddenFill xmlns:a14="http://schemas.microsoft.com/office/drawing/2010/main" xmlns="">
                 <a:solidFill>
                   <a:schemeClr val="accent1"/>
                 </a:solidFill>
               </a14:hiddenFill>
             </a:ext>
             <a:ext uri="{91240B29-F687-4f45-9708-019B960494DF}">
-              <a14:hiddenLine xmlns:a14="http://schemas.microsoft.com/office/drawing/2010/main" w="9525">
+              <a14:hiddenLine xmlns:a14="http://schemas.microsoft.com/office/drawing/2010/main" xmlns="" w="9525">
                 <a:solidFill>
                   <a:schemeClr val="tx1"/>
                 </a:solidFill>
@@ -15580,7 +14954,7 @@
               </a14:hiddenLine>
             </a:ext>
             <a:ext uri="{AF507438-7753-43e0-B8FC-AC1667EBCBE1}">
-              <a14:hiddenEffects xmlns:a14="http://schemas.microsoft.com/office/drawing/2010/main">
+              <a14:hiddenEffects xmlns:a14="http://schemas.microsoft.com/office/drawing/2010/main" xmlns="">
                 <a:effectLst>
                   <a:outerShdw dist="35921" dir="2700000" algn="ctr" rotWithShape="0">
                     <a:schemeClr val="bg2"/>
@@ -15665,13 +15039,6 @@
   <p:clrMapOvr>
     <a:masterClrMapping/>
   </p:clrMapOvr>
-  <p:timing>
-    <p:tnLst>
-      <p:par>
-        <p:cTn xmlns:p14="http://schemas.microsoft.com/office/powerpoint/2010/main" id="1" dur="indefinite" restart="never" nodeType="tmRoot"/>
-      </p:par>
-    </p:tnLst>
-  </p:timing>
 </p:sld>
 </file>
 
